--- a/interview-artifacts.pptx
+++ b/interview-artifacts.pptx
@@ -5,20 +5,21 @@
     <p:sldMasterId id="2147483648" r:id="rId2"/>
   </p:sldMasterIdLst>
   <p:notesMasterIdLst>
-    <p:notesMasterId r:id="rId11"/>
+    <p:notesMasterId r:id="rId12"/>
   </p:notesMasterIdLst>
   <p:handoutMasterIdLst>
-    <p:handoutMasterId r:id="rId12"/>
+    <p:handoutMasterId r:id="rId13"/>
   </p:handoutMasterIdLst>
   <p:sldIdLst>
     <p:sldId id="283" r:id="rId3"/>
     <p:sldId id="298" r:id="rId4"/>
-    <p:sldId id="284" r:id="rId5"/>
-    <p:sldId id="296" r:id="rId6"/>
-    <p:sldId id="297" r:id="rId7"/>
-    <p:sldId id="299" r:id="rId8"/>
-    <p:sldId id="300" r:id="rId9"/>
-    <p:sldId id="290" r:id="rId10"/>
+    <p:sldId id="304" r:id="rId5"/>
+    <p:sldId id="306" r:id="rId6"/>
+    <p:sldId id="305" r:id="rId7"/>
+    <p:sldId id="303" r:id="rId8"/>
+    <p:sldId id="296" r:id="rId9"/>
+    <p:sldId id="302" r:id="rId10"/>
+    <p:sldId id="290" r:id="rId11"/>
   </p:sldIdLst>
   <p:sldSz cx="12195175" cy="6859588"/>
   <p:notesSz cx="6858000" cy="9144000"/>
@@ -232,7 +233,7 @@
           <a:p>
             <a:fld id="{C4CAD8F6-FF7C-447F-A91D-4FA7CFC9C0C5}" type="datetimeFigureOut">
               <a:rPr lang="en-GB" smtClean="0"/>
-              <a:t>12/11/2021</a:t>
+              <a:t>11/01/2022</a:t>
             </a:fld>
             <a:endParaRPr lang="en-GB" dirty="0"/>
           </a:p>
@@ -298,7 +299,7 @@
           <a:p>
             <a:fld id="{F3B7EE11-88F6-4E42-B196-8CF9EA9FE22F}" type="slidenum">
               <a:rPr lang="en-GB" smtClean="0"/>
-              <a:t>‹#›</a:t>
+              <a:t>‹Nr.›</a:t>
             </a:fld>
             <a:endParaRPr lang="en-GB" dirty="0"/>
           </a:p>
@@ -402,7 +403,7 @@
             <a:fld id="{45B75E70-762A-4375-AA7C-DE9BB7CC9339}" type="datetimeFigureOut">
               <a:rPr lang="de-DE" smtClean="0"/>
               <a:pPr/>
-              <a:t>12.11.2021</a:t>
+              <a:t>11.01.2022</a:t>
             </a:fld>
             <a:endParaRPr lang="de-DE" dirty="0"/>
           </a:p>
@@ -565,7 +566,7 @@
             <a:fld id="{DF1895BC-06EC-475A-97CA-BF53472F2E03}" type="slidenum">
               <a:rPr lang="de-DE" smtClean="0"/>
               <a:pPr/>
-              <a:t>‹#›</a:t>
+              <a:t>‹Nr.›</a:t>
             </a:fld>
             <a:endParaRPr lang="de-DE" dirty="0"/>
           </a:p>
@@ -871,7 +872,7 @@
               <a:pPr>
                 <a:defRPr/>
               </a:pPr>
-              <a:t>‹#›</a:t>
+              <a:t>‹Nr.›</a:t>
             </a:fld>
             <a:endParaRPr lang="en-GB" noProof="0" dirty="0"/>
           </a:p>
@@ -1102,7 +1103,7 @@
               <a:pPr>
                 <a:defRPr/>
               </a:pPr>
-              <a:t>‹#›</a:t>
+              <a:t>‹Nr.›</a:t>
             </a:fld>
             <a:endParaRPr lang="en-GB" noProof="0" dirty="0"/>
           </a:p>
@@ -1317,7 +1318,7 @@
               <a:pPr>
                 <a:defRPr/>
               </a:pPr>
-              <a:t>‹#›</a:t>
+              <a:t>‹Nr.›</a:t>
             </a:fld>
             <a:endParaRPr lang="en-GB" noProof="0" dirty="0"/>
           </a:p>
@@ -1484,7 +1485,7 @@
               <a:pPr>
                 <a:defRPr/>
               </a:pPr>
-              <a:t>‹#›</a:t>
+              <a:t>‹Nr.›</a:t>
             </a:fld>
             <a:endParaRPr lang="en-GB" noProof="0" dirty="0"/>
           </a:p>
@@ -1651,7 +1652,7 @@
               <a:pPr>
                 <a:defRPr/>
               </a:pPr>
-              <a:t>‹#›</a:t>
+              <a:t>‹Nr.›</a:t>
             </a:fld>
             <a:endParaRPr lang="en-GB" noProof="0" dirty="0"/>
           </a:p>
@@ -1998,7 +1999,7 @@
               <a:pPr>
                 <a:defRPr/>
               </a:pPr>
-              <a:t>‹#›</a:t>
+              <a:t>‹Nr.›</a:t>
             </a:fld>
             <a:endParaRPr lang="en-GB" noProof="0" dirty="0"/>
           </a:p>
@@ -2109,7 +2110,7 @@
               <a:pPr>
                 <a:defRPr/>
               </a:pPr>
-              <a:t>‹#›</a:t>
+              <a:t>‹Nr.›</a:t>
             </a:fld>
             <a:endParaRPr lang="en-GB" noProof="0" dirty="0"/>
           </a:p>
@@ -2197,7 +2198,7 @@
               <a:pPr>
                 <a:defRPr/>
               </a:pPr>
-              <a:t>‹#›</a:t>
+              <a:t>‹Nr.›</a:t>
             </a:fld>
             <a:endParaRPr lang="en-GB" noProof="0" dirty="0"/>
           </a:p>
@@ -2285,7 +2286,7 @@
               <a:pPr>
                 <a:defRPr/>
               </a:pPr>
-              <a:t>‹#›</a:t>
+              <a:t>‹Nr.›</a:t>
             </a:fld>
             <a:endParaRPr lang="en-GB" noProof="0" dirty="0"/>
           </a:p>
@@ -2718,7 +2719,7 @@
               <a:pPr>
                 <a:defRPr/>
               </a:pPr>
-              <a:t>‹#›</a:t>
+              <a:t>‹Nr.›</a:t>
             </a:fld>
             <a:endParaRPr lang="en-GB" noProof="0" dirty="0"/>
           </a:p>
@@ -3044,19 +3045,7 @@
               <a:rPr lang="de-DE" sz="3200" dirty="0">
                 <a:latin typeface="Quicksand" pitchFamily="2" charset="0"/>
               </a:rPr>
-              <a:t>Study </a:t>
-            </a:r>
-            <a:r>
-              <a:rPr lang="de-DE" sz="3200" dirty="0" err="1">
-                <a:latin typeface="Quicksand" pitchFamily="2" charset="0"/>
-              </a:rPr>
-              <a:t>of</a:t>
-            </a:r>
-            <a:r>
-              <a:rPr lang="de-DE" sz="3200" dirty="0">
-                <a:latin typeface="Quicksand" pitchFamily="2" charset="0"/>
-              </a:rPr>
-              <a:t> </a:t>
+              <a:t>Study of </a:t>
             </a:r>
             <a:r>
               <a:rPr lang="de-DE" sz="3200" dirty="0" err="1">
@@ -3235,7 +3224,7 @@
           <a:p>
             <a:pPr algn="ctr"/>
             <a:r>
-              <a:rPr lang="de-DE" sz="3200" dirty="0">
+              <a:rPr lang="de-DE" sz="3200" b="0" dirty="0">
                 <a:solidFill>
                   <a:schemeClr val="tx1"/>
                 </a:solidFill>
@@ -3244,7 +3233,7 @@
               <a:t>Bots in SE- A </a:t>
             </a:r>
             <a:r>
-              <a:rPr lang="de-DE" sz="3200" dirty="0" err="1">
+              <a:rPr lang="de-DE" sz="3200" b="0" dirty="0" err="1">
                 <a:solidFill>
                   <a:schemeClr val="tx1"/>
                 </a:solidFill>
@@ -3253,7 +3242,7 @@
               <a:t>systematic</a:t>
             </a:r>
             <a:r>
-              <a:rPr lang="de-DE" sz="3200" dirty="0">
+              <a:rPr lang="de-DE" sz="3200" b="0" dirty="0">
                 <a:solidFill>
                   <a:schemeClr val="tx1"/>
                 </a:solidFill>
@@ -3262,7 +3251,7 @@
               <a:t> </a:t>
             </a:r>
             <a:r>
-              <a:rPr lang="de-DE" sz="3200" dirty="0" err="1">
+              <a:rPr lang="de-DE" sz="3200" b="0" dirty="0" err="1">
                 <a:solidFill>
                   <a:schemeClr val="tx1"/>
                 </a:solidFill>
@@ -3271,7 +3260,7 @@
               <a:t>mapping</a:t>
             </a:r>
             <a:r>
-              <a:rPr lang="de-DE" sz="3200" dirty="0">
+              <a:rPr lang="de-DE" sz="3200" b="0" dirty="0">
                 <a:solidFill>
                   <a:schemeClr val="tx1"/>
                 </a:solidFill>
@@ -3280,7 +3269,7 @@
               <a:t> </a:t>
             </a:r>
             <a:r>
-              <a:rPr lang="de-DE" sz="3200" dirty="0" err="1">
+              <a:rPr lang="de-DE" sz="3200" b="0" dirty="0" err="1">
                 <a:solidFill>
                   <a:schemeClr val="tx1"/>
                 </a:solidFill>
@@ -3288,7 +3277,7 @@
               </a:rPr>
               <a:t>study</a:t>
             </a:r>
-            <a:endParaRPr lang="de-DE" sz="2800" dirty="0">
+            <a:endParaRPr lang="de-DE" sz="2800" b="0" dirty="0">
               <a:solidFill>
                 <a:schemeClr val="tx1"/>
               </a:solidFill>
@@ -3375,7 +3364,7 @@
         </p:nvSpPr>
         <p:spPr>
           <a:xfrm>
-            <a:off x="485999" y="189434"/>
+            <a:off x="485999" y="333450"/>
             <a:ext cx="11221200" cy="738000"/>
           </a:xfrm>
         </p:spPr>
@@ -3385,60 +3374,15 @@
           <a:p>
             <a:pPr algn="ctr"/>
             <a:r>
-              <a:rPr lang="de-DE" sz="3200" dirty="0">
+              <a:rPr lang="de-DE" sz="3200" b="0" dirty="0">
                 <a:solidFill>
                   <a:schemeClr val="tx1"/>
                 </a:solidFill>
                 <a:latin typeface="Quicksand" pitchFamily="2" charset="0"/>
               </a:rPr>
-              <a:t>Bots in SE- A </a:t>
-            </a:r>
-            <a:r>
-              <a:rPr lang="de-DE" sz="3200" dirty="0" err="1">
-                <a:solidFill>
-                  <a:schemeClr val="tx1"/>
-                </a:solidFill>
-                <a:latin typeface="Quicksand" pitchFamily="2" charset="0"/>
-              </a:rPr>
-              <a:t>systematic</a:t>
-            </a:r>
-            <a:r>
-              <a:rPr lang="de-DE" sz="3200" dirty="0">
-                <a:solidFill>
-                  <a:schemeClr val="tx1"/>
-                </a:solidFill>
-                <a:latin typeface="Quicksand" pitchFamily="2" charset="0"/>
-              </a:rPr>
-              <a:t> </a:t>
-            </a:r>
-            <a:r>
-              <a:rPr lang="de-DE" sz="3200" dirty="0" err="1">
-                <a:solidFill>
-                  <a:schemeClr val="tx1"/>
-                </a:solidFill>
-                <a:latin typeface="Quicksand" pitchFamily="2" charset="0"/>
-              </a:rPr>
-              <a:t>mapping</a:t>
-            </a:r>
-            <a:r>
-              <a:rPr lang="de-DE" sz="3200" dirty="0">
-                <a:solidFill>
-                  <a:schemeClr val="tx1"/>
-                </a:solidFill>
-                <a:latin typeface="Quicksand" pitchFamily="2" charset="0"/>
-              </a:rPr>
-              <a:t> </a:t>
-            </a:r>
-            <a:r>
-              <a:rPr lang="de-DE" sz="3200" dirty="0" err="1">
-                <a:solidFill>
-                  <a:schemeClr val="tx1"/>
-                </a:solidFill>
-                <a:latin typeface="Quicksand" pitchFamily="2" charset="0"/>
-              </a:rPr>
-              <a:t>study</a:t>
-            </a:r>
-            <a:endParaRPr lang="de-DE" sz="2800" dirty="0">
+              <a:t>Types of bots</a:t>
+            </a:r>
+            <a:endParaRPr lang="de-DE" sz="2800" b="0" dirty="0">
               <a:solidFill>
                 <a:schemeClr val="tx1"/>
               </a:solidFill>
@@ -3449,10 +3393,10 @@
       </p:sp>
       <p:pic>
         <p:nvPicPr>
-          <p:cNvPr id="8" name="Picture 7">
+          <p:cNvPr id="9" name="Grafik 8">
             <a:extLst>
               <a:ext uri="{FF2B5EF4-FFF2-40B4-BE49-F238E27FC236}">
-                <a16:creationId xmlns:a16="http://schemas.microsoft.com/office/drawing/2014/main" id="{95EEB25D-B543-4F66-9736-8FE50C969581}"/>
+                <a16:creationId xmlns:a16="http://schemas.microsoft.com/office/drawing/2014/main" id="{6676009D-777D-40FE-8637-BF1E42927D9F}"/>
               </a:ext>
             </a:extLst>
           </p:cNvPr>
@@ -3462,7 +3406,7 @@
           <p:nvPr/>
         </p:nvPicPr>
         <p:blipFill>
-          <a:blip r:embed="rId2" cstate="print">
+          <a:blip r:embed="rId2">
             <a:extLst>
               <a:ext uri="{28A0092B-C50C-407E-A947-70E740481C1C}">
                 <a14:useLocalDpi xmlns:a14="http://schemas.microsoft.com/office/drawing/2010/main" val="0"/>
@@ -3475,8 +3419,260 @@
         </p:blipFill>
         <p:spPr>
           <a:xfrm>
-            <a:off x="3073251" y="731768"/>
-            <a:ext cx="5544616" cy="5583904"/>
+            <a:off x="7249715" y="1887699"/>
+            <a:ext cx="3384376" cy="4178668"/>
+          </a:xfrm>
+          <a:prstGeom prst="rect">
+            <a:avLst/>
+          </a:prstGeom>
+        </p:spPr>
+      </p:pic>
+      <p:sp>
+        <p:nvSpPr>
+          <p:cNvPr id="12" name="Rechteck: abgerundete Ecken 11">
+            <a:extLst>
+              <a:ext uri="{FF2B5EF4-FFF2-40B4-BE49-F238E27FC236}">
+                <a16:creationId xmlns:a16="http://schemas.microsoft.com/office/drawing/2014/main" id="{8501E18D-A730-41C7-9D8D-60E33280EF30}"/>
+              </a:ext>
+            </a:extLst>
+          </p:cNvPr>
+          <p:cNvSpPr/>
+          <p:nvPr/>
+        </p:nvSpPr>
+        <p:spPr>
+          <a:xfrm>
+            <a:off x="827109" y="1125537"/>
+            <a:ext cx="5774534" cy="4984043"/>
+          </a:xfrm>
+          <a:prstGeom prst="roundRect">
+            <a:avLst>
+              <a:gd name="adj" fmla="val 6589"/>
+            </a:avLst>
+          </a:prstGeom>
+          <a:noFill/>
+          <a:ln w="9525">
+            <a:solidFill>
+              <a:schemeClr val="tx1"/>
+            </a:solidFill>
+          </a:ln>
+        </p:spPr>
+        <p:style>
+          <a:lnRef idx="2">
+            <a:schemeClr val="accent1">
+              <a:shade val="50000"/>
+            </a:schemeClr>
+          </a:lnRef>
+          <a:fillRef idx="1">
+            <a:schemeClr val="accent1"/>
+          </a:fillRef>
+          <a:effectRef idx="0">
+            <a:schemeClr val="accent1"/>
+          </a:effectRef>
+          <a:fontRef idx="minor">
+            <a:schemeClr val="lt1"/>
+          </a:fontRef>
+        </p:style>
+        <p:txBody>
+          <a:bodyPr rtlCol="0" anchor="ctr">
+            <a:noAutofit/>
+          </a:bodyPr>
+          <a:lstStyle/>
+          <a:p>
+            <a:pPr algn="ctr"/>
+            <a:endParaRPr lang="en-US" dirty="0">
+              <a:solidFill>
+                <a:schemeClr val="tx1"/>
+              </a:solidFill>
+              <a:latin typeface="Arial" pitchFamily="34" charset="0"/>
+              <a:cs typeface="Arial" pitchFamily="34" charset="0"/>
+            </a:endParaRPr>
+          </a:p>
+        </p:txBody>
+      </p:sp>
+      <p:sp>
+        <p:nvSpPr>
+          <p:cNvPr id="23" name="Rechteck: abgerundete Ecken 22">
+            <a:extLst>
+              <a:ext uri="{FF2B5EF4-FFF2-40B4-BE49-F238E27FC236}">
+                <a16:creationId xmlns:a16="http://schemas.microsoft.com/office/drawing/2014/main" id="{9F887EF0-3728-4146-A1E7-F4BCEB5AC665}"/>
+              </a:ext>
+            </a:extLst>
+          </p:cNvPr>
+          <p:cNvSpPr/>
+          <p:nvPr/>
+        </p:nvSpPr>
+        <p:spPr>
+          <a:xfrm>
+            <a:off x="6787486" y="1101158"/>
+            <a:ext cx="4422670" cy="5008422"/>
+          </a:xfrm>
+          <a:prstGeom prst="roundRect">
+            <a:avLst>
+              <a:gd name="adj" fmla="val 6589"/>
+            </a:avLst>
+          </a:prstGeom>
+          <a:noFill/>
+          <a:ln w="9525">
+            <a:solidFill>
+              <a:schemeClr val="tx1"/>
+            </a:solidFill>
+          </a:ln>
+        </p:spPr>
+        <p:style>
+          <a:lnRef idx="2">
+            <a:schemeClr val="accent1">
+              <a:shade val="50000"/>
+            </a:schemeClr>
+          </a:lnRef>
+          <a:fillRef idx="1">
+            <a:schemeClr val="accent1"/>
+          </a:fillRef>
+          <a:effectRef idx="0">
+            <a:schemeClr val="accent1"/>
+          </a:effectRef>
+          <a:fontRef idx="minor">
+            <a:schemeClr val="lt1"/>
+          </a:fontRef>
+        </p:style>
+        <p:txBody>
+          <a:bodyPr rtlCol="0" anchor="ctr">
+            <a:noAutofit/>
+          </a:bodyPr>
+          <a:lstStyle/>
+          <a:p>
+            <a:pPr algn="ctr"/>
+            <a:endParaRPr lang="en-US" dirty="0">
+              <a:solidFill>
+                <a:schemeClr val="tx1"/>
+              </a:solidFill>
+              <a:latin typeface="Arial" pitchFamily="34" charset="0"/>
+              <a:cs typeface="Arial" pitchFamily="34" charset="0"/>
+            </a:endParaRPr>
+          </a:p>
+        </p:txBody>
+      </p:sp>
+      <p:sp>
+        <p:nvSpPr>
+          <p:cNvPr id="16" name="Textfeld 15">
+            <a:extLst>
+              <a:ext uri="{FF2B5EF4-FFF2-40B4-BE49-F238E27FC236}">
+                <a16:creationId xmlns:a16="http://schemas.microsoft.com/office/drawing/2014/main" id="{9AA35C1F-C6AF-4DB7-93EB-739F7986651B}"/>
+              </a:ext>
+            </a:extLst>
+          </p:cNvPr>
+          <p:cNvSpPr txBox="1"/>
+          <p:nvPr/>
+        </p:nvSpPr>
+        <p:spPr>
+          <a:xfrm>
+            <a:off x="3073251" y="1355929"/>
+            <a:ext cx="923330" cy="276999"/>
+          </a:xfrm>
+          <a:prstGeom prst="rect">
+            <a:avLst/>
+          </a:prstGeom>
+          <a:noFill/>
+        </p:spPr>
+        <p:txBody>
+          <a:bodyPr wrap="none" lIns="0" tIns="0" rIns="0" bIns="0" rtlCol="0">
+            <a:spAutoFit/>
+          </a:bodyPr>
+          <a:lstStyle/>
+          <a:p>
+            <a:r>
+              <a:rPr lang="de-DE" dirty="0" err="1">
+                <a:latin typeface="Arial" pitchFamily="34" charset="0"/>
+                <a:cs typeface="Arial" pitchFamily="34" charset="0"/>
+              </a:rPr>
+              <a:t>Chatbots</a:t>
+            </a:r>
+            <a:endParaRPr lang="en-US" dirty="0">
+              <a:latin typeface="Arial" pitchFamily="34" charset="0"/>
+              <a:cs typeface="Arial" pitchFamily="34" charset="0"/>
+            </a:endParaRPr>
+          </a:p>
+        </p:txBody>
+      </p:sp>
+      <p:sp>
+        <p:nvSpPr>
+          <p:cNvPr id="25" name="Textfeld 24">
+            <a:extLst>
+              <a:ext uri="{FF2B5EF4-FFF2-40B4-BE49-F238E27FC236}">
+                <a16:creationId xmlns:a16="http://schemas.microsoft.com/office/drawing/2014/main" id="{AAF36EC3-4F57-4670-88C6-C031F8ADF9EE}"/>
+              </a:ext>
+            </a:extLst>
+          </p:cNvPr>
+          <p:cNvSpPr txBox="1"/>
+          <p:nvPr/>
+        </p:nvSpPr>
+        <p:spPr>
+          <a:xfrm>
+            <a:off x="8545859" y="1355929"/>
+            <a:ext cx="1179810" cy="276999"/>
+          </a:xfrm>
+          <a:prstGeom prst="rect">
+            <a:avLst/>
+          </a:prstGeom>
+          <a:noFill/>
+        </p:spPr>
+        <p:txBody>
+          <a:bodyPr wrap="none" lIns="0" tIns="0" rIns="0" bIns="0" rtlCol="0">
+            <a:spAutoFit/>
+          </a:bodyPr>
+          <a:lstStyle/>
+          <a:p>
+            <a:pPr algn="ctr"/>
+            <a:r>
+              <a:rPr lang="de-DE" dirty="0" err="1">
+                <a:latin typeface="Arial" pitchFamily="34" charset="0"/>
+                <a:cs typeface="Arial" pitchFamily="34" charset="0"/>
+              </a:rPr>
+              <a:t>Github</a:t>
+            </a:r>
+            <a:r>
+              <a:rPr lang="de-DE" dirty="0">
+                <a:latin typeface="Arial" pitchFamily="34" charset="0"/>
+                <a:cs typeface="Arial" pitchFamily="34" charset="0"/>
+              </a:rPr>
+              <a:t> bots</a:t>
+            </a:r>
+            <a:endParaRPr lang="en-US" dirty="0">
+              <a:latin typeface="Arial" pitchFamily="34" charset="0"/>
+              <a:cs typeface="Arial" pitchFamily="34" charset="0"/>
+            </a:endParaRPr>
+          </a:p>
+        </p:txBody>
+      </p:sp>
+      <p:pic>
+        <p:nvPicPr>
+          <p:cNvPr id="24" name="Grafik 23">
+            <a:extLst>
+              <a:ext uri="{FF2B5EF4-FFF2-40B4-BE49-F238E27FC236}">
+                <a16:creationId xmlns:a16="http://schemas.microsoft.com/office/drawing/2014/main" id="{E307FFF5-A49E-4AD3-97EA-68DFCF67DEAE}"/>
+              </a:ext>
+            </a:extLst>
+          </p:cNvPr>
+          <p:cNvPicPr>
+            <a:picLocks noChangeAspect="1"/>
+          </p:cNvPicPr>
+          <p:nvPr/>
+        </p:nvPicPr>
+        <p:blipFill>
+          <a:blip r:embed="rId3" cstate="print">
+            <a:extLst>
+              <a:ext uri="{28A0092B-C50C-407E-A947-70E740481C1C}">
+                <a14:useLocalDpi xmlns:a14="http://schemas.microsoft.com/office/drawing/2010/main" val="0"/>
+              </a:ext>
+            </a:extLst>
+          </a:blip>
+          <a:stretch>
+            <a:fillRect/>
+          </a:stretch>
+        </p:blipFill>
+        <p:spPr>
+          <a:xfrm>
+            <a:off x="1201043" y="2010970"/>
+            <a:ext cx="5086158" cy="3723378"/>
           </a:xfrm>
           <a:prstGeom prst="rect">
             <a:avLst/>
@@ -3486,13 +3682,295 @@
     </p:spTree>
     <p:extLst>
       <p:ext uri="{BB962C8B-B14F-4D97-AF65-F5344CB8AC3E}">
-        <p14:creationId xmlns:p14="http://schemas.microsoft.com/office/powerpoint/2010/main" val="916076728"/>
+        <p14:creationId xmlns:p14="http://schemas.microsoft.com/office/powerpoint/2010/main" val="1806192892"/>
       </p:ext>
     </p:extLst>
   </p:cSld>
   <p:clrMapOvr>
     <a:masterClrMapping/>
   </p:clrMapOvr>
+  <p:timing>
+    <p:tnLst>
+      <p:par>
+        <p:cTn id="1" dur="indefinite" restart="never" nodeType="tmRoot">
+          <p:childTnLst>
+            <p:seq concurrent="1" nextAc="seek">
+              <p:cTn id="2" dur="indefinite" nodeType="mainSeq">
+                <p:childTnLst>
+                  <p:par>
+                    <p:cTn id="3" fill="hold">
+                      <p:stCondLst>
+                        <p:cond delay="indefinite"/>
+                      </p:stCondLst>
+                      <p:childTnLst>
+                        <p:par>
+                          <p:cTn id="4" fill="hold">
+                            <p:stCondLst>
+                              <p:cond delay="0"/>
+                            </p:stCondLst>
+                            <p:childTnLst>
+                              <p:par>
+                                <p:cTn id="5" presetID="10" presetClass="entr" presetSubtype="0" fill="hold" nodeType="clickEffect">
+                                  <p:stCondLst>
+                                    <p:cond delay="0"/>
+                                  </p:stCondLst>
+                                  <p:childTnLst>
+                                    <p:set>
+                                      <p:cBhvr>
+                                        <p:cTn id="6" dur="1" fill="hold">
+                                          <p:stCondLst>
+                                            <p:cond delay="0"/>
+                                          </p:stCondLst>
+                                        </p:cTn>
+                                        <p:tgtEl>
+                                          <p:spTgt spid="24"/>
+                                        </p:tgtEl>
+                                        <p:attrNameLst>
+                                          <p:attrName>style.visibility</p:attrName>
+                                        </p:attrNameLst>
+                                      </p:cBhvr>
+                                      <p:to>
+                                        <p:strVal val="visible"/>
+                                      </p:to>
+                                    </p:set>
+                                    <p:animEffect transition="in" filter="fade">
+                                      <p:cBhvr>
+                                        <p:cTn id="7" dur="500"/>
+                                        <p:tgtEl>
+                                          <p:spTgt spid="24"/>
+                                        </p:tgtEl>
+                                      </p:cBhvr>
+                                    </p:animEffect>
+                                  </p:childTnLst>
+                                </p:cTn>
+                              </p:par>
+                              <p:par>
+                                <p:cTn id="8" presetID="10" presetClass="entr" presetSubtype="0" fill="hold" grpId="0" nodeType="withEffect">
+                                  <p:stCondLst>
+                                    <p:cond delay="0"/>
+                                  </p:stCondLst>
+                                  <p:childTnLst>
+                                    <p:set>
+                                      <p:cBhvr>
+                                        <p:cTn id="9" dur="1" fill="hold">
+                                          <p:stCondLst>
+                                            <p:cond delay="0"/>
+                                          </p:stCondLst>
+                                        </p:cTn>
+                                        <p:tgtEl>
+                                          <p:spTgt spid="16"/>
+                                        </p:tgtEl>
+                                        <p:attrNameLst>
+                                          <p:attrName>style.visibility</p:attrName>
+                                        </p:attrNameLst>
+                                      </p:cBhvr>
+                                      <p:to>
+                                        <p:strVal val="visible"/>
+                                      </p:to>
+                                    </p:set>
+                                    <p:animEffect transition="in" filter="fade">
+                                      <p:cBhvr>
+                                        <p:cTn id="10" dur="500"/>
+                                        <p:tgtEl>
+                                          <p:spTgt spid="16"/>
+                                        </p:tgtEl>
+                                      </p:cBhvr>
+                                    </p:animEffect>
+                                  </p:childTnLst>
+                                </p:cTn>
+                              </p:par>
+                              <p:par>
+                                <p:cTn id="11" presetID="10" presetClass="entr" presetSubtype="0" fill="hold" grpId="0" nodeType="withEffect">
+                                  <p:stCondLst>
+                                    <p:cond delay="0"/>
+                                  </p:stCondLst>
+                                  <p:childTnLst>
+                                    <p:set>
+                                      <p:cBhvr>
+                                        <p:cTn id="12" dur="1" fill="hold">
+                                          <p:stCondLst>
+                                            <p:cond delay="0"/>
+                                          </p:stCondLst>
+                                        </p:cTn>
+                                        <p:tgtEl>
+                                          <p:spTgt spid="12"/>
+                                        </p:tgtEl>
+                                        <p:attrNameLst>
+                                          <p:attrName>style.visibility</p:attrName>
+                                        </p:attrNameLst>
+                                      </p:cBhvr>
+                                      <p:to>
+                                        <p:strVal val="visible"/>
+                                      </p:to>
+                                    </p:set>
+                                    <p:animEffect transition="in" filter="fade">
+                                      <p:cBhvr>
+                                        <p:cTn id="13" dur="500"/>
+                                        <p:tgtEl>
+                                          <p:spTgt spid="12"/>
+                                        </p:tgtEl>
+                                      </p:cBhvr>
+                                    </p:animEffect>
+                                  </p:childTnLst>
+                                </p:cTn>
+                              </p:par>
+                            </p:childTnLst>
+                          </p:cTn>
+                        </p:par>
+                      </p:childTnLst>
+                    </p:cTn>
+                  </p:par>
+                  <p:par>
+                    <p:cTn id="14" fill="hold">
+                      <p:stCondLst>
+                        <p:cond delay="indefinite"/>
+                      </p:stCondLst>
+                      <p:childTnLst>
+                        <p:par>
+                          <p:cTn id="15" fill="hold">
+                            <p:stCondLst>
+                              <p:cond delay="0"/>
+                            </p:stCondLst>
+                            <p:childTnLst>
+                              <p:par>
+                                <p:cTn id="16" presetID="10" presetClass="entr" presetSubtype="0" fill="hold" grpId="0" nodeType="clickEffect">
+                                  <p:stCondLst>
+                                    <p:cond delay="0"/>
+                                  </p:stCondLst>
+                                  <p:childTnLst>
+                                    <p:set>
+                                      <p:cBhvr>
+                                        <p:cTn id="17" dur="1" fill="hold">
+                                          <p:stCondLst>
+                                            <p:cond delay="0"/>
+                                          </p:stCondLst>
+                                        </p:cTn>
+                                        <p:tgtEl>
+                                          <p:spTgt spid="23"/>
+                                        </p:tgtEl>
+                                        <p:attrNameLst>
+                                          <p:attrName>style.visibility</p:attrName>
+                                        </p:attrNameLst>
+                                      </p:cBhvr>
+                                      <p:to>
+                                        <p:strVal val="visible"/>
+                                      </p:to>
+                                    </p:set>
+                                    <p:animEffect transition="in" filter="fade">
+                                      <p:cBhvr>
+                                        <p:cTn id="18" dur="500"/>
+                                        <p:tgtEl>
+                                          <p:spTgt spid="23"/>
+                                        </p:tgtEl>
+                                      </p:cBhvr>
+                                    </p:animEffect>
+                                  </p:childTnLst>
+                                </p:cTn>
+                              </p:par>
+                              <p:par>
+                                <p:cTn id="19" presetID="10" presetClass="entr" presetSubtype="0" fill="hold" grpId="0" nodeType="withEffect">
+                                  <p:stCondLst>
+                                    <p:cond delay="0"/>
+                                  </p:stCondLst>
+                                  <p:childTnLst>
+                                    <p:set>
+                                      <p:cBhvr>
+                                        <p:cTn id="20" dur="1" fill="hold">
+                                          <p:stCondLst>
+                                            <p:cond delay="0"/>
+                                          </p:stCondLst>
+                                        </p:cTn>
+                                        <p:tgtEl>
+                                          <p:spTgt spid="25"/>
+                                        </p:tgtEl>
+                                        <p:attrNameLst>
+                                          <p:attrName>style.visibility</p:attrName>
+                                        </p:attrNameLst>
+                                      </p:cBhvr>
+                                      <p:to>
+                                        <p:strVal val="visible"/>
+                                      </p:to>
+                                    </p:set>
+                                    <p:animEffect transition="in" filter="fade">
+                                      <p:cBhvr>
+                                        <p:cTn id="21" dur="500"/>
+                                        <p:tgtEl>
+                                          <p:spTgt spid="25"/>
+                                        </p:tgtEl>
+                                      </p:cBhvr>
+                                    </p:animEffect>
+                                  </p:childTnLst>
+                                </p:cTn>
+                              </p:par>
+                              <p:par>
+                                <p:cTn id="22" presetID="10" presetClass="entr" presetSubtype="0" fill="hold" nodeType="withEffect">
+                                  <p:stCondLst>
+                                    <p:cond delay="0"/>
+                                  </p:stCondLst>
+                                  <p:childTnLst>
+                                    <p:set>
+                                      <p:cBhvr>
+                                        <p:cTn id="23" dur="1" fill="hold">
+                                          <p:stCondLst>
+                                            <p:cond delay="0"/>
+                                          </p:stCondLst>
+                                        </p:cTn>
+                                        <p:tgtEl>
+                                          <p:spTgt spid="9"/>
+                                        </p:tgtEl>
+                                        <p:attrNameLst>
+                                          <p:attrName>style.visibility</p:attrName>
+                                        </p:attrNameLst>
+                                      </p:cBhvr>
+                                      <p:to>
+                                        <p:strVal val="visible"/>
+                                      </p:to>
+                                    </p:set>
+                                    <p:animEffect transition="in" filter="fade">
+                                      <p:cBhvr>
+                                        <p:cTn id="24" dur="500"/>
+                                        <p:tgtEl>
+                                          <p:spTgt spid="9"/>
+                                        </p:tgtEl>
+                                      </p:cBhvr>
+                                    </p:animEffect>
+                                  </p:childTnLst>
+                                </p:cTn>
+                              </p:par>
+                            </p:childTnLst>
+                          </p:cTn>
+                        </p:par>
+                      </p:childTnLst>
+                    </p:cTn>
+                  </p:par>
+                </p:childTnLst>
+              </p:cTn>
+              <p:prevCondLst>
+                <p:cond evt="onPrev" delay="0">
+                  <p:tgtEl>
+                    <p:sldTgt/>
+                  </p:tgtEl>
+                </p:cond>
+              </p:prevCondLst>
+              <p:nextCondLst>
+                <p:cond evt="onNext" delay="0">
+                  <p:tgtEl>
+                    <p:sldTgt/>
+                  </p:tgtEl>
+                </p:cond>
+              </p:nextCondLst>
+            </p:seq>
+          </p:childTnLst>
+        </p:cTn>
+      </p:par>
+    </p:tnLst>
+    <p:bldLst>
+      <p:bldP spid="12" grpId="0" animBg="1"/>
+      <p:bldP spid="23" grpId="0" animBg="1"/>
+      <p:bldP spid="16" grpId="0"/>
+      <p:bldP spid="25" grpId="0"/>
+    </p:bldLst>
+  </p:timing>
 </p:sld>
 </file>
 
@@ -3535,51 +4013,15 @@
           <a:p>
             <a:pPr algn="ctr"/>
             <a:r>
-              <a:rPr lang="de-DE" sz="3200" dirty="0">
+              <a:rPr lang="de-DE" sz="3200" b="0" dirty="0">
                 <a:solidFill>
                   <a:schemeClr val="tx1"/>
                 </a:solidFill>
                 <a:latin typeface="Quicksand" pitchFamily="2" charset="0"/>
               </a:rPr>
-              <a:t>Interview </a:t>
-            </a:r>
-            <a:r>
-              <a:rPr lang="de-DE" sz="3200" dirty="0" err="1">
-                <a:solidFill>
-                  <a:schemeClr val="tx1"/>
-                </a:solidFill>
-                <a:latin typeface="Quicksand" pitchFamily="2" charset="0"/>
-              </a:rPr>
-              <a:t>structure</a:t>
-            </a:r>
-            <a:r>
-              <a:rPr lang="de-DE" sz="3200" dirty="0">
-                <a:solidFill>
-                  <a:schemeClr val="tx1"/>
-                </a:solidFill>
-                <a:latin typeface="Quicksand" pitchFamily="2" charset="0"/>
-              </a:rPr>
-              <a:t> (</a:t>
-            </a:r>
-            <a:r>
-              <a:rPr lang="de-DE" sz="3200" dirty="0" err="1">
-                <a:solidFill>
-                  <a:schemeClr val="tx1"/>
-                </a:solidFill>
-                <a:latin typeface="Quicksand" pitchFamily="2" charset="0"/>
-              </a:rPr>
-              <a:t>planned</a:t>
-            </a:r>
-            <a:r>
-              <a:rPr lang="de-DE" sz="3200" dirty="0">
-                <a:solidFill>
-                  <a:schemeClr val="tx1"/>
-                </a:solidFill>
-                <a:latin typeface="Quicksand" pitchFamily="2" charset="0"/>
-              </a:rPr>
-              <a:t>)</a:t>
-            </a:r>
-            <a:endParaRPr lang="de-DE" sz="2800" dirty="0">
+              <a:t>Types of bots</a:t>
+            </a:r>
+            <a:endParaRPr lang="de-DE" sz="2800" b="0" dirty="0">
               <a:solidFill>
                 <a:schemeClr val="tx1"/>
               </a:solidFill>
@@ -3588,244 +4030,214 @@
           </a:p>
         </p:txBody>
       </p:sp>
+      <p:pic>
+        <p:nvPicPr>
+          <p:cNvPr id="14" name="Grafik 13">
+            <a:extLst>
+              <a:ext uri="{FF2B5EF4-FFF2-40B4-BE49-F238E27FC236}">
+                <a16:creationId xmlns:a16="http://schemas.microsoft.com/office/drawing/2014/main" id="{495DCF82-D552-4721-982B-123893F6CC13}"/>
+              </a:ext>
+            </a:extLst>
+          </p:cNvPr>
+          <p:cNvPicPr>
+            <a:picLocks noChangeAspect="1"/>
+          </p:cNvPicPr>
+          <p:nvPr/>
+        </p:nvPicPr>
+        <p:blipFill>
+          <a:blip r:embed="rId2">
+            <a:extLst>
+              <a:ext uri="{28A0092B-C50C-407E-A947-70E740481C1C}">
+                <a14:useLocalDpi xmlns:a14="http://schemas.microsoft.com/office/drawing/2010/main" val="0"/>
+              </a:ext>
+            </a:extLst>
+          </a:blip>
+          <a:stretch>
+            <a:fillRect/>
+          </a:stretch>
+        </p:blipFill>
+        <p:spPr>
+          <a:xfrm>
+            <a:off x="861947" y="1773610"/>
+            <a:ext cx="3600797" cy="4320480"/>
+          </a:xfrm>
+          <a:prstGeom prst="rect">
+            <a:avLst/>
+          </a:prstGeom>
+        </p:spPr>
+      </p:pic>
+      <p:pic>
+        <p:nvPicPr>
+          <p:cNvPr id="15" name="Grafik 14">
+            <a:extLst>
+              <a:ext uri="{FF2B5EF4-FFF2-40B4-BE49-F238E27FC236}">
+                <a16:creationId xmlns:a16="http://schemas.microsoft.com/office/drawing/2014/main" id="{F92CB6DC-EB65-4EA8-B50C-619B9CB3172C}"/>
+              </a:ext>
+            </a:extLst>
+          </p:cNvPr>
+          <p:cNvPicPr>
+            <a:picLocks noChangeAspect="1"/>
+          </p:cNvPicPr>
+          <p:nvPr/>
+        </p:nvPicPr>
+        <p:blipFill>
+          <a:blip r:embed="rId3">
+            <a:extLst>
+              <a:ext uri="{28A0092B-C50C-407E-A947-70E740481C1C}">
+                <a14:useLocalDpi xmlns:a14="http://schemas.microsoft.com/office/drawing/2010/main" val="0"/>
+              </a:ext>
+            </a:extLst>
+          </a:blip>
+          <a:stretch>
+            <a:fillRect/>
+          </a:stretch>
+        </p:blipFill>
+        <p:spPr>
+          <a:xfrm>
+            <a:off x="4607544" y="1845618"/>
+            <a:ext cx="3362251" cy="4320480"/>
+          </a:xfrm>
+          <a:prstGeom prst="rect">
+            <a:avLst/>
+          </a:prstGeom>
+        </p:spPr>
+      </p:pic>
+      <p:pic>
+        <p:nvPicPr>
+          <p:cNvPr id="16" name="Grafik 15">
+            <a:extLst>
+              <a:ext uri="{FF2B5EF4-FFF2-40B4-BE49-F238E27FC236}">
+                <a16:creationId xmlns:a16="http://schemas.microsoft.com/office/drawing/2014/main" id="{842C2DF3-BFC5-4576-99A1-8B52E5CAD1C6}"/>
+              </a:ext>
+            </a:extLst>
+          </p:cNvPr>
+          <p:cNvPicPr>
+            <a:picLocks noChangeAspect="1"/>
+          </p:cNvPicPr>
+          <p:nvPr/>
+        </p:nvPicPr>
+        <p:blipFill>
+          <a:blip r:embed="rId4">
+            <a:extLst>
+              <a:ext uri="{28A0092B-C50C-407E-A947-70E740481C1C}">
+                <a14:useLocalDpi xmlns:a14="http://schemas.microsoft.com/office/drawing/2010/main" val="0"/>
+              </a:ext>
+            </a:extLst>
+          </a:blip>
+          <a:stretch>
+            <a:fillRect/>
+          </a:stretch>
+        </p:blipFill>
+        <p:spPr>
+          <a:xfrm>
+            <a:off x="8218953" y="1845618"/>
+            <a:ext cx="3279234" cy="4278256"/>
+          </a:xfrm>
+          <a:prstGeom prst="rect">
+            <a:avLst/>
+          </a:prstGeom>
+        </p:spPr>
+      </p:pic>
       <p:sp>
         <p:nvSpPr>
-          <p:cNvPr id="3" name="Text Placeholder 2"/>
-          <p:cNvSpPr>
-            <a:spLocks noGrp="1"/>
-          </p:cNvSpPr>
-          <p:nvPr>
-            <p:ph type="body" sz="quarter" idx="12"/>
-          </p:nvPr>
+          <p:cNvPr id="7" name="Rechteck: abgerundete Ecken 6">
+            <a:extLst>
+              <a:ext uri="{FF2B5EF4-FFF2-40B4-BE49-F238E27FC236}">
+                <a16:creationId xmlns:a16="http://schemas.microsoft.com/office/drawing/2014/main" id="{A17EF6DA-E1C8-4E2C-97FC-506C1AAC1087}"/>
+              </a:ext>
+            </a:extLst>
+          </p:cNvPr>
+          <p:cNvSpPr/>
+          <p:nvPr/>
         </p:nvSpPr>
         <p:spPr>
           <a:xfrm>
-            <a:off x="841003" y="1269554"/>
-            <a:ext cx="10866196" cy="5068130"/>
+            <a:off x="618837" y="1071450"/>
+            <a:ext cx="11088361" cy="5238664"/>
           </a:xfrm>
+          <a:prstGeom prst="roundRect">
+            <a:avLst>
+              <a:gd name="adj" fmla="val 6589"/>
+            </a:avLst>
+          </a:prstGeom>
+          <a:noFill/>
+          <a:ln w="9525">
+            <a:solidFill>
+              <a:schemeClr val="tx1"/>
+            </a:solidFill>
+          </a:ln>
+        </p:spPr>
+        <p:style>
+          <a:lnRef idx="2">
+            <a:schemeClr val="accent1">
+              <a:shade val="50000"/>
+            </a:schemeClr>
+          </a:lnRef>
+          <a:fillRef idx="1">
+            <a:schemeClr val="accent1"/>
+          </a:fillRef>
+          <a:effectRef idx="0">
+            <a:schemeClr val="accent1"/>
+          </a:effectRef>
+          <a:fontRef idx="minor">
+            <a:schemeClr val="lt1"/>
+          </a:fontRef>
+        </p:style>
+        <p:txBody>
+          <a:bodyPr rtlCol="0" anchor="ctr">
+            <a:noAutofit/>
+          </a:bodyPr>
+          <a:lstStyle/>
+          <a:p>
+            <a:pPr algn="ctr"/>
+            <a:endParaRPr lang="en-US" dirty="0">
+              <a:solidFill>
+                <a:schemeClr val="tx1"/>
+              </a:solidFill>
+              <a:latin typeface="Arial" pitchFamily="34" charset="0"/>
+              <a:cs typeface="Arial" pitchFamily="34" charset="0"/>
+            </a:endParaRPr>
+          </a:p>
+        </p:txBody>
+      </p:sp>
+      <p:sp>
+        <p:nvSpPr>
+          <p:cNvPr id="8" name="Textfeld 7">
+            <a:extLst>
+              <a:ext uri="{FF2B5EF4-FFF2-40B4-BE49-F238E27FC236}">
+                <a16:creationId xmlns:a16="http://schemas.microsoft.com/office/drawing/2014/main" id="{13EFE482-B6F9-4A72-8F19-7B7E17E4326B}"/>
+              </a:ext>
+            </a:extLst>
+          </p:cNvPr>
+          <p:cNvSpPr txBox="1"/>
+          <p:nvPr/>
+        </p:nvSpPr>
+        <p:spPr>
+          <a:xfrm>
+            <a:off x="5476931" y="1338119"/>
+            <a:ext cx="1372171" cy="276999"/>
+          </a:xfrm>
+          <a:prstGeom prst="rect">
+            <a:avLst/>
+          </a:prstGeom>
+          <a:noFill/>
         </p:spPr>
         <p:txBody>
-          <a:bodyPr/>
+          <a:bodyPr wrap="none" lIns="0" tIns="0" rIns="0" bIns="0" rtlCol="0">
+            <a:spAutoFit/>
+          </a:bodyPr>
           <a:lstStyle/>
           <a:p>
-            <a:pPr marL="0" indent="0">
-              <a:lnSpc>
-                <a:spcPct val="150000"/>
-              </a:lnSpc>
-              <a:spcBef>
-                <a:spcPct val="20000"/>
-              </a:spcBef>
-              <a:buNone/>
-            </a:pPr>
-            <a:r>
-              <a:rPr lang="de-DE" sz="2200" dirty="0">
-                <a:latin typeface="Quicksand" pitchFamily="2" charset="0"/>
+            <a:r>
+              <a:rPr lang="de-DE" dirty="0">
+                <a:latin typeface="Arial" pitchFamily="34" charset="0"/>
+                <a:cs typeface="Arial" pitchFamily="34" charset="0"/>
               </a:rPr>
-              <a:t>15 </a:t>
-            </a:r>
-            <a:r>
-              <a:rPr lang="de-DE" sz="2200" dirty="0" err="1">
-                <a:latin typeface="Quicksand" pitchFamily="2" charset="0"/>
-              </a:rPr>
-              <a:t>participants</a:t>
-            </a:r>
-            <a:r>
-              <a:rPr lang="de-DE" sz="2200" dirty="0">
-                <a:latin typeface="Quicksand" pitchFamily="2" charset="0"/>
-              </a:rPr>
-              <a:t> (</a:t>
-            </a:r>
-            <a:r>
-              <a:rPr lang="de-DE" sz="2200" dirty="0" err="1">
-                <a:latin typeface="Quicksand" pitchFamily="2" charset="0"/>
-              </a:rPr>
-              <a:t>software</a:t>
-            </a:r>
-            <a:r>
-              <a:rPr lang="de-DE" sz="2200" dirty="0">
-                <a:latin typeface="Quicksand" pitchFamily="2" charset="0"/>
-              </a:rPr>
-              <a:t> </a:t>
-            </a:r>
-            <a:r>
-              <a:rPr lang="de-DE" sz="2200" dirty="0" err="1">
-                <a:latin typeface="Quicksand" pitchFamily="2" charset="0"/>
-              </a:rPr>
-              <a:t>developers</a:t>
-            </a:r>
-            <a:r>
-              <a:rPr lang="de-DE" sz="2200" dirty="0">
-                <a:latin typeface="Quicksand" pitchFamily="2" charset="0"/>
-              </a:rPr>
-              <a:t>) </a:t>
-            </a:r>
-            <a:r>
-              <a:rPr lang="de-DE" sz="2200" dirty="0" err="1">
-                <a:latin typeface="Quicksand" pitchFamily="2" charset="0"/>
-              </a:rPr>
-              <a:t>with</a:t>
-            </a:r>
-            <a:r>
-              <a:rPr lang="de-DE" sz="2200" dirty="0">
-                <a:latin typeface="Quicksand" pitchFamily="2" charset="0"/>
-              </a:rPr>
-              <a:t> </a:t>
-            </a:r>
-            <a:r>
-              <a:rPr lang="de-DE" sz="2200" dirty="0" err="1">
-                <a:latin typeface="Quicksand" pitchFamily="2" charset="0"/>
-              </a:rPr>
-              <a:t>atleast</a:t>
-            </a:r>
-            <a:r>
-              <a:rPr lang="de-DE" sz="2200" dirty="0">
-                <a:latin typeface="Quicksand" pitchFamily="2" charset="0"/>
-              </a:rPr>
-              <a:t> 2yrs </a:t>
-            </a:r>
-            <a:r>
-              <a:rPr lang="de-DE" sz="2200" dirty="0" err="1">
-                <a:latin typeface="Quicksand" pitchFamily="2" charset="0"/>
-              </a:rPr>
-              <a:t>exp</a:t>
-            </a:r>
-            <a:r>
-              <a:rPr lang="de-DE" sz="2200" dirty="0">
-                <a:latin typeface="Quicksand" pitchFamily="2" charset="0"/>
-              </a:rPr>
-              <a:t>. In </a:t>
-            </a:r>
-            <a:r>
-              <a:rPr lang="de-DE" sz="2200" dirty="0" err="1">
-                <a:latin typeface="Quicksand" pitchFamily="2" charset="0"/>
-              </a:rPr>
-              <a:t>software</a:t>
-            </a:r>
-            <a:r>
-              <a:rPr lang="de-DE" sz="2200" dirty="0">
-                <a:latin typeface="Quicksand" pitchFamily="2" charset="0"/>
-              </a:rPr>
-              <a:t> </a:t>
-            </a:r>
-            <a:r>
-              <a:rPr lang="de-DE" sz="2200" dirty="0" err="1">
-                <a:latin typeface="Quicksand" pitchFamily="2" charset="0"/>
-              </a:rPr>
-              <a:t>development</a:t>
-            </a:r>
-            <a:r>
-              <a:rPr lang="de-DE" sz="2200" dirty="0">
-                <a:latin typeface="Quicksand" pitchFamily="2" charset="0"/>
-              </a:rPr>
-              <a:t>.</a:t>
-            </a:r>
-          </a:p>
-          <a:p>
-            <a:pPr marL="0" indent="0">
-              <a:lnSpc>
-                <a:spcPct val="150000"/>
-              </a:lnSpc>
-              <a:spcBef>
-                <a:spcPct val="20000"/>
-              </a:spcBef>
-              <a:buNone/>
-            </a:pPr>
-            <a:r>
-              <a:rPr lang="en-US" sz="2200" dirty="0">
-                <a:latin typeface="Quicksand" pitchFamily="2" charset="0"/>
-              </a:rPr>
-              <a:t>Background info: (</a:t>
-            </a:r>
-            <a:r>
-              <a:rPr lang="en-US" sz="2000" dirty="0">
-                <a:latin typeface="Quicksand" pitchFamily="2" charset="0"/>
-              </a:rPr>
-              <a:t>Role, Company, Programming languages, Tools used, Years of experience)</a:t>
-            </a:r>
-          </a:p>
-          <a:p>
-            <a:pPr marL="0" indent="0">
-              <a:lnSpc>
-                <a:spcPct val="150000"/>
-              </a:lnSpc>
-              <a:spcBef>
-                <a:spcPct val="20000"/>
-              </a:spcBef>
-              <a:buNone/>
-            </a:pPr>
-            <a:r>
-              <a:rPr lang="en-US" sz="2000" dirty="0">
-                <a:latin typeface="Quicksand" pitchFamily="2" charset="0"/>
-              </a:rPr>
-              <a:t>Type: Online video call</a:t>
-            </a:r>
-          </a:p>
-          <a:p>
-            <a:pPr marL="0" indent="0">
-              <a:lnSpc>
-                <a:spcPct val="150000"/>
-              </a:lnSpc>
-              <a:spcBef>
-                <a:spcPct val="20000"/>
-              </a:spcBef>
-              <a:buNone/>
-            </a:pPr>
-            <a:r>
-              <a:rPr lang="en-US" sz="2000" dirty="0">
-                <a:latin typeface="Quicksand" pitchFamily="2" charset="0"/>
-              </a:rPr>
-              <a:t>Estimated time duration: 1 hour</a:t>
-            </a:r>
-          </a:p>
-          <a:p>
-            <a:pPr marL="0" indent="0">
-              <a:lnSpc>
-                <a:spcPct val="150000"/>
-              </a:lnSpc>
-              <a:spcBef>
-                <a:spcPct val="20000"/>
-              </a:spcBef>
-              <a:buNone/>
-            </a:pPr>
-            <a:endParaRPr lang="de-DE" sz="2000" dirty="0">
-              <a:latin typeface="Quicksand" pitchFamily="2" charset="0"/>
-            </a:endParaRPr>
-          </a:p>
-          <a:p>
-            <a:pPr marL="0" indent="0">
-              <a:lnSpc>
-                <a:spcPct val="150000"/>
-              </a:lnSpc>
-              <a:spcBef>
-                <a:spcPct val="20000"/>
-              </a:spcBef>
-              <a:buNone/>
-            </a:pPr>
-            <a:r>
-              <a:rPr lang="en-US" sz="2200" dirty="0">
-                <a:latin typeface="Quicksand" pitchFamily="2" charset="0"/>
-              </a:rPr>
-              <a:t>RQ1. Does multitasking puts cognitive load on developers, affecting their productivity</a:t>
-            </a:r>
-          </a:p>
-          <a:p>
-            <a:pPr marL="0" indent="0">
-              <a:lnSpc>
-                <a:spcPct val="150000"/>
-              </a:lnSpc>
-              <a:spcBef>
-                <a:spcPct val="20000"/>
-              </a:spcBef>
-              <a:buNone/>
-            </a:pPr>
-            <a:r>
-              <a:rPr lang="en-US" sz="2200" dirty="0">
-                <a:latin typeface="Quicksand" pitchFamily="2" charset="0"/>
-              </a:rPr>
-              <a:t>RQ2. Do software developers believe voice bots reduce such cognitive load</a:t>
-            </a:r>
-            <a:endParaRPr lang="de-DE" sz="2400" dirty="0">
-              <a:latin typeface="Quicksand" pitchFamily="2" charset="0"/>
+              <a:t>Modelling bot</a:t>
+            </a:r>
+            <a:endParaRPr lang="en-US" dirty="0">
+              <a:latin typeface="Arial" pitchFamily="34" charset="0"/>
+              <a:cs typeface="Arial" pitchFamily="34" charset="0"/>
             </a:endParaRPr>
           </a:p>
         </p:txBody>
@@ -3833,13 +4245,276 @@
     </p:spTree>
     <p:extLst>
       <p:ext uri="{BB962C8B-B14F-4D97-AF65-F5344CB8AC3E}">
-        <p14:creationId xmlns:p14="http://schemas.microsoft.com/office/powerpoint/2010/main" val="3853508653"/>
+        <p14:creationId xmlns:p14="http://schemas.microsoft.com/office/powerpoint/2010/main" val="608122971"/>
       </p:ext>
     </p:extLst>
   </p:cSld>
   <p:clrMapOvr>
     <a:masterClrMapping/>
   </p:clrMapOvr>
+  <p:timing>
+    <p:tnLst>
+      <p:par>
+        <p:cTn id="1" dur="indefinite" restart="never" nodeType="tmRoot">
+          <p:childTnLst>
+            <p:seq concurrent="1" nextAc="seek">
+              <p:cTn id="2" dur="indefinite" nodeType="mainSeq">
+                <p:childTnLst>
+                  <p:par>
+                    <p:cTn id="3" fill="hold">
+                      <p:stCondLst>
+                        <p:cond delay="indefinite"/>
+                      </p:stCondLst>
+                      <p:childTnLst>
+                        <p:par>
+                          <p:cTn id="4" fill="hold">
+                            <p:stCondLst>
+                              <p:cond delay="0"/>
+                            </p:stCondLst>
+                            <p:childTnLst>
+                              <p:par>
+                                <p:cTn id="5" presetID="10" presetClass="entr" presetSubtype="0" fill="hold" nodeType="clickEffect">
+                                  <p:stCondLst>
+                                    <p:cond delay="0"/>
+                                  </p:stCondLst>
+                                  <p:childTnLst>
+                                    <p:set>
+                                      <p:cBhvr>
+                                        <p:cTn id="6" dur="1" fill="hold">
+                                          <p:stCondLst>
+                                            <p:cond delay="0"/>
+                                          </p:stCondLst>
+                                        </p:cTn>
+                                        <p:tgtEl>
+                                          <p:spTgt spid="14"/>
+                                        </p:tgtEl>
+                                        <p:attrNameLst>
+                                          <p:attrName>style.visibility</p:attrName>
+                                        </p:attrNameLst>
+                                      </p:cBhvr>
+                                      <p:to>
+                                        <p:strVal val="visible"/>
+                                      </p:to>
+                                    </p:set>
+                                    <p:animEffect transition="in" filter="fade">
+                                      <p:cBhvr>
+                                        <p:cTn id="7" dur="500"/>
+                                        <p:tgtEl>
+                                          <p:spTgt spid="14"/>
+                                        </p:tgtEl>
+                                      </p:cBhvr>
+                                    </p:animEffect>
+                                  </p:childTnLst>
+                                </p:cTn>
+                              </p:par>
+                              <p:par>
+                                <p:cTn id="8" presetID="10" presetClass="entr" presetSubtype="0" fill="hold" grpId="0" nodeType="withEffect">
+                                  <p:stCondLst>
+                                    <p:cond delay="0"/>
+                                  </p:stCondLst>
+                                  <p:childTnLst>
+                                    <p:set>
+                                      <p:cBhvr>
+                                        <p:cTn id="9" dur="1" fill="hold">
+                                          <p:stCondLst>
+                                            <p:cond delay="0"/>
+                                          </p:stCondLst>
+                                        </p:cTn>
+                                        <p:tgtEl>
+                                          <p:spTgt spid="8"/>
+                                        </p:tgtEl>
+                                        <p:attrNameLst>
+                                          <p:attrName>style.visibility</p:attrName>
+                                        </p:attrNameLst>
+                                      </p:cBhvr>
+                                      <p:to>
+                                        <p:strVal val="visible"/>
+                                      </p:to>
+                                    </p:set>
+                                    <p:animEffect transition="in" filter="fade">
+                                      <p:cBhvr>
+                                        <p:cTn id="10" dur="500"/>
+                                        <p:tgtEl>
+                                          <p:spTgt spid="8"/>
+                                        </p:tgtEl>
+                                      </p:cBhvr>
+                                    </p:animEffect>
+                                  </p:childTnLst>
+                                </p:cTn>
+                              </p:par>
+                              <p:par>
+                                <p:cTn id="11" presetID="10" presetClass="entr" presetSubtype="0" fill="hold" grpId="0" nodeType="withEffect">
+                                  <p:stCondLst>
+                                    <p:cond delay="0"/>
+                                  </p:stCondLst>
+                                  <p:childTnLst>
+                                    <p:set>
+                                      <p:cBhvr>
+                                        <p:cTn id="12" dur="1" fill="hold">
+                                          <p:stCondLst>
+                                            <p:cond delay="0"/>
+                                          </p:stCondLst>
+                                        </p:cTn>
+                                        <p:tgtEl>
+                                          <p:spTgt spid="7"/>
+                                        </p:tgtEl>
+                                        <p:attrNameLst>
+                                          <p:attrName>style.visibility</p:attrName>
+                                        </p:attrNameLst>
+                                      </p:cBhvr>
+                                      <p:to>
+                                        <p:strVal val="visible"/>
+                                      </p:to>
+                                    </p:set>
+                                    <p:animEffect transition="in" filter="fade">
+                                      <p:cBhvr>
+                                        <p:cTn id="13" dur="500"/>
+                                        <p:tgtEl>
+                                          <p:spTgt spid="7"/>
+                                        </p:tgtEl>
+                                      </p:cBhvr>
+                                    </p:animEffect>
+                                  </p:childTnLst>
+                                </p:cTn>
+                              </p:par>
+                            </p:childTnLst>
+                          </p:cTn>
+                        </p:par>
+                      </p:childTnLst>
+                    </p:cTn>
+                  </p:par>
+                  <p:par>
+                    <p:cTn id="14" fill="hold">
+                      <p:stCondLst>
+                        <p:cond delay="indefinite"/>
+                      </p:stCondLst>
+                      <p:childTnLst>
+                        <p:par>
+                          <p:cTn id="15" fill="hold">
+                            <p:stCondLst>
+                              <p:cond delay="0"/>
+                            </p:stCondLst>
+                            <p:childTnLst>
+                              <p:par>
+                                <p:cTn id="16" presetID="10" presetClass="entr" presetSubtype="0" fill="hold" nodeType="clickEffect">
+                                  <p:stCondLst>
+                                    <p:cond delay="0"/>
+                                  </p:stCondLst>
+                                  <p:childTnLst>
+                                    <p:set>
+                                      <p:cBhvr>
+                                        <p:cTn id="17" dur="1" fill="hold">
+                                          <p:stCondLst>
+                                            <p:cond delay="0"/>
+                                          </p:stCondLst>
+                                        </p:cTn>
+                                        <p:tgtEl>
+                                          <p:spTgt spid="15"/>
+                                        </p:tgtEl>
+                                        <p:attrNameLst>
+                                          <p:attrName>style.visibility</p:attrName>
+                                        </p:attrNameLst>
+                                      </p:cBhvr>
+                                      <p:to>
+                                        <p:strVal val="visible"/>
+                                      </p:to>
+                                    </p:set>
+                                    <p:animEffect transition="in" filter="fade">
+                                      <p:cBhvr>
+                                        <p:cTn id="18" dur="500"/>
+                                        <p:tgtEl>
+                                          <p:spTgt spid="15"/>
+                                        </p:tgtEl>
+                                      </p:cBhvr>
+                                    </p:animEffect>
+                                  </p:childTnLst>
+                                </p:cTn>
+                              </p:par>
+                            </p:childTnLst>
+                          </p:cTn>
+                        </p:par>
+                      </p:childTnLst>
+                    </p:cTn>
+                  </p:par>
+                  <p:par>
+                    <p:cTn id="19" fill="hold">
+                      <p:stCondLst>
+                        <p:cond delay="indefinite"/>
+                      </p:stCondLst>
+                      <p:childTnLst>
+                        <p:par>
+                          <p:cTn id="20" fill="hold">
+                            <p:stCondLst>
+                              <p:cond delay="0"/>
+                            </p:stCondLst>
+                            <p:childTnLst>
+                              <p:par>
+                                <p:cTn id="21" presetID="10" presetClass="entr" presetSubtype="0" fill="hold" nodeType="clickEffect">
+                                  <p:stCondLst>
+                                    <p:cond delay="0"/>
+                                  </p:stCondLst>
+                                  <p:childTnLst>
+                                    <p:set>
+                                      <p:cBhvr>
+                                        <p:cTn id="22" dur="1" fill="hold">
+                                          <p:stCondLst>
+                                            <p:cond delay="0"/>
+                                          </p:stCondLst>
+                                        </p:cTn>
+                                        <p:tgtEl>
+                                          <p:spTgt spid="16"/>
+                                        </p:tgtEl>
+                                        <p:attrNameLst>
+                                          <p:attrName>style.visibility</p:attrName>
+                                        </p:attrNameLst>
+                                      </p:cBhvr>
+                                      <p:to>
+                                        <p:strVal val="visible"/>
+                                      </p:to>
+                                    </p:set>
+                                    <p:animEffect transition="in" filter="fade">
+                                      <p:cBhvr>
+                                        <p:cTn id="23" dur="500"/>
+                                        <p:tgtEl>
+                                          <p:spTgt spid="16"/>
+                                        </p:tgtEl>
+                                      </p:cBhvr>
+                                    </p:animEffect>
+                                  </p:childTnLst>
+                                </p:cTn>
+                              </p:par>
+                            </p:childTnLst>
+                          </p:cTn>
+                        </p:par>
+                      </p:childTnLst>
+                    </p:cTn>
+                  </p:par>
+                </p:childTnLst>
+              </p:cTn>
+              <p:prevCondLst>
+                <p:cond evt="onPrev" delay="0">
+                  <p:tgtEl>
+                    <p:sldTgt/>
+                  </p:tgtEl>
+                </p:cond>
+              </p:prevCondLst>
+              <p:nextCondLst>
+                <p:cond evt="onNext" delay="0">
+                  <p:tgtEl>
+                    <p:sldTgt/>
+                  </p:tgtEl>
+                </p:cond>
+              </p:nextCondLst>
+            </p:seq>
+          </p:childTnLst>
+        </p:cTn>
+      </p:par>
+    </p:tnLst>
+    <p:bldLst>
+      <p:bldP spid="7" grpId="0" animBg="1"/>
+      <p:bldP spid="8" grpId="0"/>
+    </p:bldLst>
+  </p:timing>
 </p:sld>
 </file>
 
@@ -3870,22 +4545,27 @@
             <p:ph type="title"/>
           </p:nvPr>
         </p:nvSpPr>
-        <p:spPr/>
+        <p:spPr>
+          <a:xfrm>
+            <a:off x="485999" y="333450"/>
+            <a:ext cx="11221200" cy="738000"/>
+          </a:xfrm>
+        </p:spPr>
         <p:txBody>
           <a:bodyPr/>
           <a:lstStyle/>
           <a:p>
             <a:pPr algn="ctr"/>
             <a:r>
-              <a:rPr lang="de-DE" sz="3200" dirty="0">
+              <a:rPr lang="de-DE" sz="3200" b="0" dirty="0">
                 <a:solidFill>
                   <a:schemeClr val="tx1"/>
                 </a:solidFill>
                 <a:latin typeface="Quicksand" pitchFamily="2" charset="0"/>
               </a:rPr>
-              <a:t>Interview Questions?</a:t>
-            </a:r>
-            <a:endParaRPr lang="de-DE" sz="2800" dirty="0">
+              <a:t>Types of bots</a:t>
+            </a:r>
+            <a:endParaRPr lang="de-DE" sz="2800" b="0" dirty="0">
               <a:solidFill>
                 <a:schemeClr val="tx1"/>
               </a:solidFill>
@@ -3894,125 +4574,282 @@
           </a:p>
         </p:txBody>
       </p:sp>
+      <p:pic>
+        <p:nvPicPr>
+          <p:cNvPr id="4" name="Grafik 3">
+            <a:extLst>
+              <a:ext uri="{FF2B5EF4-FFF2-40B4-BE49-F238E27FC236}">
+                <a16:creationId xmlns:a16="http://schemas.microsoft.com/office/drawing/2014/main" id="{D00F3555-4EDC-451E-A6AF-84D255F4466E}"/>
+              </a:ext>
+            </a:extLst>
+          </p:cNvPr>
+          <p:cNvPicPr>
+            <a:picLocks noChangeAspect="1"/>
+          </p:cNvPicPr>
+          <p:nvPr/>
+        </p:nvPicPr>
+        <p:blipFill>
+          <a:blip r:embed="rId2">
+            <a:extLst>
+              <a:ext uri="{28A0092B-C50C-407E-A947-70E740481C1C}">
+                <a14:useLocalDpi xmlns:a14="http://schemas.microsoft.com/office/drawing/2010/main" val="0"/>
+              </a:ext>
+            </a:extLst>
+          </a:blip>
+          <a:stretch>
+            <a:fillRect/>
+          </a:stretch>
+        </p:blipFill>
+        <p:spPr>
+          <a:xfrm>
+            <a:off x="710881" y="1989634"/>
+            <a:ext cx="5040732" cy="3704020"/>
+          </a:xfrm>
+          <a:prstGeom prst="rect">
+            <a:avLst/>
+          </a:prstGeom>
+        </p:spPr>
+      </p:pic>
       <p:sp>
         <p:nvSpPr>
-          <p:cNvPr id="3" name="Text Placeholder 2"/>
-          <p:cNvSpPr>
-            <a:spLocks noGrp="1"/>
-          </p:cNvSpPr>
-          <p:nvPr>
-            <p:ph type="body" sz="quarter" idx="12"/>
-          </p:nvPr>
+          <p:cNvPr id="17" name="Textfeld 16">
+            <a:extLst>
+              <a:ext uri="{FF2B5EF4-FFF2-40B4-BE49-F238E27FC236}">
+                <a16:creationId xmlns:a16="http://schemas.microsoft.com/office/drawing/2014/main" id="{670DEA43-A43C-45D4-B484-0925332CBDFD}"/>
+              </a:ext>
+            </a:extLst>
+          </p:cNvPr>
+          <p:cNvSpPr txBox="1"/>
+          <p:nvPr/>
         </p:nvSpPr>
         <p:spPr>
           <a:xfrm>
-            <a:off x="841003" y="1386000"/>
-            <a:ext cx="10866196" cy="5068130"/>
+            <a:off x="2785219" y="1392042"/>
+            <a:ext cx="884922" cy="276999"/>
           </a:xfrm>
+          <a:prstGeom prst="rect">
+            <a:avLst/>
+          </a:prstGeom>
+          <a:noFill/>
         </p:spPr>
         <p:txBody>
-          <a:bodyPr/>
+          <a:bodyPr wrap="none" lIns="0" tIns="0" rIns="0" bIns="0" rtlCol="0">
+            <a:spAutoFit/>
+          </a:bodyPr>
           <a:lstStyle/>
           <a:p>
-            <a:pPr marL="0" indent="0" algn="ctr">
-              <a:lnSpc>
-                <a:spcPct val="150000"/>
-              </a:lnSpc>
-              <a:spcBef>
-                <a:spcPct val="20000"/>
-              </a:spcBef>
-              <a:buNone/>
-            </a:pPr>
-            <a:r>
-              <a:rPr lang="en-US" sz="2800" u="sng" dirty="0">
-                <a:latin typeface="Quicksand" pitchFamily="2" charset="0"/>
+            <a:r>
+              <a:rPr lang="de-DE" dirty="0">
+                <a:latin typeface="Arial" pitchFamily="34" charset="0"/>
+                <a:cs typeface="Arial" pitchFamily="34" charset="0"/>
               </a:rPr>
-              <a:t>Opinions and expectations</a:t>
-            </a:r>
-          </a:p>
-          <a:p>
-            <a:pPr marL="0" indent="0" algn="ctr">
-              <a:lnSpc>
-                <a:spcPct val="150000"/>
-              </a:lnSpc>
-              <a:spcBef>
-                <a:spcPct val="20000"/>
-              </a:spcBef>
-              <a:buNone/>
-            </a:pPr>
-            <a:endParaRPr lang="en-US" sz="1400" dirty="0">
-              <a:latin typeface="Quicksand" pitchFamily="2" charset="0"/>
+              <a:t>Q/A bots</a:t>
+            </a:r>
+            <a:endParaRPr lang="en-US" dirty="0">
+              <a:latin typeface="Arial" pitchFamily="34" charset="0"/>
+              <a:cs typeface="Arial" pitchFamily="34" charset="0"/>
             </a:endParaRPr>
           </a:p>
-          <a:p>
-            <a:pPr marL="0" indent="0">
-              <a:lnSpc>
-                <a:spcPct val="150000"/>
-              </a:lnSpc>
-              <a:spcBef>
-                <a:spcPct val="20000"/>
-              </a:spcBef>
-              <a:buNone/>
-            </a:pPr>
-            <a:r>
-              <a:rPr lang="en-US" sz="2200" dirty="0">
-                <a:latin typeface="Quicksand" pitchFamily="2" charset="0"/>
+        </p:txBody>
+      </p:sp>
+      <p:pic>
+        <p:nvPicPr>
+          <p:cNvPr id="19" name="Grafik 18">
+            <a:extLst>
+              <a:ext uri="{FF2B5EF4-FFF2-40B4-BE49-F238E27FC236}">
+                <a16:creationId xmlns:a16="http://schemas.microsoft.com/office/drawing/2014/main" id="{966D30C3-22CD-4EBC-9AD5-5861CB3CE615}"/>
+              </a:ext>
+            </a:extLst>
+          </p:cNvPr>
+          <p:cNvPicPr>
+            <a:picLocks noChangeAspect="1"/>
+          </p:cNvPicPr>
+          <p:nvPr/>
+        </p:nvPicPr>
+        <p:blipFill>
+          <a:blip r:embed="rId3" cstate="print">
+            <a:extLst>
+              <a:ext uri="{28A0092B-C50C-407E-A947-70E740481C1C}">
+                <a14:useLocalDpi xmlns:a14="http://schemas.microsoft.com/office/drawing/2010/main" val="0"/>
+              </a:ext>
+            </a:extLst>
+          </a:blip>
+          <a:stretch>
+            <a:fillRect/>
+          </a:stretch>
+        </p:blipFill>
+        <p:spPr>
+          <a:xfrm>
+            <a:off x="6241433" y="2205658"/>
+            <a:ext cx="5459922" cy="3342362"/>
+          </a:xfrm>
+          <a:prstGeom prst="rect">
+            <a:avLst/>
+          </a:prstGeom>
+        </p:spPr>
+      </p:pic>
+      <p:sp>
+        <p:nvSpPr>
+          <p:cNvPr id="20" name="Textfeld 19">
+            <a:extLst>
+              <a:ext uri="{FF2B5EF4-FFF2-40B4-BE49-F238E27FC236}">
+                <a16:creationId xmlns:a16="http://schemas.microsoft.com/office/drawing/2014/main" id="{E76DBD85-E592-4583-A39B-D33049AD5A96}"/>
+              </a:ext>
+            </a:extLst>
+          </p:cNvPr>
+          <p:cNvSpPr txBox="1"/>
+          <p:nvPr/>
+        </p:nvSpPr>
+        <p:spPr>
+          <a:xfrm>
+            <a:off x="8528933" y="1392042"/>
+            <a:ext cx="1064459" cy="276999"/>
+          </a:xfrm>
+          <a:prstGeom prst="rect">
+            <a:avLst/>
+          </a:prstGeom>
+          <a:noFill/>
+        </p:spPr>
+        <p:txBody>
+          <a:bodyPr wrap="none" lIns="0" tIns="0" rIns="0" bIns="0" rtlCol="0">
+            <a:spAutoFit/>
+          </a:bodyPr>
+          <a:lstStyle/>
+          <a:p>
+            <a:r>
+              <a:rPr lang="de-DE" dirty="0">
+                <a:latin typeface="Arial" pitchFamily="34" charset="0"/>
+                <a:cs typeface="Arial" pitchFamily="34" charset="0"/>
               </a:rPr>
-              <a:t>1. What do you think about an AI assistant that assist you in workplace to improve productivity?</a:t>
-            </a:r>
-          </a:p>
-          <a:p>
-            <a:pPr marL="0" indent="0">
-              <a:lnSpc>
-                <a:spcPct val="150000"/>
-              </a:lnSpc>
-              <a:spcBef>
-                <a:spcPct val="20000"/>
-              </a:spcBef>
-              <a:buNone/>
-            </a:pPr>
-            <a:r>
-              <a:rPr lang="en-US" sz="2200" dirty="0">
-                <a:latin typeface="Quicksand" pitchFamily="2" charset="0"/>
-              </a:rPr>
-              <a:t>2. On what type of tasks would you use this bot for?</a:t>
-            </a:r>
-          </a:p>
-          <a:p>
-            <a:pPr marL="0" indent="0">
-              <a:lnSpc>
-                <a:spcPct val="150000"/>
-              </a:lnSpc>
-              <a:spcBef>
-                <a:spcPct val="20000"/>
-              </a:spcBef>
-              <a:buNone/>
-            </a:pPr>
-            <a:r>
-              <a:rPr lang="en-US" sz="2200" dirty="0">
-                <a:latin typeface="Quicksand" pitchFamily="2" charset="0"/>
-              </a:rPr>
-              <a:t>3. What would you expect from the bot, functional scope and level of autonomy?</a:t>
-            </a:r>
-          </a:p>
-          <a:p>
-            <a:pPr marL="0" indent="0">
-              <a:lnSpc>
-                <a:spcPct val="150000"/>
-              </a:lnSpc>
-              <a:spcBef>
-                <a:spcPct val="20000"/>
-              </a:spcBef>
-              <a:buNone/>
-            </a:pPr>
-            <a:r>
-              <a:rPr lang="en-US" sz="2200" dirty="0">
-                <a:latin typeface="Quicksand" pitchFamily="2" charset="0"/>
-              </a:rPr>
-              <a:t>4. Would you expect the bot to understand a command entirely in natural language or are you willing to learn keyword targeted commands?</a:t>
-            </a:r>
-            <a:endParaRPr lang="de-DE" sz="2200" dirty="0">
-              <a:latin typeface="Quicksand" pitchFamily="2" charset="0"/>
+              <a:t>Voice bots</a:t>
+            </a:r>
+            <a:endParaRPr lang="en-US" dirty="0">
+              <a:latin typeface="Arial" pitchFamily="34" charset="0"/>
+              <a:cs typeface="Arial" pitchFamily="34" charset="0"/>
+            </a:endParaRPr>
+          </a:p>
+        </p:txBody>
+      </p:sp>
+      <p:sp>
+        <p:nvSpPr>
+          <p:cNvPr id="22" name="Rechteck: abgerundete Ecken 21">
+            <a:extLst>
+              <a:ext uri="{FF2B5EF4-FFF2-40B4-BE49-F238E27FC236}">
+                <a16:creationId xmlns:a16="http://schemas.microsoft.com/office/drawing/2014/main" id="{19808764-E92E-49F4-844C-AB093BB7B685}"/>
+              </a:ext>
+            </a:extLst>
+          </p:cNvPr>
+          <p:cNvSpPr/>
+          <p:nvPr/>
+        </p:nvSpPr>
+        <p:spPr>
+          <a:xfrm>
+            <a:off x="624979" y="1165934"/>
+            <a:ext cx="5198470" cy="4943646"/>
+          </a:xfrm>
+          <a:prstGeom prst="roundRect">
+            <a:avLst>
+              <a:gd name="adj" fmla="val 6589"/>
+            </a:avLst>
+          </a:prstGeom>
+          <a:noFill/>
+          <a:ln w="9525">
+            <a:solidFill>
+              <a:schemeClr val="tx1"/>
+            </a:solidFill>
+          </a:ln>
+        </p:spPr>
+        <p:style>
+          <a:lnRef idx="2">
+            <a:schemeClr val="accent1">
+              <a:shade val="50000"/>
+            </a:schemeClr>
+          </a:lnRef>
+          <a:fillRef idx="1">
+            <a:schemeClr val="accent1"/>
+          </a:fillRef>
+          <a:effectRef idx="0">
+            <a:schemeClr val="accent1"/>
+          </a:effectRef>
+          <a:fontRef idx="minor">
+            <a:schemeClr val="lt1"/>
+          </a:fontRef>
+        </p:style>
+        <p:txBody>
+          <a:bodyPr rtlCol="0" anchor="ctr">
+            <a:noAutofit/>
+          </a:bodyPr>
+          <a:lstStyle/>
+          <a:p>
+            <a:pPr algn="ctr"/>
+            <a:endParaRPr lang="en-US" dirty="0">
+              <a:solidFill>
+                <a:schemeClr val="tx1"/>
+              </a:solidFill>
+              <a:latin typeface="Arial" pitchFamily="34" charset="0"/>
+              <a:cs typeface="Arial" pitchFamily="34" charset="0"/>
+            </a:endParaRPr>
+          </a:p>
+        </p:txBody>
+      </p:sp>
+      <p:sp>
+        <p:nvSpPr>
+          <p:cNvPr id="23" name="Rechteck: abgerundete Ecken 22">
+            <a:extLst>
+              <a:ext uri="{FF2B5EF4-FFF2-40B4-BE49-F238E27FC236}">
+                <a16:creationId xmlns:a16="http://schemas.microsoft.com/office/drawing/2014/main" id="{4BE83AE0-CC0B-4412-A84F-B6C6400D2A8B}"/>
+              </a:ext>
+            </a:extLst>
+          </p:cNvPr>
+          <p:cNvSpPr/>
+          <p:nvPr/>
+        </p:nvSpPr>
+        <p:spPr>
+          <a:xfrm>
+            <a:off x="6097587" y="1145735"/>
+            <a:ext cx="5846544" cy="4984043"/>
+          </a:xfrm>
+          <a:prstGeom prst="roundRect">
+            <a:avLst>
+              <a:gd name="adj" fmla="val 6589"/>
+            </a:avLst>
+          </a:prstGeom>
+          <a:noFill/>
+          <a:ln w="9525">
+            <a:solidFill>
+              <a:schemeClr val="tx1"/>
+            </a:solidFill>
+          </a:ln>
+        </p:spPr>
+        <p:style>
+          <a:lnRef idx="2">
+            <a:schemeClr val="accent1">
+              <a:shade val="50000"/>
+            </a:schemeClr>
+          </a:lnRef>
+          <a:fillRef idx="1">
+            <a:schemeClr val="accent1"/>
+          </a:fillRef>
+          <a:effectRef idx="0">
+            <a:schemeClr val="accent1"/>
+          </a:effectRef>
+          <a:fontRef idx="minor">
+            <a:schemeClr val="lt1"/>
+          </a:fontRef>
+        </p:style>
+        <p:txBody>
+          <a:bodyPr rtlCol="0" anchor="ctr">
+            <a:noAutofit/>
+          </a:bodyPr>
+          <a:lstStyle/>
+          <a:p>
+            <a:pPr algn="ctr"/>
+            <a:endParaRPr lang="en-US" dirty="0">
+              <a:solidFill>
+                <a:schemeClr val="tx1"/>
+              </a:solidFill>
+              <a:latin typeface="Arial" pitchFamily="34" charset="0"/>
+              <a:cs typeface="Arial" pitchFamily="34" charset="0"/>
             </a:endParaRPr>
           </a:p>
         </p:txBody>
@@ -4020,13 +4857,295 @@
     </p:spTree>
     <p:extLst>
       <p:ext uri="{BB962C8B-B14F-4D97-AF65-F5344CB8AC3E}">
-        <p14:creationId xmlns:p14="http://schemas.microsoft.com/office/powerpoint/2010/main" val="2518654130"/>
+        <p14:creationId xmlns:p14="http://schemas.microsoft.com/office/powerpoint/2010/main" val="1129138669"/>
       </p:ext>
     </p:extLst>
   </p:cSld>
   <p:clrMapOvr>
     <a:masterClrMapping/>
   </p:clrMapOvr>
+  <p:timing>
+    <p:tnLst>
+      <p:par>
+        <p:cTn id="1" dur="indefinite" restart="never" nodeType="tmRoot">
+          <p:childTnLst>
+            <p:seq concurrent="1" nextAc="seek">
+              <p:cTn id="2" dur="indefinite" nodeType="mainSeq">
+                <p:childTnLst>
+                  <p:par>
+                    <p:cTn id="3" fill="hold">
+                      <p:stCondLst>
+                        <p:cond delay="indefinite"/>
+                      </p:stCondLst>
+                      <p:childTnLst>
+                        <p:par>
+                          <p:cTn id="4" fill="hold">
+                            <p:stCondLst>
+                              <p:cond delay="0"/>
+                            </p:stCondLst>
+                            <p:childTnLst>
+                              <p:par>
+                                <p:cTn id="5" presetID="10" presetClass="entr" presetSubtype="0" fill="hold" grpId="0" nodeType="clickEffect">
+                                  <p:stCondLst>
+                                    <p:cond delay="0"/>
+                                  </p:stCondLst>
+                                  <p:childTnLst>
+                                    <p:set>
+                                      <p:cBhvr>
+                                        <p:cTn id="6" dur="1" fill="hold">
+                                          <p:stCondLst>
+                                            <p:cond delay="0"/>
+                                          </p:stCondLst>
+                                        </p:cTn>
+                                        <p:tgtEl>
+                                          <p:spTgt spid="22"/>
+                                        </p:tgtEl>
+                                        <p:attrNameLst>
+                                          <p:attrName>style.visibility</p:attrName>
+                                        </p:attrNameLst>
+                                      </p:cBhvr>
+                                      <p:to>
+                                        <p:strVal val="visible"/>
+                                      </p:to>
+                                    </p:set>
+                                    <p:animEffect transition="in" filter="fade">
+                                      <p:cBhvr>
+                                        <p:cTn id="7" dur="500"/>
+                                        <p:tgtEl>
+                                          <p:spTgt spid="22"/>
+                                        </p:tgtEl>
+                                      </p:cBhvr>
+                                    </p:animEffect>
+                                  </p:childTnLst>
+                                </p:cTn>
+                              </p:par>
+                              <p:par>
+                                <p:cTn id="8" presetID="10" presetClass="entr" presetSubtype="0" fill="hold" grpId="0" nodeType="withEffect">
+                                  <p:stCondLst>
+                                    <p:cond delay="0"/>
+                                  </p:stCondLst>
+                                  <p:childTnLst>
+                                    <p:set>
+                                      <p:cBhvr>
+                                        <p:cTn id="9" dur="1" fill="hold">
+                                          <p:stCondLst>
+                                            <p:cond delay="0"/>
+                                          </p:stCondLst>
+                                        </p:cTn>
+                                        <p:tgtEl>
+                                          <p:spTgt spid="17"/>
+                                        </p:tgtEl>
+                                        <p:attrNameLst>
+                                          <p:attrName>style.visibility</p:attrName>
+                                        </p:attrNameLst>
+                                      </p:cBhvr>
+                                      <p:to>
+                                        <p:strVal val="visible"/>
+                                      </p:to>
+                                    </p:set>
+                                    <p:animEffect transition="in" filter="fade">
+                                      <p:cBhvr>
+                                        <p:cTn id="10" dur="500"/>
+                                        <p:tgtEl>
+                                          <p:spTgt spid="17"/>
+                                        </p:tgtEl>
+                                      </p:cBhvr>
+                                    </p:animEffect>
+                                  </p:childTnLst>
+                                </p:cTn>
+                              </p:par>
+                              <p:par>
+                                <p:cTn id="11" presetID="10" presetClass="entr" presetSubtype="0" fill="hold" nodeType="withEffect">
+                                  <p:stCondLst>
+                                    <p:cond delay="0"/>
+                                  </p:stCondLst>
+                                  <p:childTnLst>
+                                    <p:set>
+                                      <p:cBhvr>
+                                        <p:cTn id="12" dur="1" fill="hold">
+                                          <p:stCondLst>
+                                            <p:cond delay="0"/>
+                                          </p:stCondLst>
+                                        </p:cTn>
+                                        <p:tgtEl>
+                                          <p:spTgt spid="4"/>
+                                        </p:tgtEl>
+                                        <p:attrNameLst>
+                                          <p:attrName>style.visibility</p:attrName>
+                                        </p:attrNameLst>
+                                      </p:cBhvr>
+                                      <p:to>
+                                        <p:strVal val="visible"/>
+                                      </p:to>
+                                    </p:set>
+                                    <p:animEffect transition="in" filter="fade">
+                                      <p:cBhvr>
+                                        <p:cTn id="13" dur="500"/>
+                                        <p:tgtEl>
+                                          <p:spTgt spid="4"/>
+                                        </p:tgtEl>
+                                      </p:cBhvr>
+                                    </p:animEffect>
+                                  </p:childTnLst>
+                                </p:cTn>
+                              </p:par>
+                            </p:childTnLst>
+                          </p:cTn>
+                        </p:par>
+                      </p:childTnLst>
+                    </p:cTn>
+                  </p:par>
+                  <p:par>
+                    <p:cTn id="14" fill="hold">
+                      <p:stCondLst>
+                        <p:cond delay="indefinite"/>
+                      </p:stCondLst>
+                      <p:childTnLst>
+                        <p:par>
+                          <p:cTn id="15" fill="hold">
+                            <p:stCondLst>
+                              <p:cond delay="0"/>
+                            </p:stCondLst>
+                            <p:childTnLst>
+                              <p:par>
+                                <p:cTn id="16" presetID="10" presetClass="entr" presetSubtype="0" fill="hold" grpId="0" nodeType="clickEffect">
+                                  <p:stCondLst>
+                                    <p:cond delay="0"/>
+                                  </p:stCondLst>
+                                  <p:childTnLst>
+                                    <p:set>
+                                      <p:cBhvr>
+                                        <p:cTn id="17" dur="1" fill="hold">
+                                          <p:stCondLst>
+                                            <p:cond delay="0"/>
+                                          </p:stCondLst>
+                                        </p:cTn>
+                                        <p:tgtEl>
+                                          <p:spTgt spid="23"/>
+                                        </p:tgtEl>
+                                        <p:attrNameLst>
+                                          <p:attrName>style.visibility</p:attrName>
+                                        </p:attrNameLst>
+                                      </p:cBhvr>
+                                      <p:to>
+                                        <p:strVal val="visible"/>
+                                      </p:to>
+                                    </p:set>
+                                    <p:animEffect transition="in" filter="fade">
+                                      <p:cBhvr>
+                                        <p:cTn id="18" dur="500"/>
+                                        <p:tgtEl>
+                                          <p:spTgt spid="23"/>
+                                        </p:tgtEl>
+                                      </p:cBhvr>
+                                    </p:animEffect>
+                                  </p:childTnLst>
+                                </p:cTn>
+                              </p:par>
+                              <p:par>
+                                <p:cTn id="19" presetID="10" presetClass="entr" presetSubtype="0" fill="hold" grpId="0" nodeType="withEffect">
+                                  <p:stCondLst>
+                                    <p:cond delay="0"/>
+                                  </p:stCondLst>
+                                  <p:childTnLst>
+                                    <p:set>
+                                      <p:cBhvr>
+                                        <p:cTn id="20" dur="1" fill="hold">
+                                          <p:stCondLst>
+                                            <p:cond delay="0"/>
+                                          </p:stCondLst>
+                                        </p:cTn>
+                                        <p:tgtEl>
+                                          <p:spTgt spid="20"/>
+                                        </p:tgtEl>
+                                        <p:attrNameLst>
+                                          <p:attrName>style.visibility</p:attrName>
+                                        </p:attrNameLst>
+                                      </p:cBhvr>
+                                      <p:to>
+                                        <p:strVal val="visible"/>
+                                      </p:to>
+                                    </p:set>
+                                    <p:animEffect transition="in" filter="fade">
+                                      <p:cBhvr>
+                                        <p:cTn id="21" dur="500"/>
+                                        <p:tgtEl>
+                                          <p:spTgt spid="20"/>
+                                        </p:tgtEl>
+                                      </p:cBhvr>
+                                    </p:animEffect>
+                                  </p:childTnLst>
+                                </p:cTn>
+                              </p:par>
+                              <p:par>
+                                <p:cTn id="22" presetID="10" presetClass="entr" presetSubtype="0" fill="hold" nodeType="withEffect">
+                                  <p:stCondLst>
+                                    <p:cond delay="0"/>
+                                  </p:stCondLst>
+                                  <p:childTnLst>
+                                    <p:set>
+                                      <p:cBhvr>
+                                        <p:cTn id="23" dur="1" fill="hold">
+                                          <p:stCondLst>
+                                            <p:cond delay="0"/>
+                                          </p:stCondLst>
+                                        </p:cTn>
+                                        <p:tgtEl>
+                                          <p:spTgt spid="19"/>
+                                        </p:tgtEl>
+                                        <p:attrNameLst>
+                                          <p:attrName>style.visibility</p:attrName>
+                                        </p:attrNameLst>
+                                      </p:cBhvr>
+                                      <p:to>
+                                        <p:strVal val="visible"/>
+                                      </p:to>
+                                    </p:set>
+                                    <p:animEffect transition="in" filter="fade">
+                                      <p:cBhvr>
+                                        <p:cTn id="24" dur="500"/>
+                                        <p:tgtEl>
+                                          <p:spTgt spid="19"/>
+                                        </p:tgtEl>
+                                      </p:cBhvr>
+                                    </p:animEffect>
+                                  </p:childTnLst>
+                                </p:cTn>
+                              </p:par>
+                            </p:childTnLst>
+                          </p:cTn>
+                        </p:par>
+                      </p:childTnLst>
+                    </p:cTn>
+                  </p:par>
+                </p:childTnLst>
+              </p:cTn>
+              <p:prevCondLst>
+                <p:cond evt="onPrev" delay="0">
+                  <p:tgtEl>
+                    <p:sldTgt/>
+                  </p:tgtEl>
+                </p:cond>
+              </p:prevCondLst>
+              <p:nextCondLst>
+                <p:cond evt="onNext" delay="0">
+                  <p:tgtEl>
+                    <p:sldTgt/>
+                  </p:tgtEl>
+                </p:cond>
+              </p:nextCondLst>
+            </p:seq>
+          </p:childTnLst>
+        </p:cTn>
+      </p:par>
+    </p:tnLst>
+    <p:bldLst>
+      <p:bldP spid="17" grpId="0"/>
+      <p:bldP spid="20" grpId="0"/>
+      <p:bldP spid="22" grpId="0" animBg="1"/>
+      <p:bldP spid="23" grpId="0" animBg="1"/>
+    </p:bldLst>
+  </p:timing>
 </p:sld>
 </file>
 
@@ -4057,22 +5176,72 @@
             <p:ph type="title"/>
           </p:nvPr>
         </p:nvSpPr>
-        <p:spPr/>
+        <p:spPr>
+          <a:xfrm>
+            <a:off x="485999" y="189434"/>
+            <a:ext cx="11221200" cy="738000"/>
+          </a:xfrm>
+        </p:spPr>
         <p:txBody>
           <a:bodyPr/>
           <a:lstStyle/>
           <a:p>
             <a:pPr algn="ctr"/>
             <a:r>
-              <a:rPr lang="de-DE" sz="3200" dirty="0">
+              <a:rPr lang="de-DE" sz="3200" b="0" dirty="0">
                 <a:solidFill>
                   <a:schemeClr val="tx1"/>
                 </a:solidFill>
                 <a:latin typeface="Quicksand" pitchFamily="2" charset="0"/>
               </a:rPr>
-              <a:t>Interview Questions?</a:t>
-            </a:r>
-            <a:endParaRPr lang="de-DE" sz="2800" dirty="0">
+              <a:t>Bots in SE- A </a:t>
+            </a:r>
+            <a:r>
+              <a:rPr lang="de-DE" sz="3200" b="0" dirty="0" err="1">
+                <a:solidFill>
+                  <a:schemeClr val="tx1"/>
+                </a:solidFill>
+                <a:latin typeface="Quicksand" pitchFamily="2" charset="0"/>
+              </a:rPr>
+              <a:t>systematic</a:t>
+            </a:r>
+            <a:r>
+              <a:rPr lang="de-DE" sz="3200" b="0" dirty="0">
+                <a:solidFill>
+                  <a:schemeClr val="tx1"/>
+                </a:solidFill>
+                <a:latin typeface="Quicksand" pitchFamily="2" charset="0"/>
+              </a:rPr>
+              <a:t> </a:t>
+            </a:r>
+            <a:r>
+              <a:rPr lang="de-DE" sz="3200" b="0" dirty="0" err="1">
+                <a:solidFill>
+                  <a:schemeClr val="tx1"/>
+                </a:solidFill>
+                <a:latin typeface="Quicksand" pitchFamily="2" charset="0"/>
+              </a:rPr>
+              <a:t>mapping</a:t>
+            </a:r>
+            <a:r>
+              <a:rPr lang="de-DE" sz="3200" b="0" dirty="0">
+                <a:solidFill>
+                  <a:schemeClr val="tx1"/>
+                </a:solidFill>
+                <a:latin typeface="Quicksand" pitchFamily="2" charset="0"/>
+              </a:rPr>
+              <a:t> </a:t>
+            </a:r>
+            <a:r>
+              <a:rPr lang="de-DE" sz="3200" b="0" dirty="0" err="1">
+                <a:solidFill>
+                  <a:schemeClr val="tx1"/>
+                </a:solidFill>
+                <a:latin typeface="Quicksand" pitchFamily="2" charset="0"/>
+              </a:rPr>
+              <a:t>study</a:t>
+            </a:r>
+            <a:endParaRPr lang="de-DE" sz="2800" b="0" dirty="0">
               <a:solidFill>
                 <a:schemeClr val="tx1"/>
               </a:solidFill>
@@ -4081,122 +5250,465 @@
           </a:p>
         </p:txBody>
       </p:sp>
-      <p:sp>
-        <p:nvSpPr>
-          <p:cNvPr id="3" name="Text Placeholder 2"/>
-          <p:cNvSpPr>
-            <a:spLocks noGrp="1"/>
-          </p:cNvSpPr>
-          <p:nvPr>
-            <p:ph type="body" sz="quarter" idx="12"/>
-          </p:nvPr>
-        </p:nvSpPr>
+      <p:pic>
+        <p:nvPicPr>
+          <p:cNvPr id="7" name="Grafik 6">
+            <a:extLst>
+              <a:ext uri="{FF2B5EF4-FFF2-40B4-BE49-F238E27FC236}">
+                <a16:creationId xmlns:a16="http://schemas.microsoft.com/office/drawing/2014/main" id="{1F792685-5D18-4DC1-95C1-08AE2E925469}"/>
+              </a:ext>
+            </a:extLst>
+          </p:cNvPr>
+          <p:cNvPicPr>
+            <a:picLocks noChangeAspect="1"/>
+          </p:cNvPicPr>
+          <p:nvPr/>
+        </p:nvPicPr>
+        <p:blipFill>
+          <a:blip r:embed="rId2">
+            <a:extLst>
+              <a:ext uri="{28A0092B-C50C-407E-A947-70E740481C1C}">
+                <a14:useLocalDpi xmlns:a14="http://schemas.microsoft.com/office/drawing/2010/main" val="0"/>
+              </a:ext>
+            </a:extLst>
+          </a:blip>
+          <a:srcRect t="62988" r="54155" b="10067"/>
+          <a:stretch>
+            <a:fillRect/>
+          </a:stretch>
+        </p:blipFill>
         <p:spPr>
           <a:xfrm>
-            <a:off x="841003" y="1386000"/>
-            <a:ext cx="10866196" cy="5068130"/>
+            <a:off x="336947" y="4293890"/>
+            <a:ext cx="5256584" cy="1440160"/>
           </a:xfrm>
+          <a:custGeom>
+            <a:avLst/>
+            <a:gdLst>
+              <a:gd name="connsiteX0" fmla="*/ 168023 w 5256584"/>
+              <a:gd name="connsiteY0" fmla="*/ 0 h 1440160"/>
+              <a:gd name="connsiteX1" fmla="*/ 5016553 w 5256584"/>
+              <a:gd name="connsiteY1" fmla="*/ 0 h 1440160"/>
+              <a:gd name="connsiteX2" fmla="*/ 5256584 w 5256584"/>
+              <a:gd name="connsiteY2" fmla="*/ 240031 h 1440160"/>
+              <a:gd name="connsiteX3" fmla="*/ 5256584 w 5256584"/>
+              <a:gd name="connsiteY3" fmla="*/ 1200129 h 1440160"/>
+              <a:gd name="connsiteX4" fmla="*/ 5016553 w 5256584"/>
+              <a:gd name="connsiteY4" fmla="*/ 1440160 h 1440160"/>
+              <a:gd name="connsiteX5" fmla="*/ 168023 w 5256584"/>
+              <a:gd name="connsiteY5" fmla="*/ 1440160 h 1440160"/>
+              <a:gd name="connsiteX6" fmla="*/ 33820 w 5256584"/>
+              <a:gd name="connsiteY6" fmla="*/ 1399166 h 1440160"/>
+              <a:gd name="connsiteX7" fmla="*/ 0 w 5256584"/>
+              <a:gd name="connsiteY7" fmla="*/ 1371262 h 1440160"/>
+              <a:gd name="connsiteX8" fmla="*/ 0 w 5256584"/>
+              <a:gd name="connsiteY8" fmla="*/ 68898 h 1440160"/>
+              <a:gd name="connsiteX9" fmla="*/ 33820 w 5256584"/>
+              <a:gd name="connsiteY9" fmla="*/ 40994 h 1440160"/>
+              <a:gd name="connsiteX10" fmla="*/ 168023 w 5256584"/>
+              <a:gd name="connsiteY10" fmla="*/ 0 h 1440160"/>
+            </a:gdLst>
+            <a:ahLst/>
+            <a:cxnLst>
+              <a:cxn ang="0">
+                <a:pos x="connsiteX0" y="connsiteY0"/>
+              </a:cxn>
+              <a:cxn ang="0">
+                <a:pos x="connsiteX1" y="connsiteY1"/>
+              </a:cxn>
+              <a:cxn ang="0">
+                <a:pos x="connsiteX2" y="connsiteY2"/>
+              </a:cxn>
+              <a:cxn ang="0">
+                <a:pos x="connsiteX3" y="connsiteY3"/>
+              </a:cxn>
+              <a:cxn ang="0">
+                <a:pos x="connsiteX4" y="connsiteY4"/>
+              </a:cxn>
+              <a:cxn ang="0">
+                <a:pos x="connsiteX5" y="connsiteY5"/>
+              </a:cxn>
+              <a:cxn ang="0">
+                <a:pos x="connsiteX6" y="connsiteY6"/>
+              </a:cxn>
+              <a:cxn ang="0">
+                <a:pos x="connsiteX7" y="connsiteY7"/>
+              </a:cxn>
+              <a:cxn ang="0">
+                <a:pos x="connsiteX8" y="connsiteY8"/>
+              </a:cxn>
+              <a:cxn ang="0">
+                <a:pos x="connsiteX9" y="connsiteY9"/>
+              </a:cxn>
+              <a:cxn ang="0">
+                <a:pos x="connsiteX10" y="connsiteY10"/>
+              </a:cxn>
+            </a:cxnLst>
+            <a:rect l="l" t="t" r="r" b="b"/>
+            <a:pathLst>
+              <a:path w="5256584" h="1440160">
+                <a:moveTo>
+                  <a:pt x="168023" y="0"/>
+                </a:moveTo>
+                <a:lnTo>
+                  <a:pt x="5016553" y="0"/>
+                </a:lnTo>
+                <a:cubicBezTo>
+                  <a:pt x="5149118" y="0"/>
+                  <a:pt x="5256584" y="107466"/>
+                  <a:pt x="5256584" y="240031"/>
+                </a:cubicBezTo>
+                <a:lnTo>
+                  <a:pt x="5256584" y="1200129"/>
+                </a:lnTo>
+                <a:cubicBezTo>
+                  <a:pt x="5256584" y="1332694"/>
+                  <a:pt x="5149118" y="1440160"/>
+                  <a:pt x="5016553" y="1440160"/>
+                </a:cubicBezTo>
+                <a:lnTo>
+                  <a:pt x="168023" y="1440160"/>
+                </a:lnTo>
+                <a:cubicBezTo>
+                  <a:pt x="118311" y="1440160"/>
+                  <a:pt x="72129" y="1425048"/>
+                  <a:pt x="33820" y="1399166"/>
+                </a:cubicBezTo>
+                <a:lnTo>
+                  <a:pt x="0" y="1371262"/>
+                </a:lnTo>
+                <a:lnTo>
+                  <a:pt x="0" y="68898"/>
+                </a:lnTo>
+                <a:lnTo>
+                  <a:pt x="33820" y="40994"/>
+                </a:lnTo>
+                <a:cubicBezTo>
+                  <a:pt x="72129" y="15113"/>
+                  <a:pt x="118311" y="0"/>
+                  <a:pt x="168023" y="0"/>
+                </a:cubicBezTo>
+                <a:close/>
+              </a:path>
+            </a:pathLst>
+          </a:custGeom>
         </p:spPr>
-        <p:txBody>
-          <a:bodyPr/>
-          <a:lstStyle/>
-          <a:p>
-            <a:pPr marL="0" indent="0" algn="ctr">
-              <a:lnSpc>
-                <a:spcPct val="150000"/>
-              </a:lnSpc>
-              <a:spcBef>
-                <a:spcPct val="20000"/>
-              </a:spcBef>
-              <a:buNone/>
-            </a:pPr>
-            <a:r>
-              <a:rPr lang="en-US" sz="2800" u="sng" dirty="0">
-                <a:latin typeface="Quicksand" pitchFamily="2" charset="0"/>
-              </a:rPr>
-              <a:t>Implementation</a:t>
-            </a:r>
-          </a:p>
-          <a:p>
-            <a:pPr marL="0" indent="0" algn="ctr">
-              <a:lnSpc>
-                <a:spcPct val="150000"/>
-              </a:lnSpc>
-              <a:spcBef>
-                <a:spcPct val="20000"/>
-              </a:spcBef>
-              <a:buNone/>
-            </a:pPr>
-            <a:endParaRPr lang="en-US" sz="1400" dirty="0">
-              <a:latin typeface="Quicksand" pitchFamily="2" charset="0"/>
-            </a:endParaRPr>
-          </a:p>
-          <a:p>
-            <a:pPr marL="0" indent="0">
-              <a:lnSpc>
-                <a:spcPct val="150000"/>
-              </a:lnSpc>
-              <a:spcBef>
-                <a:spcPct val="20000"/>
-              </a:spcBef>
-              <a:buNone/>
-            </a:pPr>
-            <a:r>
-              <a:rPr lang="en-US" sz="2200" dirty="0">
-                <a:latin typeface="Quicksand" pitchFamily="2" charset="0"/>
-              </a:rPr>
-              <a:t>5. How should the bot be deployed? IDE plugin, Background process, Standalone application, Webservice</a:t>
-            </a:r>
-          </a:p>
-          <a:p>
-            <a:pPr marL="0" indent="0">
-              <a:lnSpc>
-                <a:spcPct val="150000"/>
-              </a:lnSpc>
-              <a:spcBef>
-                <a:spcPct val="20000"/>
-              </a:spcBef>
-              <a:buNone/>
-            </a:pPr>
-            <a:r>
-              <a:rPr lang="en-US" sz="2200" dirty="0">
-                <a:latin typeface="Quicksand" pitchFamily="2" charset="0"/>
-              </a:rPr>
-              <a:t>6. Would you rather chat(text) with the assistant to execute your actions or do you like to speak(voice) to this assistant?</a:t>
-            </a:r>
-          </a:p>
-          <a:p>
-            <a:pPr marL="0" indent="0">
-              <a:lnSpc>
-                <a:spcPct val="150000"/>
-              </a:lnSpc>
-              <a:spcBef>
-                <a:spcPct val="20000"/>
-              </a:spcBef>
-              <a:buNone/>
-            </a:pPr>
-            <a:r>
-              <a:rPr lang="en-US" sz="2200" dirty="0">
-                <a:latin typeface="Quicksand" pitchFamily="2" charset="0"/>
-              </a:rPr>
-              <a:t>7. Why would you prefer the choice? What are the hurdles you might imagine for voice assisted bots?</a:t>
-            </a:r>
-            <a:endParaRPr lang="de-DE" sz="2200" dirty="0">
-              <a:latin typeface="Quicksand" pitchFamily="2" charset="0"/>
-            </a:endParaRPr>
-          </a:p>
-        </p:txBody>
-      </p:sp>
+      </p:pic>
+      <p:pic>
+        <p:nvPicPr>
+          <p:cNvPr id="6" name="Grafik 5">
+            <a:extLst>
+              <a:ext uri="{FF2B5EF4-FFF2-40B4-BE49-F238E27FC236}">
+                <a16:creationId xmlns:a16="http://schemas.microsoft.com/office/drawing/2014/main" id="{FD0DBE46-4983-42C6-98FF-6D21FE8BDA3F}"/>
+              </a:ext>
+            </a:extLst>
+          </p:cNvPr>
+          <p:cNvPicPr>
+            <a:picLocks noChangeAspect="1"/>
+          </p:cNvPicPr>
+          <p:nvPr/>
+        </p:nvPicPr>
+        <p:blipFill>
+          <a:blip r:embed="rId3">
+            <a:extLst>
+              <a:ext uri="{BEBA8EAE-BF5A-486C-A8C5-ECC9F3942E4B}">
+                <a14:imgProps xmlns:a14="http://schemas.microsoft.com/office/drawing/2010/main">
+                  <a14:imgLayer r:embed="rId4">
+                    <a14:imgEffect>
+                      <a14:artisticBlur/>
+                    </a14:imgEffect>
+                  </a14:imgLayer>
+                </a14:imgProps>
+              </a:ext>
+              <a:ext uri="{28A0092B-C50C-407E-A947-70E740481C1C}">
+                <a14:useLocalDpi xmlns:a14="http://schemas.microsoft.com/office/drawing/2010/main" val="0"/>
+              </a:ext>
+            </a:extLst>
+          </a:blip>
+          <a:srcRect/>
+          <a:stretch>
+            <a:fillRect/>
+          </a:stretch>
+        </p:blipFill>
+        <p:spPr>
+          <a:xfrm>
+            <a:off x="336947" y="927433"/>
+            <a:ext cx="11465945" cy="5344637"/>
+          </a:xfrm>
+          <a:custGeom>
+            <a:avLst/>
+            <a:gdLst>
+              <a:gd name="connsiteX0" fmla="*/ 0 w 11465945"/>
+              <a:gd name="connsiteY0" fmla="*/ 0 h 5344637"/>
+              <a:gd name="connsiteX1" fmla="*/ 11465945 w 11465945"/>
+              <a:gd name="connsiteY1" fmla="*/ 0 h 5344637"/>
+              <a:gd name="connsiteX2" fmla="*/ 11465945 w 11465945"/>
+              <a:gd name="connsiteY2" fmla="*/ 5344637 h 5344637"/>
+              <a:gd name="connsiteX3" fmla="*/ 0 w 11465945"/>
+              <a:gd name="connsiteY3" fmla="*/ 5344637 h 5344637"/>
+              <a:gd name="connsiteX4" fmla="*/ 0 w 11465945"/>
+              <a:gd name="connsiteY4" fmla="*/ 4737719 h 5344637"/>
+              <a:gd name="connsiteX5" fmla="*/ 33820 w 11465945"/>
+              <a:gd name="connsiteY5" fmla="*/ 4765623 h 5344637"/>
+              <a:gd name="connsiteX6" fmla="*/ 168023 w 11465945"/>
+              <a:gd name="connsiteY6" fmla="*/ 4806617 h 5344637"/>
+              <a:gd name="connsiteX7" fmla="*/ 5016553 w 11465945"/>
+              <a:gd name="connsiteY7" fmla="*/ 4806617 h 5344637"/>
+              <a:gd name="connsiteX8" fmla="*/ 5256584 w 11465945"/>
+              <a:gd name="connsiteY8" fmla="*/ 4566586 h 5344637"/>
+              <a:gd name="connsiteX9" fmla="*/ 5256584 w 11465945"/>
+              <a:gd name="connsiteY9" fmla="*/ 3606488 h 5344637"/>
+              <a:gd name="connsiteX10" fmla="*/ 5016553 w 11465945"/>
+              <a:gd name="connsiteY10" fmla="*/ 3366457 h 5344637"/>
+              <a:gd name="connsiteX11" fmla="*/ 168023 w 11465945"/>
+              <a:gd name="connsiteY11" fmla="*/ 3366457 h 5344637"/>
+              <a:gd name="connsiteX12" fmla="*/ 33820 w 11465945"/>
+              <a:gd name="connsiteY12" fmla="*/ 3407451 h 5344637"/>
+              <a:gd name="connsiteX13" fmla="*/ 0 w 11465945"/>
+              <a:gd name="connsiteY13" fmla="*/ 3435355 h 5344637"/>
+              <a:gd name="connsiteX14" fmla="*/ 0 w 11465945"/>
+              <a:gd name="connsiteY14" fmla="*/ 0 h 5344637"/>
+            </a:gdLst>
+            <a:ahLst/>
+            <a:cxnLst>
+              <a:cxn ang="0">
+                <a:pos x="connsiteX0" y="connsiteY0"/>
+              </a:cxn>
+              <a:cxn ang="0">
+                <a:pos x="connsiteX1" y="connsiteY1"/>
+              </a:cxn>
+              <a:cxn ang="0">
+                <a:pos x="connsiteX2" y="connsiteY2"/>
+              </a:cxn>
+              <a:cxn ang="0">
+                <a:pos x="connsiteX3" y="connsiteY3"/>
+              </a:cxn>
+              <a:cxn ang="0">
+                <a:pos x="connsiteX4" y="connsiteY4"/>
+              </a:cxn>
+              <a:cxn ang="0">
+                <a:pos x="connsiteX5" y="connsiteY5"/>
+              </a:cxn>
+              <a:cxn ang="0">
+                <a:pos x="connsiteX6" y="connsiteY6"/>
+              </a:cxn>
+              <a:cxn ang="0">
+                <a:pos x="connsiteX7" y="connsiteY7"/>
+              </a:cxn>
+              <a:cxn ang="0">
+                <a:pos x="connsiteX8" y="connsiteY8"/>
+              </a:cxn>
+              <a:cxn ang="0">
+                <a:pos x="connsiteX9" y="connsiteY9"/>
+              </a:cxn>
+              <a:cxn ang="0">
+                <a:pos x="connsiteX10" y="connsiteY10"/>
+              </a:cxn>
+              <a:cxn ang="0">
+                <a:pos x="connsiteX11" y="connsiteY11"/>
+              </a:cxn>
+              <a:cxn ang="0">
+                <a:pos x="connsiteX12" y="connsiteY12"/>
+              </a:cxn>
+              <a:cxn ang="0">
+                <a:pos x="connsiteX13" y="connsiteY13"/>
+              </a:cxn>
+              <a:cxn ang="0">
+                <a:pos x="connsiteX14" y="connsiteY14"/>
+              </a:cxn>
+            </a:cxnLst>
+            <a:rect l="l" t="t" r="r" b="b"/>
+            <a:pathLst>
+              <a:path w="11465945" h="5344637">
+                <a:moveTo>
+                  <a:pt x="0" y="0"/>
+                </a:moveTo>
+                <a:lnTo>
+                  <a:pt x="11465945" y="0"/>
+                </a:lnTo>
+                <a:lnTo>
+                  <a:pt x="11465945" y="5344637"/>
+                </a:lnTo>
+                <a:lnTo>
+                  <a:pt x="0" y="5344637"/>
+                </a:lnTo>
+                <a:lnTo>
+                  <a:pt x="0" y="4737719"/>
+                </a:lnTo>
+                <a:lnTo>
+                  <a:pt x="33820" y="4765623"/>
+                </a:lnTo>
+                <a:cubicBezTo>
+                  <a:pt x="72129" y="4791505"/>
+                  <a:pt x="118311" y="4806617"/>
+                  <a:pt x="168023" y="4806617"/>
+                </a:cubicBezTo>
+                <a:lnTo>
+                  <a:pt x="5016553" y="4806617"/>
+                </a:lnTo>
+                <a:cubicBezTo>
+                  <a:pt x="5149118" y="4806617"/>
+                  <a:pt x="5256584" y="4699151"/>
+                  <a:pt x="5256584" y="4566586"/>
+                </a:cubicBezTo>
+                <a:lnTo>
+                  <a:pt x="5256584" y="3606488"/>
+                </a:lnTo>
+                <a:cubicBezTo>
+                  <a:pt x="5256584" y="3473923"/>
+                  <a:pt x="5149118" y="3366457"/>
+                  <a:pt x="5016553" y="3366457"/>
+                </a:cubicBezTo>
+                <a:lnTo>
+                  <a:pt x="168023" y="3366457"/>
+                </a:lnTo>
+                <a:cubicBezTo>
+                  <a:pt x="118311" y="3366457"/>
+                  <a:pt x="72129" y="3381570"/>
+                  <a:pt x="33820" y="3407451"/>
+                </a:cubicBezTo>
+                <a:lnTo>
+                  <a:pt x="0" y="3435355"/>
+                </a:lnTo>
+                <a:lnTo>
+                  <a:pt x="0" y="0"/>
+                </a:lnTo>
+                <a:close/>
+              </a:path>
+            </a:pathLst>
+          </a:custGeom>
+        </p:spPr>
+      </p:pic>
+      <p:pic>
+        <p:nvPicPr>
+          <p:cNvPr id="5" name="Grafik 4">
+            <a:extLst>
+              <a:ext uri="{FF2B5EF4-FFF2-40B4-BE49-F238E27FC236}">
+                <a16:creationId xmlns:a16="http://schemas.microsoft.com/office/drawing/2014/main" id="{0C0BD593-3ACF-4F31-B1F3-59A0EB0239FA}"/>
+              </a:ext>
+            </a:extLst>
+          </p:cNvPr>
+          <p:cNvPicPr>
+            <a:picLocks noChangeAspect="1"/>
+          </p:cNvPicPr>
+          <p:nvPr/>
+        </p:nvPicPr>
+        <p:blipFill>
+          <a:blip r:embed="rId2">
+            <a:extLst>
+              <a:ext uri="{28A0092B-C50C-407E-A947-70E740481C1C}">
+                <a14:useLocalDpi xmlns:a14="http://schemas.microsoft.com/office/drawing/2010/main" val="0"/>
+              </a:ext>
+            </a:extLst>
+          </a:blip>
+          <a:srcRect l="-628" t="64277" r="100000" b="11356"/>
+          <a:stretch>
+            <a:fillRect/>
+          </a:stretch>
+        </p:blipFill>
+        <p:spPr>
+          <a:xfrm>
+            <a:off x="264939" y="4362788"/>
+            <a:ext cx="72008" cy="1302364"/>
+          </a:xfrm>
+          <a:custGeom>
+            <a:avLst/>
+            <a:gdLst>
+              <a:gd name="connsiteX0" fmla="*/ 72008 w 72008"/>
+              <a:gd name="connsiteY0" fmla="*/ 0 h 1302364"/>
+              <a:gd name="connsiteX1" fmla="*/ 72008 w 72008"/>
+              <a:gd name="connsiteY1" fmla="*/ 1302364 h 1302364"/>
+              <a:gd name="connsiteX2" fmla="*/ 70304 w 72008"/>
+              <a:gd name="connsiteY2" fmla="*/ 1300958 h 1302364"/>
+              <a:gd name="connsiteX3" fmla="*/ 0 w 72008"/>
+              <a:gd name="connsiteY3" fmla="*/ 1131231 h 1302364"/>
+              <a:gd name="connsiteX4" fmla="*/ 0 w 72008"/>
+              <a:gd name="connsiteY4" fmla="*/ 171133 h 1302364"/>
+              <a:gd name="connsiteX5" fmla="*/ 70304 w 72008"/>
+              <a:gd name="connsiteY5" fmla="*/ 1406 h 1302364"/>
+              <a:gd name="connsiteX6" fmla="*/ 72008 w 72008"/>
+              <a:gd name="connsiteY6" fmla="*/ 0 h 1302364"/>
+            </a:gdLst>
+            <a:ahLst/>
+            <a:cxnLst>
+              <a:cxn ang="0">
+                <a:pos x="connsiteX0" y="connsiteY0"/>
+              </a:cxn>
+              <a:cxn ang="0">
+                <a:pos x="connsiteX1" y="connsiteY1"/>
+              </a:cxn>
+              <a:cxn ang="0">
+                <a:pos x="connsiteX2" y="connsiteY2"/>
+              </a:cxn>
+              <a:cxn ang="0">
+                <a:pos x="connsiteX3" y="connsiteY3"/>
+              </a:cxn>
+              <a:cxn ang="0">
+                <a:pos x="connsiteX4" y="connsiteY4"/>
+              </a:cxn>
+              <a:cxn ang="0">
+                <a:pos x="connsiteX5" y="connsiteY5"/>
+              </a:cxn>
+              <a:cxn ang="0">
+                <a:pos x="connsiteX6" y="connsiteY6"/>
+              </a:cxn>
+            </a:cxnLst>
+            <a:rect l="l" t="t" r="r" b="b"/>
+            <a:pathLst>
+              <a:path w="72008" h="1302364">
+                <a:moveTo>
+                  <a:pt x="72008" y="0"/>
+                </a:moveTo>
+                <a:lnTo>
+                  <a:pt x="72008" y="1302364"/>
+                </a:lnTo>
+                <a:lnTo>
+                  <a:pt x="70304" y="1300958"/>
+                </a:lnTo>
+                <a:cubicBezTo>
+                  <a:pt x="26866" y="1257521"/>
+                  <a:pt x="0" y="1197514"/>
+                  <a:pt x="0" y="1131231"/>
+                </a:cubicBezTo>
+                <a:lnTo>
+                  <a:pt x="0" y="171133"/>
+                </a:lnTo>
+                <a:cubicBezTo>
+                  <a:pt x="0" y="104851"/>
+                  <a:pt x="26866" y="44843"/>
+                  <a:pt x="70304" y="1406"/>
+                </a:cubicBezTo>
+                <a:lnTo>
+                  <a:pt x="72008" y="0"/>
+                </a:lnTo>
+                <a:close/>
+              </a:path>
+            </a:pathLst>
+          </a:custGeom>
+        </p:spPr>
+      </p:pic>
     </p:spTree>
     <p:extLst>
       <p:ext uri="{BB962C8B-B14F-4D97-AF65-F5344CB8AC3E}">
-        <p14:creationId xmlns:p14="http://schemas.microsoft.com/office/powerpoint/2010/main" val="4080839017"/>
+        <p14:creationId xmlns:p14="http://schemas.microsoft.com/office/powerpoint/2010/main" val="1266499496"/>
       </p:ext>
     </p:extLst>
   </p:cSld>
   <p:clrMapOvr>
     <a:masterClrMapping/>
   </p:clrMapOvr>
+  <mc:AlternateContent xmlns:mc="http://schemas.openxmlformats.org/markup-compatibility/2006" xmlns:p14="http://schemas.microsoft.com/office/powerpoint/2010/main">
+    <mc:Choice Requires="p14">
+      <p:transition spd="med" p14:dur="700">
+        <p:fade/>
+      </p:transition>
+    </mc:Choice>
+    <mc:Fallback xmlns="">
+      <p:transition spd="med">
+        <p:fade/>
+      </p:transition>
+    </mc:Fallback>
+  </mc:AlternateContent>
 </p:sld>
 </file>
 
@@ -4227,22 +5739,27 @@
             <p:ph type="title"/>
           </p:nvPr>
         </p:nvSpPr>
-        <p:spPr/>
+        <p:spPr>
+          <a:xfrm>
+            <a:off x="485999" y="333450"/>
+            <a:ext cx="11221200" cy="738000"/>
+          </a:xfrm>
+        </p:spPr>
         <p:txBody>
           <a:bodyPr/>
           <a:lstStyle/>
           <a:p>
             <a:pPr algn="ctr"/>
             <a:r>
-              <a:rPr lang="de-DE" sz="3200" dirty="0">
+              <a:rPr lang="de-DE" sz="3200" b="0" dirty="0">
                 <a:solidFill>
                   <a:schemeClr val="tx1"/>
                 </a:solidFill>
                 <a:latin typeface="Quicksand" pitchFamily="2" charset="0"/>
               </a:rPr>
-              <a:t>Interview Questions?</a:t>
-            </a:r>
-            <a:endParaRPr lang="de-DE" sz="2800" dirty="0">
+              <a:t>Voice bots</a:t>
+            </a:r>
+            <a:endParaRPr lang="de-DE" sz="2800" b="0" dirty="0">
               <a:solidFill>
                 <a:schemeClr val="tx1"/>
               </a:solidFill>
@@ -4251,109 +5768,2300 @@
           </a:p>
         </p:txBody>
       </p:sp>
+      <p:pic>
+        <p:nvPicPr>
+          <p:cNvPr id="6" name="Picture 2" descr="C:\Users\sant_si\AppData\Local\Microsoft\Windows\INetCache\IE\U2L9RH31\aP9Cm[1].png">
+            <a:extLst>
+              <a:ext uri="{FF2B5EF4-FFF2-40B4-BE49-F238E27FC236}">
+                <a16:creationId xmlns:a16="http://schemas.microsoft.com/office/drawing/2014/main" id="{483C30A0-086D-4449-8C4B-A68F6424303D}"/>
+              </a:ext>
+            </a:extLst>
+          </p:cNvPr>
+          <p:cNvPicPr>
+            <a:picLocks noChangeAspect="1" noChangeArrowheads="1"/>
+          </p:cNvPicPr>
+          <p:nvPr/>
+        </p:nvPicPr>
+        <p:blipFill>
+          <a:blip r:embed="rId2" cstate="print">
+            <a:extLst>
+              <a:ext uri="{28A0092B-C50C-407E-A947-70E740481C1C}">
+                <a14:useLocalDpi xmlns:a14="http://schemas.microsoft.com/office/drawing/2010/main" val="0"/>
+              </a:ext>
+            </a:extLst>
+          </a:blip>
+          <a:srcRect/>
+          <a:stretch>
+            <a:fillRect/>
+          </a:stretch>
+        </p:blipFill>
+        <p:spPr bwMode="auto">
+          <a:xfrm>
+            <a:off x="519076" y="2557153"/>
+            <a:ext cx="1145605" cy="1145605"/>
+          </a:xfrm>
+          <a:prstGeom prst="rect">
+            <a:avLst/>
+          </a:prstGeom>
+          <a:noFill/>
+          <a:extLst>
+            <a:ext uri="{909E8E84-426E-40DD-AFC4-6F175D3DCCD1}">
+              <a14:hiddenFill xmlns:a14="http://schemas.microsoft.com/office/drawing/2010/main">
+                <a:solidFill>
+                  <a:srgbClr val="FFFFFF"/>
+                </a:solidFill>
+              </a14:hiddenFill>
+            </a:ext>
+          </a:extLst>
+        </p:spPr>
+      </p:pic>
+      <p:pic>
+        <p:nvPicPr>
+          <p:cNvPr id="10" name="Picture 2" descr="Speech Recognition in Outlook">
+            <a:extLst>
+              <a:ext uri="{FF2B5EF4-FFF2-40B4-BE49-F238E27FC236}">
+                <a16:creationId xmlns:a16="http://schemas.microsoft.com/office/drawing/2014/main" id="{C41D1A58-740B-473D-86DE-A45EB2EC714D}"/>
+              </a:ext>
+            </a:extLst>
+          </p:cNvPr>
+          <p:cNvPicPr>
+            <a:picLocks noChangeAspect="1" noChangeArrowheads="1"/>
+          </p:cNvPicPr>
+          <p:nvPr/>
+        </p:nvPicPr>
+        <p:blipFill>
+          <a:blip r:embed="rId3" cstate="print">
+            <a:extLst>
+              <a:ext uri="{28A0092B-C50C-407E-A947-70E740481C1C}">
+                <a14:useLocalDpi xmlns:a14="http://schemas.microsoft.com/office/drawing/2010/main" val="0"/>
+              </a:ext>
+            </a:extLst>
+          </a:blip>
+          <a:srcRect/>
+          <a:stretch>
+            <a:fillRect/>
+          </a:stretch>
+        </p:blipFill>
+        <p:spPr bwMode="auto">
+          <a:xfrm>
+            <a:off x="2993224" y="2563676"/>
+            <a:ext cx="2312276" cy="1156138"/>
+          </a:xfrm>
+          <a:prstGeom prst="rect">
+            <a:avLst/>
+          </a:prstGeom>
+          <a:noFill/>
+          <a:extLst>
+            <a:ext uri="{909E8E84-426E-40DD-AFC4-6F175D3DCCD1}">
+              <a14:hiddenFill xmlns:a14="http://schemas.microsoft.com/office/drawing/2010/main">
+                <a:solidFill>
+                  <a:srgbClr val="FFFFFF"/>
+                </a:solidFill>
+              </a14:hiddenFill>
+            </a:ext>
+          </a:extLst>
+        </p:spPr>
+      </p:pic>
+      <p:pic>
+        <p:nvPicPr>
+          <p:cNvPr id="1028" name="Picture 4" descr="Dynamic Cogs Stock Illustration - Download Image Now - iStock">
+            <a:extLst>
+              <a:ext uri="{FF2B5EF4-FFF2-40B4-BE49-F238E27FC236}">
+                <a16:creationId xmlns:a16="http://schemas.microsoft.com/office/drawing/2014/main" id="{3543A4D0-1B2B-4A06-A0C3-D1DA7D973B1B}"/>
+              </a:ext>
+            </a:extLst>
+          </p:cNvPr>
+          <p:cNvPicPr>
+            <a:picLocks noChangeAspect="1" noChangeArrowheads="1"/>
+          </p:cNvPicPr>
+          <p:nvPr/>
+        </p:nvPicPr>
+        <p:blipFill>
+          <a:blip r:embed="rId4" cstate="print">
+            <a:extLst>
+              <a:ext uri="{28A0092B-C50C-407E-A947-70E740481C1C}">
+                <a14:useLocalDpi xmlns:a14="http://schemas.microsoft.com/office/drawing/2010/main" val="0"/>
+              </a:ext>
+            </a:extLst>
+          </a:blip>
+          <a:srcRect/>
+          <a:stretch>
+            <a:fillRect/>
+          </a:stretch>
+        </p:blipFill>
+        <p:spPr bwMode="auto">
+          <a:xfrm>
+            <a:off x="10175386" y="2479886"/>
+            <a:ext cx="1560852" cy="1300138"/>
+          </a:xfrm>
+          <a:prstGeom prst="rect">
+            <a:avLst/>
+          </a:prstGeom>
+          <a:noFill/>
+          <a:extLst>
+            <a:ext uri="{909E8E84-426E-40DD-AFC4-6F175D3DCCD1}">
+              <a14:hiddenFill xmlns:a14="http://schemas.microsoft.com/office/drawing/2010/main">
+                <a:solidFill>
+                  <a:srgbClr val="FFFFFF"/>
+                </a:solidFill>
+              </a14:hiddenFill>
+            </a:ext>
+          </a:extLst>
+        </p:spPr>
+      </p:pic>
       <p:sp>
         <p:nvSpPr>
-          <p:cNvPr id="3" name="Text Placeholder 2"/>
-          <p:cNvSpPr>
-            <a:spLocks noGrp="1"/>
-          </p:cNvSpPr>
-          <p:nvPr>
-            <p:ph type="body" sz="quarter" idx="12"/>
-          </p:nvPr>
+          <p:cNvPr id="11" name="Textfeld 10">
+            <a:extLst>
+              <a:ext uri="{FF2B5EF4-FFF2-40B4-BE49-F238E27FC236}">
+                <a16:creationId xmlns:a16="http://schemas.microsoft.com/office/drawing/2014/main" id="{7914218A-0BF3-491F-A9E3-AAE5B39BADE3}"/>
+              </a:ext>
+            </a:extLst>
+          </p:cNvPr>
+          <p:cNvSpPr txBox="1"/>
+          <p:nvPr/>
         </p:nvSpPr>
         <p:spPr>
           <a:xfrm>
-            <a:off x="841003" y="1386000"/>
-            <a:ext cx="10866196" cy="5068130"/>
+            <a:off x="2744423" y="4021041"/>
+            <a:ext cx="2592288" cy="615553"/>
           </a:xfrm>
+          <a:prstGeom prst="rect">
+            <a:avLst/>
+          </a:prstGeom>
+          <a:noFill/>
         </p:spPr>
         <p:txBody>
-          <a:bodyPr/>
+          <a:bodyPr wrap="square" lIns="0" tIns="0" rIns="0" bIns="0" rtlCol="0">
+            <a:spAutoFit/>
+          </a:bodyPr>
           <a:lstStyle/>
           <a:p>
-            <a:pPr marL="0" indent="0" algn="ctr">
-              <a:lnSpc>
-                <a:spcPct val="150000"/>
-              </a:lnSpc>
-              <a:spcBef>
-                <a:spcPct val="20000"/>
-              </a:spcBef>
-              <a:buNone/>
-            </a:pPr>
-            <a:r>
-              <a:rPr lang="en-US" sz="2800" u="sng" dirty="0">
+            <a:pPr algn="ctr"/>
+            <a:r>
+              <a:rPr lang="de-DE" sz="2000" dirty="0" err="1">
                 <a:latin typeface="Quicksand" pitchFamily="2" charset="0"/>
+                <a:cs typeface="Arial" pitchFamily="34" charset="0"/>
               </a:rPr>
-              <a:t>Ethical viewpoint</a:t>
-            </a:r>
-          </a:p>
-          <a:p>
-            <a:pPr marL="0" indent="0">
-              <a:lnSpc>
-                <a:spcPct val="150000"/>
-              </a:lnSpc>
-              <a:spcBef>
-                <a:spcPct val="20000"/>
-              </a:spcBef>
-              <a:buNone/>
-            </a:pPr>
-            <a:endParaRPr lang="en-US" sz="2200" dirty="0">
+              <a:t>Automatic</a:t>
+            </a:r>
+            <a:r>
+              <a:rPr lang="de-DE" sz="2000" dirty="0">
+                <a:latin typeface="Quicksand" pitchFamily="2" charset="0"/>
+                <a:cs typeface="Arial" pitchFamily="34" charset="0"/>
+              </a:rPr>
+              <a:t> </a:t>
+            </a:r>
+            <a:r>
+              <a:rPr lang="de-DE" sz="2000" dirty="0" err="1">
+                <a:latin typeface="Quicksand" pitchFamily="2" charset="0"/>
+                <a:cs typeface="Arial" pitchFamily="34" charset="0"/>
+              </a:rPr>
+              <a:t>speech</a:t>
+            </a:r>
+            <a:r>
+              <a:rPr lang="de-DE" sz="2000" dirty="0">
+                <a:latin typeface="Quicksand" pitchFamily="2" charset="0"/>
+                <a:cs typeface="Arial" pitchFamily="34" charset="0"/>
+              </a:rPr>
+              <a:t> </a:t>
+            </a:r>
+            <a:r>
+              <a:rPr lang="de-DE" sz="2000" dirty="0" err="1">
+                <a:latin typeface="Quicksand" pitchFamily="2" charset="0"/>
+                <a:cs typeface="Arial" pitchFamily="34" charset="0"/>
+              </a:rPr>
+              <a:t>recognition</a:t>
+            </a:r>
+            <a:r>
+              <a:rPr lang="de-DE" sz="2000" dirty="0">
+                <a:latin typeface="Quicksand" pitchFamily="2" charset="0"/>
+                <a:cs typeface="Arial" pitchFamily="34" charset="0"/>
+              </a:rPr>
+              <a:t> </a:t>
+            </a:r>
+            <a:r>
+              <a:rPr lang="de-DE" sz="2000" dirty="0" err="1">
+                <a:latin typeface="Quicksand" pitchFamily="2" charset="0"/>
+                <a:cs typeface="Arial" pitchFamily="34" charset="0"/>
+              </a:rPr>
+              <a:t>system</a:t>
+            </a:r>
+            <a:endParaRPr lang="en-US" sz="2000" dirty="0">
               <a:latin typeface="Quicksand" pitchFamily="2" charset="0"/>
-            </a:endParaRPr>
-          </a:p>
-          <a:p>
-            <a:pPr marL="0" indent="0">
-              <a:lnSpc>
-                <a:spcPct val="150000"/>
-              </a:lnSpc>
-              <a:spcBef>
-                <a:spcPct val="20000"/>
-              </a:spcBef>
-              <a:buNone/>
-            </a:pPr>
-            <a:r>
-              <a:rPr lang="en-US" sz="2200" dirty="0">
-                <a:latin typeface="Quicksand" pitchFamily="2" charset="0"/>
-              </a:rPr>
-              <a:t>8. Would you trust this assistant. Why?. What are the measures that needs to be taken to gain the trust in the community?</a:t>
-            </a:r>
-          </a:p>
-          <a:p>
-            <a:pPr marL="0" indent="0">
-              <a:lnSpc>
-                <a:spcPct val="150000"/>
-              </a:lnSpc>
-              <a:spcBef>
-                <a:spcPct val="20000"/>
-              </a:spcBef>
-              <a:buNone/>
-            </a:pPr>
-            <a:r>
-              <a:rPr lang="en-US" sz="2200" dirty="0">
-                <a:latin typeface="Quicksand" pitchFamily="2" charset="0"/>
-              </a:rPr>
-              <a:t>9. Would you be comfortable to share your data to train the model given that the data will not be shared with anyone?. This would help the bot to learn from multiple users and provides better performance.</a:t>
-            </a:r>
-            <a:endParaRPr lang="de-DE" sz="2200" dirty="0">
-              <a:latin typeface="Quicksand" pitchFamily="2" charset="0"/>
+              <a:cs typeface="Arial" pitchFamily="34" charset="0"/>
             </a:endParaRPr>
           </a:p>
         </p:txBody>
       </p:sp>
+      <p:sp>
+        <p:nvSpPr>
+          <p:cNvPr id="14" name="Textfeld 13">
+            <a:extLst>
+              <a:ext uri="{FF2B5EF4-FFF2-40B4-BE49-F238E27FC236}">
+                <a16:creationId xmlns:a16="http://schemas.microsoft.com/office/drawing/2014/main" id="{9ABC8412-1BBA-476D-8679-0F7088A2A67E}"/>
+              </a:ext>
+            </a:extLst>
+          </p:cNvPr>
+          <p:cNvSpPr txBox="1"/>
+          <p:nvPr/>
+        </p:nvSpPr>
+        <p:spPr>
+          <a:xfrm>
+            <a:off x="6292854" y="4054252"/>
+            <a:ext cx="2882867" cy="615553"/>
+          </a:xfrm>
+          <a:prstGeom prst="rect">
+            <a:avLst/>
+          </a:prstGeom>
+          <a:noFill/>
+        </p:spPr>
+        <p:txBody>
+          <a:bodyPr wrap="square" lIns="0" tIns="0" rIns="0" bIns="0" rtlCol="0">
+            <a:spAutoFit/>
+          </a:bodyPr>
+          <a:lstStyle/>
+          <a:p>
+            <a:pPr algn="ctr"/>
+            <a:r>
+              <a:rPr lang="de-DE" sz="2000" dirty="0">
+                <a:latin typeface="Quicksand" pitchFamily="2" charset="0"/>
+                <a:cs typeface="Arial" pitchFamily="34" charset="0"/>
+              </a:rPr>
+              <a:t>Natural </a:t>
+            </a:r>
+            <a:r>
+              <a:rPr lang="de-DE" sz="2000" dirty="0" err="1">
+                <a:latin typeface="Quicksand" pitchFamily="2" charset="0"/>
+                <a:cs typeface="Arial" pitchFamily="34" charset="0"/>
+              </a:rPr>
+              <a:t>language</a:t>
+            </a:r>
+            <a:r>
+              <a:rPr lang="de-DE" sz="2000" dirty="0">
+                <a:latin typeface="Quicksand" pitchFamily="2" charset="0"/>
+                <a:cs typeface="Arial" pitchFamily="34" charset="0"/>
+              </a:rPr>
+              <a:t> </a:t>
+            </a:r>
+            <a:r>
+              <a:rPr lang="de-DE" sz="2000" dirty="0" err="1">
+                <a:latin typeface="Quicksand" pitchFamily="2" charset="0"/>
+                <a:cs typeface="Arial" pitchFamily="34" charset="0"/>
+              </a:rPr>
+              <a:t>understanding</a:t>
+            </a:r>
+            <a:r>
+              <a:rPr lang="de-DE" sz="2000" dirty="0">
+                <a:latin typeface="Quicksand" pitchFamily="2" charset="0"/>
+                <a:cs typeface="Arial" pitchFamily="34" charset="0"/>
+              </a:rPr>
+              <a:t> </a:t>
+            </a:r>
+            <a:r>
+              <a:rPr lang="de-DE" sz="2000" dirty="0" err="1">
+                <a:latin typeface="Quicksand" pitchFamily="2" charset="0"/>
+                <a:cs typeface="Arial" pitchFamily="34" charset="0"/>
+              </a:rPr>
+              <a:t>module</a:t>
+            </a:r>
+            <a:endParaRPr lang="en-US" sz="2000" dirty="0">
+              <a:latin typeface="Quicksand" pitchFamily="2" charset="0"/>
+              <a:cs typeface="Arial" pitchFamily="34" charset="0"/>
+            </a:endParaRPr>
+          </a:p>
+        </p:txBody>
+      </p:sp>
+      <p:sp>
+        <p:nvSpPr>
+          <p:cNvPr id="15" name="Textfeld 14">
+            <a:extLst>
+              <a:ext uri="{FF2B5EF4-FFF2-40B4-BE49-F238E27FC236}">
+                <a16:creationId xmlns:a16="http://schemas.microsoft.com/office/drawing/2014/main" id="{C9E578EE-8F79-4432-A9C1-F8FEA12A5B41}"/>
+              </a:ext>
+            </a:extLst>
+          </p:cNvPr>
+          <p:cNvSpPr txBox="1"/>
+          <p:nvPr/>
+        </p:nvSpPr>
+        <p:spPr>
+          <a:xfrm>
+            <a:off x="9501031" y="3916775"/>
+            <a:ext cx="2592288" cy="615553"/>
+          </a:xfrm>
+          <a:prstGeom prst="rect">
+            <a:avLst/>
+          </a:prstGeom>
+          <a:noFill/>
+        </p:spPr>
+        <p:txBody>
+          <a:bodyPr wrap="square" lIns="0" tIns="0" rIns="0" bIns="0" rtlCol="0">
+            <a:spAutoFit/>
+          </a:bodyPr>
+          <a:lstStyle/>
+          <a:p>
+            <a:pPr algn="ctr"/>
+            <a:r>
+              <a:rPr lang="de-DE" sz="2000" dirty="0" err="1">
+                <a:latin typeface="Quicksand" pitchFamily="2" charset="0"/>
+                <a:cs typeface="Arial" pitchFamily="34" charset="0"/>
+              </a:rPr>
+              <a:t>Executable</a:t>
+            </a:r>
+            <a:r>
+              <a:rPr lang="de-DE" sz="2000" dirty="0">
+                <a:latin typeface="Quicksand" pitchFamily="2" charset="0"/>
+                <a:cs typeface="Arial" pitchFamily="34" charset="0"/>
+              </a:rPr>
+              <a:t> </a:t>
+            </a:r>
+            <a:br>
+              <a:rPr lang="de-DE" sz="2000" dirty="0">
+                <a:latin typeface="Quicksand" pitchFamily="2" charset="0"/>
+                <a:cs typeface="Arial" pitchFamily="34" charset="0"/>
+              </a:rPr>
+            </a:br>
+            <a:r>
+              <a:rPr lang="de-DE" sz="2000" dirty="0" err="1">
+                <a:latin typeface="Quicksand" pitchFamily="2" charset="0"/>
+                <a:cs typeface="Arial" pitchFamily="34" charset="0"/>
+              </a:rPr>
+              <a:t>actions</a:t>
+            </a:r>
+            <a:endParaRPr lang="en-US" sz="2000" dirty="0">
+              <a:latin typeface="Quicksand" pitchFamily="2" charset="0"/>
+              <a:cs typeface="Arial" pitchFamily="34" charset="0"/>
+            </a:endParaRPr>
+          </a:p>
+        </p:txBody>
+      </p:sp>
+      <p:cxnSp>
+        <p:nvCxnSpPr>
+          <p:cNvPr id="13" name="Gerade Verbindung mit Pfeil 12">
+            <a:extLst>
+              <a:ext uri="{FF2B5EF4-FFF2-40B4-BE49-F238E27FC236}">
+                <a16:creationId xmlns:a16="http://schemas.microsoft.com/office/drawing/2014/main" id="{9B7A653F-E55D-4148-A5CB-7C15872438E4}"/>
+              </a:ext>
+            </a:extLst>
+          </p:cNvPr>
+          <p:cNvCxnSpPr>
+            <a:stCxn id="6" idx="3"/>
+          </p:cNvCxnSpPr>
+          <p:nvPr/>
+        </p:nvCxnSpPr>
+        <p:spPr>
+          <a:xfrm>
+            <a:off x="1664681" y="3129956"/>
+            <a:ext cx="1079742" cy="11789"/>
+          </a:xfrm>
+          <a:prstGeom prst="straightConnector1">
+            <a:avLst/>
+          </a:prstGeom>
+          <a:ln>
+            <a:solidFill>
+              <a:schemeClr val="tx1"/>
+            </a:solidFill>
+            <a:tailEnd type="triangle"/>
+          </a:ln>
+        </p:spPr>
+        <p:style>
+          <a:lnRef idx="1">
+            <a:schemeClr val="accent1"/>
+          </a:lnRef>
+          <a:fillRef idx="0">
+            <a:schemeClr val="accent1"/>
+          </a:fillRef>
+          <a:effectRef idx="0">
+            <a:schemeClr val="accent1"/>
+          </a:effectRef>
+          <a:fontRef idx="minor">
+            <a:schemeClr val="tx1"/>
+          </a:fontRef>
+        </p:style>
+      </p:cxnSp>
+      <p:cxnSp>
+        <p:nvCxnSpPr>
+          <p:cNvPr id="18" name="Gerade Verbindung mit Pfeil 17">
+            <a:extLst>
+              <a:ext uri="{FF2B5EF4-FFF2-40B4-BE49-F238E27FC236}">
+                <a16:creationId xmlns:a16="http://schemas.microsoft.com/office/drawing/2014/main" id="{F213C272-CE1A-420B-AE35-1BAA936B36EA}"/>
+              </a:ext>
+            </a:extLst>
+          </p:cNvPr>
+          <p:cNvCxnSpPr/>
+          <p:nvPr/>
+        </p:nvCxnSpPr>
+        <p:spPr>
+          <a:xfrm>
+            <a:off x="5556728" y="3135850"/>
+            <a:ext cx="1079742" cy="11789"/>
+          </a:xfrm>
+          <a:prstGeom prst="straightConnector1">
+            <a:avLst/>
+          </a:prstGeom>
+          <a:ln>
+            <a:solidFill>
+              <a:schemeClr val="tx1"/>
+            </a:solidFill>
+            <a:tailEnd type="triangle"/>
+          </a:ln>
+        </p:spPr>
+        <p:style>
+          <a:lnRef idx="1">
+            <a:schemeClr val="accent1"/>
+          </a:lnRef>
+          <a:fillRef idx="0">
+            <a:schemeClr val="accent1"/>
+          </a:fillRef>
+          <a:effectRef idx="0">
+            <a:schemeClr val="accent1"/>
+          </a:effectRef>
+          <a:fontRef idx="minor">
+            <a:schemeClr val="tx1"/>
+          </a:fontRef>
+        </p:style>
+      </p:cxnSp>
+      <p:cxnSp>
+        <p:nvCxnSpPr>
+          <p:cNvPr id="19" name="Gerade Verbindung mit Pfeil 18">
+            <a:extLst>
+              <a:ext uri="{FF2B5EF4-FFF2-40B4-BE49-F238E27FC236}">
+                <a16:creationId xmlns:a16="http://schemas.microsoft.com/office/drawing/2014/main" id="{1A7BE3AE-5C1D-4EB5-8B5C-2D841F055629}"/>
+              </a:ext>
+            </a:extLst>
+          </p:cNvPr>
+          <p:cNvCxnSpPr/>
+          <p:nvPr/>
+        </p:nvCxnSpPr>
+        <p:spPr>
+          <a:xfrm>
+            <a:off x="8421289" y="3135850"/>
+            <a:ext cx="1079742" cy="11789"/>
+          </a:xfrm>
+          <a:prstGeom prst="straightConnector1">
+            <a:avLst/>
+          </a:prstGeom>
+          <a:ln>
+            <a:solidFill>
+              <a:schemeClr val="tx1"/>
+            </a:solidFill>
+            <a:tailEnd type="triangle"/>
+          </a:ln>
+        </p:spPr>
+        <p:style>
+          <a:lnRef idx="1">
+            <a:schemeClr val="accent1"/>
+          </a:lnRef>
+          <a:fillRef idx="0">
+            <a:schemeClr val="accent1"/>
+          </a:fillRef>
+          <a:effectRef idx="0">
+            <a:schemeClr val="accent1"/>
+          </a:effectRef>
+          <a:fontRef idx="minor">
+            <a:schemeClr val="tx1"/>
+          </a:fontRef>
+        </p:style>
+      </p:cxnSp>
+      <p:sp>
+        <p:nvSpPr>
+          <p:cNvPr id="20" name="Textfeld 19">
+            <a:extLst>
+              <a:ext uri="{FF2B5EF4-FFF2-40B4-BE49-F238E27FC236}">
+                <a16:creationId xmlns:a16="http://schemas.microsoft.com/office/drawing/2014/main" id="{07A79A15-5978-4F8F-8965-602CCF316DB2}"/>
+              </a:ext>
+            </a:extLst>
+          </p:cNvPr>
+          <p:cNvSpPr txBox="1"/>
+          <p:nvPr/>
+        </p:nvSpPr>
+        <p:spPr>
+          <a:xfrm>
+            <a:off x="1500672" y="2363789"/>
+            <a:ext cx="1368152" cy="615553"/>
+          </a:xfrm>
+          <a:prstGeom prst="rect">
+            <a:avLst/>
+          </a:prstGeom>
+          <a:noFill/>
+        </p:spPr>
+        <p:txBody>
+          <a:bodyPr wrap="square" lIns="0" tIns="0" rIns="0" bIns="0" rtlCol="0">
+            <a:spAutoFit/>
+          </a:bodyPr>
+          <a:lstStyle/>
+          <a:p>
+            <a:pPr algn="ctr"/>
+            <a:r>
+              <a:rPr lang="de-DE" sz="2000" dirty="0">
+                <a:latin typeface="Quicksand" pitchFamily="2" charset="0"/>
+                <a:cs typeface="Arial" pitchFamily="34" charset="0"/>
+              </a:rPr>
+              <a:t>Speech </a:t>
+            </a:r>
+            <a:r>
+              <a:rPr lang="de-DE" sz="2000" dirty="0" err="1">
+                <a:latin typeface="Quicksand" pitchFamily="2" charset="0"/>
+                <a:cs typeface="Arial" pitchFamily="34" charset="0"/>
+              </a:rPr>
+              <a:t>command</a:t>
+            </a:r>
+            <a:endParaRPr lang="en-US" sz="2000" dirty="0">
+              <a:latin typeface="Quicksand" pitchFamily="2" charset="0"/>
+              <a:cs typeface="Arial" pitchFamily="34" charset="0"/>
+            </a:endParaRPr>
+          </a:p>
+        </p:txBody>
+      </p:sp>
+      <p:sp>
+        <p:nvSpPr>
+          <p:cNvPr id="21" name="Textfeld 20">
+            <a:extLst>
+              <a:ext uri="{FF2B5EF4-FFF2-40B4-BE49-F238E27FC236}">
+                <a16:creationId xmlns:a16="http://schemas.microsoft.com/office/drawing/2014/main" id="{9E2501A6-9EBB-458C-99A4-F3CAA67333DB}"/>
+              </a:ext>
+            </a:extLst>
+          </p:cNvPr>
+          <p:cNvSpPr txBox="1"/>
+          <p:nvPr/>
+        </p:nvSpPr>
+        <p:spPr>
+          <a:xfrm>
+            <a:off x="5398265" y="2363789"/>
+            <a:ext cx="1368152" cy="615553"/>
+          </a:xfrm>
+          <a:prstGeom prst="rect">
+            <a:avLst/>
+          </a:prstGeom>
+          <a:noFill/>
+        </p:spPr>
+        <p:txBody>
+          <a:bodyPr wrap="square" lIns="0" tIns="0" rIns="0" bIns="0" rtlCol="0">
+            <a:spAutoFit/>
+          </a:bodyPr>
+          <a:lstStyle/>
+          <a:p>
+            <a:pPr algn="ctr"/>
+            <a:r>
+              <a:rPr lang="de-DE" sz="2000" dirty="0">
+                <a:latin typeface="Quicksand" pitchFamily="2" charset="0"/>
+                <a:cs typeface="Arial" pitchFamily="34" charset="0"/>
+              </a:rPr>
+              <a:t>Text </a:t>
+            </a:r>
+            <a:r>
+              <a:rPr lang="de-DE" sz="2000" dirty="0" err="1">
+                <a:latin typeface="Quicksand" pitchFamily="2" charset="0"/>
+                <a:cs typeface="Arial" pitchFamily="34" charset="0"/>
+              </a:rPr>
+              <a:t>transcript</a:t>
+            </a:r>
+            <a:endParaRPr lang="en-US" sz="2000" dirty="0">
+              <a:latin typeface="Quicksand" pitchFamily="2" charset="0"/>
+              <a:cs typeface="Arial" pitchFamily="34" charset="0"/>
+            </a:endParaRPr>
+          </a:p>
+        </p:txBody>
+      </p:sp>
+      <p:sp>
+        <p:nvSpPr>
+          <p:cNvPr id="22" name="Textfeld 21">
+            <a:extLst>
+              <a:ext uri="{FF2B5EF4-FFF2-40B4-BE49-F238E27FC236}">
+                <a16:creationId xmlns:a16="http://schemas.microsoft.com/office/drawing/2014/main" id="{E75BCF74-578A-4D46-B5E3-630BD07A28F6}"/>
+              </a:ext>
+            </a:extLst>
+          </p:cNvPr>
+          <p:cNvSpPr txBox="1"/>
+          <p:nvPr/>
+        </p:nvSpPr>
+        <p:spPr>
+          <a:xfrm>
+            <a:off x="8311150" y="2363789"/>
+            <a:ext cx="1368152" cy="615553"/>
+          </a:xfrm>
+          <a:prstGeom prst="rect">
+            <a:avLst/>
+          </a:prstGeom>
+          <a:noFill/>
+        </p:spPr>
+        <p:txBody>
+          <a:bodyPr wrap="square" lIns="0" tIns="0" rIns="0" bIns="0" rtlCol="0">
+            <a:spAutoFit/>
+          </a:bodyPr>
+          <a:lstStyle/>
+          <a:p>
+            <a:pPr algn="ctr"/>
+            <a:r>
+              <a:rPr lang="de-DE" sz="2000" dirty="0">
+                <a:latin typeface="Quicksand" pitchFamily="2" charset="0"/>
+                <a:cs typeface="Arial" pitchFamily="34" charset="0"/>
+              </a:rPr>
+              <a:t>Action </a:t>
+            </a:r>
+            <a:r>
+              <a:rPr lang="de-DE" sz="2000" dirty="0" err="1">
+                <a:latin typeface="Quicksand" pitchFamily="2" charset="0"/>
+                <a:cs typeface="Arial" pitchFamily="34" charset="0"/>
+              </a:rPr>
+              <a:t>commands</a:t>
+            </a:r>
+            <a:endParaRPr lang="en-US" sz="2000" dirty="0">
+              <a:latin typeface="Quicksand" pitchFamily="2" charset="0"/>
+              <a:cs typeface="Arial" pitchFamily="34" charset="0"/>
+            </a:endParaRPr>
+          </a:p>
+        </p:txBody>
+      </p:sp>
+      <p:pic>
+        <p:nvPicPr>
+          <p:cNvPr id="1030" name="Picture 6" descr="Interactive Powers - Smart IVR Platforms (VoiceXML)">
+            <a:extLst>
+              <a:ext uri="{FF2B5EF4-FFF2-40B4-BE49-F238E27FC236}">
+                <a16:creationId xmlns:a16="http://schemas.microsoft.com/office/drawing/2014/main" id="{A602C5F6-192D-4EE9-A92C-5B8871275941}"/>
+              </a:ext>
+            </a:extLst>
+          </p:cNvPr>
+          <p:cNvPicPr>
+            <a:picLocks noChangeAspect="1" noChangeArrowheads="1"/>
+          </p:cNvPicPr>
+          <p:nvPr/>
+        </p:nvPicPr>
+        <p:blipFill>
+          <a:blip r:embed="rId5">
+            <a:extLst>
+              <a:ext uri="{28A0092B-C50C-407E-A947-70E740481C1C}">
+                <a14:useLocalDpi xmlns:a14="http://schemas.microsoft.com/office/drawing/2010/main" val="0"/>
+              </a:ext>
+            </a:extLst>
+          </a:blip>
+          <a:srcRect/>
+          <a:stretch>
+            <a:fillRect/>
+          </a:stretch>
+        </p:blipFill>
+        <p:spPr bwMode="auto">
+          <a:xfrm>
+            <a:off x="6761982" y="2394138"/>
+            <a:ext cx="1553603" cy="1553603"/>
+          </a:xfrm>
+          <a:prstGeom prst="rect">
+            <a:avLst/>
+          </a:prstGeom>
+          <a:noFill/>
+          <a:extLst>
+            <a:ext uri="{909E8E84-426E-40DD-AFC4-6F175D3DCCD1}">
+              <a14:hiddenFill xmlns:a14="http://schemas.microsoft.com/office/drawing/2010/main">
+                <a:solidFill>
+                  <a:srgbClr val="FFFFFF"/>
+                </a:solidFill>
+              </a14:hiddenFill>
+            </a:ext>
+          </a:extLst>
+        </p:spPr>
+      </p:pic>
     </p:spTree>
     <p:extLst>
       <p:ext uri="{BB962C8B-B14F-4D97-AF65-F5344CB8AC3E}">
-        <p14:creationId xmlns:p14="http://schemas.microsoft.com/office/powerpoint/2010/main" val="3653229944"/>
+        <p14:creationId xmlns:p14="http://schemas.microsoft.com/office/powerpoint/2010/main" val="3853508653"/>
       </p:ext>
     </p:extLst>
   </p:cSld>
   <p:clrMapOvr>
     <a:masterClrMapping/>
   </p:clrMapOvr>
+  <p:timing>
+    <p:tnLst>
+      <p:par>
+        <p:cTn id="1" dur="indefinite" restart="never" nodeType="tmRoot">
+          <p:childTnLst>
+            <p:seq concurrent="1" nextAc="seek">
+              <p:cTn id="2" dur="indefinite" nodeType="mainSeq">
+                <p:childTnLst>
+                  <p:par>
+                    <p:cTn id="3" fill="hold">
+                      <p:stCondLst>
+                        <p:cond delay="indefinite"/>
+                      </p:stCondLst>
+                      <p:childTnLst>
+                        <p:par>
+                          <p:cTn id="4" fill="hold">
+                            <p:stCondLst>
+                              <p:cond delay="0"/>
+                            </p:stCondLst>
+                            <p:childTnLst>
+                              <p:par>
+                                <p:cTn id="5" presetID="10" presetClass="entr" presetSubtype="0" fill="hold" nodeType="clickEffect">
+                                  <p:stCondLst>
+                                    <p:cond delay="0"/>
+                                  </p:stCondLst>
+                                  <p:childTnLst>
+                                    <p:set>
+                                      <p:cBhvr>
+                                        <p:cTn id="6" dur="1" fill="hold">
+                                          <p:stCondLst>
+                                            <p:cond delay="0"/>
+                                          </p:stCondLst>
+                                        </p:cTn>
+                                        <p:tgtEl>
+                                          <p:spTgt spid="6"/>
+                                        </p:tgtEl>
+                                        <p:attrNameLst>
+                                          <p:attrName>style.visibility</p:attrName>
+                                        </p:attrNameLst>
+                                      </p:cBhvr>
+                                      <p:to>
+                                        <p:strVal val="visible"/>
+                                      </p:to>
+                                    </p:set>
+                                    <p:animEffect transition="in" filter="fade">
+                                      <p:cBhvr>
+                                        <p:cTn id="7" dur="500"/>
+                                        <p:tgtEl>
+                                          <p:spTgt spid="6"/>
+                                        </p:tgtEl>
+                                      </p:cBhvr>
+                                    </p:animEffect>
+                                  </p:childTnLst>
+                                </p:cTn>
+                              </p:par>
+                            </p:childTnLst>
+                          </p:cTn>
+                        </p:par>
+                      </p:childTnLst>
+                    </p:cTn>
+                  </p:par>
+                  <p:par>
+                    <p:cTn id="8" fill="hold">
+                      <p:stCondLst>
+                        <p:cond delay="indefinite"/>
+                      </p:stCondLst>
+                      <p:childTnLst>
+                        <p:par>
+                          <p:cTn id="9" fill="hold">
+                            <p:stCondLst>
+                              <p:cond delay="0"/>
+                            </p:stCondLst>
+                            <p:childTnLst>
+                              <p:par>
+                                <p:cTn id="10" presetID="10" presetClass="entr" presetSubtype="0" fill="hold" grpId="0" nodeType="clickEffect">
+                                  <p:stCondLst>
+                                    <p:cond delay="0"/>
+                                  </p:stCondLst>
+                                  <p:childTnLst>
+                                    <p:set>
+                                      <p:cBhvr>
+                                        <p:cTn id="11" dur="1" fill="hold">
+                                          <p:stCondLst>
+                                            <p:cond delay="0"/>
+                                          </p:stCondLst>
+                                        </p:cTn>
+                                        <p:tgtEl>
+                                          <p:spTgt spid="20"/>
+                                        </p:tgtEl>
+                                        <p:attrNameLst>
+                                          <p:attrName>style.visibility</p:attrName>
+                                        </p:attrNameLst>
+                                      </p:cBhvr>
+                                      <p:to>
+                                        <p:strVal val="visible"/>
+                                      </p:to>
+                                    </p:set>
+                                    <p:animEffect transition="in" filter="fade">
+                                      <p:cBhvr>
+                                        <p:cTn id="12" dur="500"/>
+                                        <p:tgtEl>
+                                          <p:spTgt spid="20"/>
+                                        </p:tgtEl>
+                                      </p:cBhvr>
+                                    </p:animEffect>
+                                  </p:childTnLst>
+                                </p:cTn>
+                              </p:par>
+                              <p:par>
+                                <p:cTn id="13" presetID="10" presetClass="entr" presetSubtype="0" fill="hold" nodeType="withEffect">
+                                  <p:stCondLst>
+                                    <p:cond delay="0"/>
+                                  </p:stCondLst>
+                                  <p:childTnLst>
+                                    <p:set>
+                                      <p:cBhvr>
+                                        <p:cTn id="14" dur="1" fill="hold">
+                                          <p:stCondLst>
+                                            <p:cond delay="0"/>
+                                          </p:stCondLst>
+                                        </p:cTn>
+                                        <p:tgtEl>
+                                          <p:spTgt spid="13"/>
+                                        </p:tgtEl>
+                                        <p:attrNameLst>
+                                          <p:attrName>style.visibility</p:attrName>
+                                        </p:attrNameLst>
+                                      </p:cBhvr>
+                                      <p:to>
+                                        <p:strVal val="visible"/>
+                                      </p:to>
+                                    </p:set>
+                                    <p:animEffect transition="in" filter="fade">
+                                      <p:cBhvr>
+                                        <p:cTn id="15" dur="500"/>
+                                        <p:tgtEl>
+                                          <p:spTgt spid="13"/>
+                                        </p:tgtEl>
+                                      </p:cBhvr>
+                                    </p:animEffect>
+                                  </p:childTnLst>
+                                </p:cTn>
+                              </p:par>
+                            </p:childTnLst>
+                          </p:cTn>
+                        </p:par>
+                      </p:childTnLst>
+                    </p:cTn>
+                  </p:par>
+                  <p:par>
+                    <p:cTn id="16" fill="hold">
+                      <p:stCondLst>
+                        <p:cond delay="indefinite"/>
+                      </p:stCondLst>
+                      <p:childTnLst>
+                        <p:par>
+                          <p:cTn id="17" fill="hold">
+                            <p:stCondLst>
+                              <p:cond delay="0"/>
+                            </p:stCondLst>
+                            <p:childTnLst>
+                              <p:par>
+                                <p:cTn id="18" presetID="10" presetClass="entr" presetSubtype="0" fill="hold" nodeType="clickEffect">
+                                  <p:stCondLst>
+                                    <p:cond delay="0"/>
+                                  </p:stCondLst>
+                                  <p:childTnLst>
+                                    <p:set>
+                                      <p:cBhvr>
+                                        <p:cTn id="19" dur="1" fill="hold">
+                                          <p:stCondLst>
+                                            <p:cond delay="0"/>
+                                          </p:stCondLst>
+                                        </p:cTn>
+                                        <p:tgtEl>
+                                          <p:spTgt spid="10"/>
+                                        </p:tgtEl>
+                                        <p:attrNameLst>
+                                          <p:attrName>style.visibility</p:attrName>
+                                        </p:attrNameLst>
+                                      </p:cBhvr>
+                                      <p:to>
+                                        <p:strVal val="visible"/>
+                                      </p:to>
+                                    </p:set>
+                                    <p:animEffect transition="in" filter="fade">
+                                      <p:cBhvr>
+                                        <p:cTn id="20" dur="500"/>
+                                        <p:tgtEl>
+                                          <p:spTgt spid="10"/>
+                                        </p:tgtEl>
+                                      </p:cBhvr>
+                                    </p:animEffect>
+                                  </p:childTnLst>
+                                </p:cTn>
+                              </p:par>
+                              <p:par>
+                                <p:cTn id="21" presetID="10" presetClass="entr" presetSubtype="0" fill="hold" grpId="0" nodeType="withEffect">
+                                  <p:stCondLst>
+                                    <p:cond delay="0"/>
+                                  </p:stCondLst>
+                                  <p:childTnLst>
+                                    <p:set>
+                                      <p:cBhvr>
+                                        <p:cTn id="22" dur="1" fill="hold">
+                                          <p:stCondLst>
+                                            <p:cond delay="0"/>
+                                          </p:stCondLst>
+                                        </p:cTn>
+                                        <p:tgtEl>
+                                          <p:spTgt spid="11"/>
+                                        </p:tgtEl>
+                                        <p:attrNameLst>
+                                          <p:attrName>style.visibility</p:attrName>
+                                        </p:attrNameLst>
+                                      </p:cBhvr>
+                                      <p:to>
+                                        <p:strVal val="visible"/>
+                                      </p:to>
+                                    </p:set>
+                                    <p:animEffect transition="in" filter="fade">
+                                      <p:cBhvr>
+                                        <p:cTn id="23" dur="500"/>
+                                        <p:tgtEl>
+                                          <p:spTgt spid="11"/>
+                                        </p:tgtEl>
+                                      </p:cBhvr>
+                                    </p:animEffect>
+                                  </p:childTnLst>
+                                </p:cTn>
+                              </p:par>
+                            </p:childTnLst>
+                          </p:cTn>
+                        </p:par>
+                      </p:childTnLst>
+                    </p:cTn>
+                  </p:par>
+                  <p:par>
+                    <p:cTn id="24" fill="hold">
+                      <p:stCondLst>
+                        <p:cond delay="indefinite"/>
+                      </p:stCondLst>
+                      <p:childTnLst>
+                        <p:par>
+                          <p:cTn id="25" fill="hold">
+                            <p:stCondLst>
+                              <p:cond delay="0"/>
+                            </p:stCondLst>
+                            <p:childTnLst>
+                              <p:par>
+                                <p:cTn id="26" presetID="10" presetClass="entr" presetSubtype="0" fill="hold" grpId="0" nodeType="clickEffect">
+                                  <p:stCondLst>
+                                    <p:cond delay="0"/>
+                                  </p:stCondLst>
+                                  <p:childTnLst>
+                                    <p:set>
+                                      <p:cBhvr>
+                                        <p:cTn id="27" dur="1" fill="hold">
+                                          <p:stCondLst>
+                                            <p:cond delay="0"/>
+                                          </p:stCondLst>
+                                        </p:cTn>
+                                        <p:tgtEl>
+                                          <p:spTgt spid="21"/>
+                                        </p:tgtEl>
+                                        <p:attrNameLst>
+                                          <p:attrName>style.visibility</p:attrName>
+                                        </p:attrNameLst>
+                                      </p:cBhvr>
+                                      <p:to>
+                                        <p:strVal val="visible"/>
+                                      </p:to>
+                                    </p:set>
+                                    <p:animEffect transition="in" filter="fade">
+                                      <p:cBhvr>
+                                        <p:cTn id="28" dur="500"/>
+                                        <p:tgtEl>
+                                          <p:spTgt spid="21"/>
+                                        </p:tgtEl>
+                                      </p:cBhvr>
+                                    </p:animEffect>
+                                  </p:childTnLst>
+                                </p:cTn>
+                              </p:par>
+                              <p:par>
+                                <p:cTn id="29" presetID="10" presetClass="entr" presetSubtype="0" fill="hold" nodeType="withEffect">
+                                  <p:stCondLst>
+                                    <p:cond delay="0"/>
+                                  </p:stCondLst>
+                                  <p:childTnLst>
+                                    <p:set>
+                                      <p:cBhvr>
+                                        <p:cTn id="30" dur="1" fill="hold">
+                                          <p:stCondLst>
+                                            <p:cond delay="0"/>
+                                          </p:stCondLst>
+                                        </p:cTn>
+                                        <p:tgtEl>
+                                          <p:spTgt spid="18"/>
+                                        </p:tgtEl>
+                                        <p:attrNameLst>
+                                          <p:attrName>style.visibility</p:attrName>
+                                        </p:attrNameLst>
+                                      </p:cBhvr>
+                                      <p:to>
+                                        <p:strVal val="visible"/>
+                                      </p:to>
+                                    </p:set>
+                                    <p:animEffect transition="in" filter="fade">
+                                      <p:cBhvr>
+                                        <p:cTn id="31" dur="500"/>
+                                        <p:tgtEl>
+                                          <p:spTgt spid="18"/>
+                                        </p:tgtEl>
+                                      </p:cBhvr>
+                                    </p:animEffect>
+                                  </p:childTnLst>
+                                </p:cTn>
+                              </p:par>
+                            </p:childTnLst>
+                          </p:cTn>
+                        </p:par>
+                      </p:childTnLst>
+                    </p:cTn>
+                  </p:par>
+                  <p:par>
+                    <p:cTn id="32" fill="hold">
+                      <p:stCondLst>
+                        <p:cond delay="indefinite"/>
+                      </p:stCondLst>
+                      <p:childTnLst>
+                        <p:par>
+                          <p:cTn id="33" fill="hold">
+                            <p:stCondLst>
+                              <p:cond delay="0"/>
+                            </p:stCondLst>
+                            <p:childTnLst>
+                              <p:par>
+                                <p:cTn id="34" presetID="10" presetClass="entr" presetSubtype="0" fill="hold" nodeType="clickEffect">
+                                  <p:stCondLst>
+                                    <p:cond delay="0"/>
+                                  </p:stCondLst>
+                                  <p:childTnLst>
+                                    <p:set>
+                                      <p:cBhvr>
+                                        <p:cTn id="35" dur="1" fill="hold">
+                                          <p:stCondLst>
+                                            <p:cond delay="0"/>
+                                          </p:stCondLst>
+                                        </p:cTn>
+                                        <p:tgtEl>
+                                          <p:spTgt spid="1030"/>
+                                        </p:tgtEl>
+                                        <p:attrNameLst>
+                                          <p:attrName>style.visibility</p:attrName>
+                                        </p:attrNameLst>
+                                      </p:cBhvr>
+                                      <p:to>
+                                        <p:strVal val="visible"/>
+                                      </p:to>
+                                    </p:set>
+                                    <p:animEffect transition="in" filter="fade">
+                                      <p:cBhvr>
+                                        <p:cTn id="36" dur="500"/>
+                                        <p:tgtEl>
+                                          <p:spTgt spid="1030"/>
+                                        </p:tgtEl>
+                                      </p:cBhvr>
+                                    </p:animEffect>
+                                  </p:childTnLst>
+                                </p:cTn>
+                              </p:par>
+                              <p:par>
+                                <p:cTn id="37" presetID="10" presetClass="entr" presetSubtype="0" fill="hold" grpId="0" nodeType="withEffect">
+                                  <p:stCondLst>
+                                    <p:cond delay="0"/>
+                                  </p:stCondLst>
+                                  <p:childTnLst>
+                                    <p:set>
+                                      <p:cBhvr>
+                                        <p:cTn id="38" dur="1" fill="hold">
+                                          <p:stCondLst>
+                                            <p:cond delay="0"/>
+                                          </p:stCondLst>
+                                        </p:cTn>
+                                        <p:tgtEl>
+                                          <p:spTgt spid="14"/>
+                                        </p:tgtEl>
+                                        <p:attrNameLst>
+                                          <p:attrName>style.visibility</p:attrName>
+                                        </p:attrNameLst>
+                                      </p:cBhvr>
+                                      <p:to>
+                                        <p:strVal val="visible"/>
+                                      </p:to>
+                                    </p:set>
+                                    <p:animEffect transition="in" filter="fade">
+                                      <p:cBhvr>
+                                        <p:cTn id="39" dur="500"/>
+                                        <p:tgtEl>
+                                          <p:spTgt spid="14"/>
+                                        </p:tgtEl>
+                                      </p:cBhvr>
+                                    </p:animEffect>
+                                  </p:childTnLst>
+                                </p:cTn>
+                              </p:par>
+                            </p:childTnLst>
+                          </p:cTn>
+                        </p:par>
+                      </p:childTnLst>
+                    </p:cTn>
+                  </p:par>
+                  <p:par>
+                    <p:cTn id="40" fill="hold">
+                      <p:stCondLst>
+                        <p:cond delay="indefinite"/>
+                      </p:stCondLst>
+                      <p:childTnLst>
+                        <p:par>
+                          <p:cTn id="41" fill="hold">
+                            <p:stCondLst>
+                              <p:cond delay="0"/>
+                            </p:stCondLst>
+                            <p:childTnLst>
+                              <p:par>
+                                <p:cTn id="42" presetID="10" presetClass="entr" presetSubtype="0" fill="hold" grpId="0" nodeType="clickEffect">
+                                  <p:stCondLst>
+                                    <p:cond delay="0"/>
+                                  </p:stCondLst>
+                                  <p:childTnLst>
+                                    <p:set>
+                                      <p:cBhvr>
+                                        <p:cTn id="43" dur="1" fill="hold">
+                                          <p:stCondLst>
+                                            <p:cond delay="0"/>
+                                          </p:stCondLst>
+                                        </p:cTn>
+                                        <p:tgtEl>
+                                          <p:spTgt spid="22"/>
+                                        </p:tgtEl>
+                                        <p:attrNameLst>
+                                          <p:attrName>style.visibility</p:attrName>
+                                        </p:attrNameLst>
+                                      </p:cBhvr>
+                                      <p:to>
+                                        <p:strVal val="visible"/>
+                                      </p:to>
+                                    </p:set>
+                                    <p:animEffect transition="in" filter="fade">
+                                      <p:cBhvr>
+                                        <p:cTn id="44" dur="500"/>
+                                        <p:tgtEl>
+                                          <p:spTgt spid="22"/>
+                                        </p:tgtEl>
+                                      </p:cBhvr>
+                                    </p:animEffect>
+                                  </p:childTnLst>
+                                </p:cTn>
+                              </p:par>
+                              <p:par>
+                                <p:cTn id="45" presetID="10" presetClass="entr" presetSubtype="0" fill="hold" nodeType="withEffect">
+                                  <p:stCondLst>
+                                    <p:cond delay="0"/>
+                                  </p:stCondLst>
+                                  <p:childTnLst>
+                                    <p:set>
+                                      <p:cBhvr>
+                                        <p:cTn id="46" dur="1" fill="hold">
+                                          <p:stCondLst>
+                                            <p:cond delay="0"/>
+                                          </p:stCondLst>
+                                        </p:cTn>
+                                        <p:tgtEl>
+                                          <p:spTgt spid="19"/>
+                                        </p:tgtEl>
+                                        <p:attrNameLst>
+                                          <p:attrName>style.visibility</p:attrName>
+                                        </p:attrNameLst>
+                                      </p:cBhvr>
+                                      <p:to>
+                                        <p:strVal val="visible"/>
+                                      </p:to>
+                                    </p:set>
+                                    <p:animEffect transition="in" filter="fade">
+                                      <p:cBhvr>
+                                        <p:cTn id="47" dur="500"/>
+                                        <p:tgtEl>
+                                          <p:spTgt spid="19"/>
+                                        </p:tgtEl>
+                                      </p:cBhvr>
+                                    </p:animEffect>
+                                  </p:childTnLst>
+                                </p:cTn>
+                              </p:par>
+                            </p:childTnLst>
+                          </p:cTn>
+                        </p:par>
+                      </p:childTnLst>
+                    </p:cTn>
+                  </p:par>
+                  <p:par>
+                    <p:cTn id="48" fill="hold">
+                      <p:stCondLst>
+                        <p:cond delay="indefinite"/>
+                      </p:stCondLst>
+                      <p:childTnLst>
+                        <p:par>
+                          <p:cTn id="49" fill="hold">
+                            <p:stCondLst>
+                              <p:cond delay="0"/>
+                            </p:stCondLst>
+                            <p:childTnLst>
+                              <p:par>
+                                <p:cTn id="50" presetID="10" presetClass="entr" presetSubtype="0" fill="hold" nodeType="clickEffect">
+                                  <p:stCondLst>
+                                    <p:cond delay="0"/>
+                                  </p:stCondLst>
+                                  <p:childTnLst>
+                                    <p:set>
+                                      <p:cBhvr>
+                                        <p:cTn id="51" dur="1" fill="hold">
+                                          <p:stCondLst>
+                                            <p:cond delay="0"/>
+                                          </p:stCondLst>
+                                        </p:cTn>
+                                        <p:tgtEl>
+                                          <p:spTgt spid="1028"/>
+                                        </p:tgtEl>
+                                        <p:attrNameLst>
+                                          <p:attrName>style.visibility</p:attrName>
+                                        </p:attrNameLst>
+                                      </p:cBhvr>
+                                      <p:to>
+                                        <p:strVal val="visible"/>
+                                      </p:to>
+                                    </p:set>
+                                    <p:animEffect transition="in" filter="fade">
+                                      <p:cBhvr>
+                                        <p:cTn id="52" dur="500"/>
+                                        <p:tgtEl>
+                                          <p:spTgt spid="1028"/>
+                                        </p:tgtEl>
+                                      </p:cBhvr>
+                                    </p:animEffect>
+                                  </p:childTnLst>
+                                </p:cTn>
+                              </p:par>
+                              <p:par>
+                                <p:cTn id="53" presetID="10" presetClass="entr" presetSubtype="0" fill="hold" grpId="0" nodeType="withEffect">
+                                  <p:stCondLst>
+                                    <p:cond delay="0"/>
+                                  </p:stCondLst>
+                                  <p:childTnLst>
+                                    <p:set>
+                                      <p:cBhvr>
+                                        <p:cTn id="54" dur="1" fill="hold">
+                                          <p:stCondLst>
+                                            <p:cond delay="0"/>
+                                          </p:stCondLst>
+                                        </p:cTn>
+                                        <p:tgtEl>
+                                          <p:spTgt spid="15"/>
+                                        </p:tgtEl>
+                                        <p:attrNameLst>
+                                          <p:attrName>style.visibility</p:attrName>
+                                        </p:attrNameLst>
+                                      </p:cBhvr>
+                                      <p:to>
+                                        <p:strVal val="visible"/>
+                                      </p:to>
+                                    </p:set>
+                                    <p:animEffect transition="in" filter="fade">
+                                      <p:cBhvr>
+                                        <p:cTn id="55" dur="500"/>
+                                        <p:tgtEl>
+                                          <p:spTgt spid="15"/>
+                                        </p:tgtEl>
+                                      </p:cBhvr>
+                                    </p:animEffect>
+                                  </p:childTnLst>
+                                </p:cTn>
+                              </p:par>
+                            </p:childTnLst>
+                          </p:cTn>
+                        </p:par>
+                      </p:childTnLst>
+                    </p:cTn>
+                  </p:par>
+                </p:childTnLst>
+              </p:cTn>
+              <p:prevCondLst>
+                <p:cond evt="onPrev" delay="0">
+                  <p:tgtEl>
+                    <p:sldTgt/>
+                  </p:tgtEl>
+                </p:cond>
+              </p:prevCondLst>
+              <p:nextCondLst>
+                <p:cond evt="onNext" delay="0">
+                  <p:tgtEl>
+                    <p:sldTgt/>
+                  </p:tgtEl>
+                </p:cond>
+              </p:nextCondLst>
+            </p:seq>
+          </p:childTnLst>
+        </p:cTn>
+      </p:par>
+    </p:tnLst>
+    <p:bldLst>
+      <p:bldP spid="11" grpId="0"/>
+      <p:bldP spid="14" grpId="0"/>
+      <p:bldP spid="15" grpId="0"/>
+      <p:bldP spid="20" grpId="0"/>
+      <p:bldP spid="21" grpId="0"/>
+      <p:bldP spid="22" grpId="0"/>
+    </p:bldLst>
+  </p:timing>
 </p:sld>
 </file>
 
 <file path=ppt/slides/slide8.xml><?xml version="1.0" encoding="utf-8"?>
+<p:sld xmlns:a="http://schemas.openxmlformats.org/drawingml/2006/main" xmlns:r="http://schemas.openxmlformats.org/officeDocument/2006/relationships" xmlns:p="http://schemas.openxmlformats.org/presentationml/2006/main">
+  <p:cSld>
+    <p:spTree>
+      <p:nvGrpSpPr>
+        <p:cNvPr id="1" name=""/>
+        <p:cNvGrpSpPr/>
+        <p:nvPr/>
+      </p:nvGrpSpPr>
+      <p:grpSpPr>
+        <a:xfrm>
+          <a:off x="0" y="0"/>
+          <a:ext cx="0" cy="0"/>
+          <a:chOff x="0" y="0"/>
+          <a:chExt cx="0" cy="0"/>
+        </a:xfrm>
+      </p:grpSpPr>
+      <p:pic>
+        <p:nvPicPr>
+          <p:cNvPr id="12" name="Picture 2" descr="Bot Icon | Robot icon, Chatbot design, Robot logo">
+            <a:extLst>
+              <a:ext uri="{FF2B5EF4-FFF2-40B4-BE49-F238E27FC236}">
+                <a16:creationId xmlns:a16="http://schemas.microsoft.com/office/drawing/2014/main" id="{6BB31B85-5E8E-41AB-9CE0-975F358A37B5}"/>
+              </a:ext>
+            </a:extLst>
+          </p:cNvPr>
+          <p:cNvPicPr>
+            <a:picLocks noChangeAspect="1" noChangeArrowheads="1" noCrop="1"/>
+          </p:cNvPicPr>
+          <p:nvPr/>
+        </p:nvPicPr>
+        <p:blipFill>
+          <a:blip r:embed="rId2" cstate="print">
+            <a:extLst>
+              <a:ext uri="{28A0092B-C50C-407E-A947-70E740481C1C}">
+                <a14:useLocalDpi xmlns:a14="http://schemas.microsoft.com/office/drawing/2010/main" val="0"/>
+              </a:ext>
+            </a:extLst>
+          </a:blip>
+          <a:srcRect/>
+          <a:stretch>
+            <a:fillRect/>
+          </a:stretch>
+        </p:blipFill>
+        <p:spPr bwMode="auto">
+          <a:xfrm>
+            <a:off x="1092416" y="5312825"/>
+            <a:ext cx="1425144" cy="1068858"/>
+          </a:xfrm>
+          <a:prstGeom prst="rect">
+            <a:avLst/>
+          </a:prstGeom>
+          <a:noFill/>
+          <a:extLst>
+            <a:ext uri="{909E8E84-426E-40DD-AFC4-6F175D3DCCD1}">
+              <a14:hiddenFill xmlns:a14="http://schemas.microsoft.com/office/drawing/2010/main">
+                <a:solidFill>
+                  <a:srgbClr val="FFFFFF"/>
+                </a:solidFill>
+              </a14:hiddenFill>
+            </a:ext>
+          </a:extLst>
+        </p:spPr>
+      </p:pic>
+      <p:sp>
+        <p:nvSpPr>
+          <p:cNvPr id="2" name="Title 1"/>
+          <p:cNvSpPr>
+            <a:spLocks noGrp="1"/>
+          </p:cNvSpPr>
+          <p:nvPr>
+            <p:ph type="title"/>
+          </p:nvPr>
+        </p:nvSpPr>
+        <p:spPr>
+          <a:xfrm>
+            <a:off x="485999" y="333450"/>
+            <a:ext cx="11221200" cy="738000"/>
+          </a:xfrm>
+        </p:spPr>
+        <p:txBody>
+          <a:bodyPr/>
+          <a:lstStyle/>
+          <a:p>
+            <a:pPr algn="ctr"/>
+            <a:r>
+              <a:rPr lang="de-DE" sz="2800" b="0" dirty="0">
+                <a:solidFill>
+                  <a:schemeClr val="tx1"/>
+                </a:solidFill>
+                <a:latin typeface="Quicksand" pitchFamily="2" charset="0"/>
+              </a:rPr>
+              <a:t>Voice-bot in Software </a:t>
+            </a:r>
+            <a:r>
+              <a:rPr lang="de-DE" sz="2800" b="0" dirty="0" err="1">
+                <a:solidFill>
+                  <a:schemeClr val="tx1"/>
+                </a:solidFill>
+                <a:latin typeface="Quicksand" pitchFamily="2" charset="0"/>
+              </a:rPr>
+              <a:t>development</a:t>
+            </a:r>
+            <a:endParaRPr lang="de-DE" sz="2800" b="0" dirty="0">
+              <a:solidFill>
+                <a:schemeClr val="tx1"/>
+              </a:solidFill>
+              <a:latin typeface="Quicksand" pitchFamily="2" charset="0"/>
+            </a:endParaRPr>
+          </a:p>
+        </p:txBody>
+      </p:sp>
+      <p:pic>
+        <p:nvPicPr>
+          <p:cNvPr id="16" name="Picture 2" descr="Bot Icon | Robot icon, Chatbot design, Robot logo">
+            <a:extLst>
+              <a:ext uri="{FF2B5EF4-FFF2-40B4-BE49-F238E27FC236}">
+                <a16:creationId xmlns:a16="http://schemas.microsoft.com/office/drawing/2014/main" id="{7ADFD84A-1E1A-40CB-A718-D35F0E32B692}"/>
+              </a:ext>
+            </a:extLst>
+          </p:cNvPr>
+          <p:cNvPicPr>
+            <a:picLocks noChangeAspect="1" noChangeArrowheads="1" noCrop="1"/>
+          </p:cNvPicPr>
+          <p:nvPr/>
+        </p:nvPicPr>
+        <p:blipFill>
+          <a:blip r:embed="rId2" cstate="print">
+            <a:extLst>
+              <a:ext uri="{28A0092B-C50C-407E-A947-70E740481C1C}">
+                <a14:useLocalDpi xmlns:a14="http://schemas.microsoft.com/office/drawing/2010/main" val="0"/>
+              </a:ext>
+            </a:extLst>
+          </a:blip>
+          <a:srcRect/>
+          <a:stretch>
+            <a:fillRect/>
+          </a:stretch>
+        </p:blipFill>
+        <p:spPr bwMode="auto">
+          <a:xfrm>
+            <a:off x="1092416" y="1621712"/>
+            <a:ext cx="1425144" cy="1068858"/>
+          </a:xfrm>
+          <a:prstGeom prst="rect">
+            <a:avLst/>
+          </a:prstGeom>
+          <a:noFill/>
+          <a:extLst>
+            <a:ext uri="{909E8E84-426E-40DD-AFC4-6F175D3DCCD1}">
+              <a14:hiddenFill xmlns:a14="http://schemas.microsoft.com/office/drawing/2010/main">
+                <a:solidFill>
+                  <a:srgbClr val="FFFFFF"/>
+                </a:solidFill>
+              </a14:hiddenFill>
+            </a:ext>
+          </a:extLst>
+        </p:spPr>
+      </p:pic>
+      <p:sp>
+        <p:nvSpPr>
+          <p:cNvPr id="4" name="Sprechblase: rechteckig mit abgerundeten Ecken 3">
+            <a:extLst>
+              <a:ext uri="{FF2B5EF4-FFF2-40B4-BE49-F238E27FC236}">
+                <a16:creationId xmlns:a16="http://schemas.microsoft.com/office/drawing/2014/main" id="{5DA5A246-F282-4DEF-85A4-A3E12AE7F96D}"/>
+              </a:ext>
+            </a:extLst>
+          </p:cNvPr>
+          <p:cNvSpPr/>
+          <p:nvPr/>
+        </p:nvSpPr>
+        <p:spPr>
+          <a:xfrm>
+            <a:off x="2250181" y="1071450"/>
+            <a:ext cx="3384376" cy="538359"/>
+          </a:xfrm>
+          <a:prstGeom prst="wedgeRoundRectCallout">
+            <a:avLst>
+              <a:gd name="adj1" fmla="val -42559"/>
+              <a:gd name="adj2" fmla="val 102453"/>
+              <a:gd name="adj3" fmla="val 16667"/>
+            </a:avLst>
+          </a:prstGeom>
+          <a:noFill/>
+          <a:ln w="9525">
+            <a:solidFill>
+              <a:schemeClr val="tx1"/>
+            </a:solidFill>
+          </a:ln>
+        </p:spPr>
+        <p:style>
+          <a:lnRef idx="2">
+            <a:schemeClr val="accent1">
+              <a:shade val="50000"/>
+            </a:schemeClr>
+          </a:lnRef>
+          <a:fillRef idx="1">
+            <a:schemeClr val="accent1"/>
+          </a:fillRef>
+          <a:effectRef idx="0">
+            <a:schemeClr val="accent1"/>
+          </a:effectRef>
+          <a:fontRef idx="minor">
+            <a:schemeClr val="lt1"/>
+          </a:fontRef>
+        </p:style>
+        <p:txBody>
+          <a:bodyPr rtlCol="0" anchor="ctr">
+            <a:noAutofit/>
+          </a:bodyPr>
+          <a:lstStyle/>
+          <a:p>
+            <a:pPr algn="ctr"/>
+            <a:r>
+              <a:rPr lang="en-US" dirty="0">
+                <a:solidFill>
+                  <a:schemeClr val="tx1"/>
+                </a:solidFill>
+                <a:latin typeface="Arial" pitchFamily="34" charset="0"/>
+                <a:cs typeface="Arial" pitchFamily="34" charset="0"/>
+              </a:rPr>
+              <a:t>hello. how may I help you?</a:t>
+            </a:r>
+          </a:p>
+        </p:txBody>
+      </p:sp>
+      <p:sp>
+        <p:nvSpPr>
+          <p:cNvPr id="8" name="Sprechblase: rechteckig mit abgerundeten Ecken 7">
+            <a:extLst>
+              <a:ext uri="{FF2B5EF4-FFF2-40B4-BE49-F238E27FC236}">
+                <a16:creationId xmlns:a16="http://schemas.microsoft.com/office/drawing/2014/main" id="{4466E7A5-49F3-40C7-B9DB-FAA51BCBEDB5}"/>
+              </a:ext>
+            </a:extLst>
+          </p:cNvPr>
+          <p:cNvSpPr/>
+          <p:nvPr/>
+        </p:nvSpPr>
+        <p:spPr>
+          <a:xfrm flipH="1">
+            <a:off x="3721321" y="1867622"/>
+            <a:ext cx="7349065" cy="1732377"/>
+          </a:xfrm>
+          <a:prstGeom prst="wedgeRoundRectCallout">
+            <a:avLst>
+              <a:gd name="adj1" fmla="val -42294"/>
+              <a:gd name="adj2" fmla="val 72277"/>
+              <a:gd name="adj3" fmla="val 16667"/>
+            </a:avLst>
+          </a:prstGeom>
+          <a:noFill/>
+          <a:ln w="9525">
+            <a:solidFill>
+              <a:schemeClr val="tx1"/>
+            </a:solidFill>
+          </a:ln>
+        </p:spPr>
+        <p:style>
+          <a:lnRef idx="2">
+            <a:schemeClr val="accent1">
+              <a:shade val="50000"/>
+            </a:schemeClr>
+          </a:lnRef>
+          <a:fillRef idx="1">
+            <a:schemeClr val="accent1"/>
+          </a:fillRef>
+          <a:effectRef idx="0">
+            <a:schemeClr val="accent1"/>
+          </a:effectRef>
+          <a:fontRef idx="minor">
+            <a:schemeClr val="lt1"/>
+          </a:fontRef>
+        </p:style>
+        <p:txBody>
+          <a:bodyPr rtlCol="0" anchor="ctr">
+            <a:noAutofit/>
+          </a:bodyPr>
+          <a:lstStyle/>
+          <a:p>
+            <a:pPr algn="ctr"/>
+            <a:r>
+              <a:rPr lang="en-US" dirty="0">
+                <a:solidFill>
+                  <a:schemeClr val="tx1"/>
+                </a:solidFill>
+                <a:latin typeface="Arial" pitchFamily="34" charset="0"/>
+                <a:cs typeface="Arial" pitchFamily="34" charset="0"/>
+              </a:rPr>
+              <a:t>Hi. How to resolve this issue?</a:t>
+            </a:r>
+            <a:br>
+              <a:rPr lang="en-US" dirty="0">
+                <a:solidFill>
+                  <a:schemeClr val="tx1"/>
+                </a:solidFill>
+                <a:latin typeface="Arial" pitchFamily="34" charset="0"/>
+                <a:cs typeface="Arial" pitchFamily="34" charset="0"/>
+              </a:rPr>
+            </a:br>
+            <a:br>
+              <a:rPr lang="en-US" dirty="0">
+                <a:solidFill>
+                  <a:schemeClr val="tx1"/>
+                </a:solidFill>
+                <a:latin typeface="Arial" pitchFamily="34" charset="0"/>
+                <a:cs typeface="Arial" pitchFamily="34" charset="0"/>
+              </a:rPr>
+            </a:br>
+            <a:br>
+              <a:rPr lang="en-US" dirty="0">
+                <a:solidFill>
+                  <a:schemeClr val="tx1"/>
+                </a:solidFill>
+                <a:latin typeface="Arial" pitchFamily="34" charset="0"/>
+                <a:cs typeface="Arial" pitchFamily="34" charset="0"/>
+              </a:rPr>
+            </a:br>
+            <a:br>
+              <a:rPr lang="en-US" dirty="0">
+                <a:solidFill>
+                  <a:schemeClr val="tx1"/>
+                </a:solidFill>
+                <a:latin typeface="Arial" pitchFamily="34" charset="0"/>
+                <a:cs typeface="Arial" pitchFamily="34" charset="0"/>
+              </a:rPr>
+            </a:br>
+            <a:br>
+              <a:rPr lang="en-US" dirty="0">
+                <a:solidFill>
+                  <a:schemeClr val="tx1"/>
+                </a:solidFill>
+                <a:latin typeface="Arial" pitchFamily="34" charset="0"/>
+                <a:cs typeface="Arial" pitchFamily="34" charset="0"/>
+              </a:rPr>
+            </a:br>
+            <a:endParaRPr lang="en-US" dirty="0">
+              <a:solidFill>
+                <a:schemeClr val="tx1"/>
+              </a:solidFill>
+              <a:latin typeface="Arial" pitchFamily="34" charset="0"/>
+              <a:cs typeface="Arial" pitchFamily="34" charset="0"/>
+            </a:endParaRPr>
+          </a:p>
+        </p:txBody>
+      </p:sp>
+      <p:pic>
+        <p:nvPicPr>
+          <p:cNvPr id="9" name="Picture 2" descr="C:\Users\sant_si\AppData\Local\Microsoft\Windows\INetCache\IE\U2L9RH31\aP9Cm[1].png">
+            <a:extLst>
+              <a:ext uri="{FF2B5EF4-FFF2-40B4-BE49-F238E27FC236}">
+                <a16:creationId xmlns:a16="http://schemas.microsoft.com/office/drawing/2014/main" id="{33699808-C900-407A-8406-E25BB6E3B892}"/>
+              </a:ext>
+            </a:extLst>
+          </p:cNvPr>
+          <p:cNvPicPr>
+            <a:picLocks noChangeAspect="1" noChangeArrowheads="1"/>
+          </p:cNvPicPr>
+          <p:nvPr/>
+        </p:nvPicPr>
+        <p:blipFill>
+          <a:blip r:embed="rId3" cstate="print">
+            <a:extLst>
+              <a:ext uri="{28A0092B-C50C-407E-A947-70E740481C1C}">
+                <a14:useLocalDpi xmlns:a14="http://schemas.microsoft.com/office/drawing/2010/main" val="0"/>
+              </a:ext>
+            </a:extLst>
+          </a:blip>
+          <a:srcRect/>
+          <a:stretch>
+            <a:fillRect/>
+          </a:stretch>
+        </p:blipFill>
+        <p:spPr bwMode="auto">
+          <a:xfrm>
+            <a:off x="10843103" y="3654658"/>
+            <a:ext cx="864096" cy="864096"/>
+          </a:xfrm>
+          <a:prstGeom prst="rect">
+            <a:avLst/>
+          </a:prstGeom>
+          <a:noFill/>
+          <a:extLst>
+            <a:ext uri="{909E8E84-426E-40DD-AFC4-6F175D3DCCD1}">
+              <a14:hiddenFill xmlns:a14="http://schemas.microsoft.com/office/drawing/2010/main">
+                <a:solidFill>
+                  <a:srgbClr val="FFFFFF"/>
+                </a:solidFill>
+              </a14:hiddenFill>
+            </a:ext>
+          </a:extLst>
+        </p:spPr>
+      </p:pic>
+      <p:sp>
+        <p:nvSpPr>
+          <p:cNvPr id="10" name="Sprechblase: rechteckig mit abgerundeten Ecken 9">
+            <a:extLst>
+              <a:ext uri="{FF2B5EF4-FFF2-40B4-BE49-F238E27FC236}">
+                <a16:creationId xmlns:a16="http://schemas.microsoft.com/office/drawing/2014/main" id="{D718A8DA-339B-47A0-A2F7-FA372337DCD7}"/>
+              </a:ext>
+            </a:extLst>
+          </p:cNvPr>
+          <p:cNvSpPr/>
+          <p:nvPr/>
+        </p:nvSpPr>
+        <p:spPr>
+          <a:xfrm>
+            <a:off x="2209155" y="3710283"/>
+            <a:ext cx="6264696" cy="1732377"/>
+          </a:xfrm>
+          <a:prstGeom prst="wedgeRoundRectCallout">
+            <a:avLst>
+              <a:gd name="adj1" fmla="val -44384"/>
+              <a:gd name="adj2" fmla="val 75525"/>
+              <a:gd name="adj3" fmla="val 16667"/>
+            </a:avLst>
+          </a:prstGeom>
+          <a:noFill/>
+          <a:ln w="9525">
+            <a:solidFill>
+              <a:schemeClr val="tx1"/>
+            </a:solidFill>
+          </a:ln>
+        </p:spPr>
+        <p:style>
+          <a:lnRef idx="2">
+            <a:schemeClr val="accent1">
+              <a:shade val="50000"/>
+            </a:schemeClr>
+          </a:lnRef>
+          <a:fillRef idx="1">
+            <a:schemeClr val="accent1"/>
+          </a:fillRef>
+          <a:effectRef idx="0">
+            <a:schemeClr val="accent1"/>
+          </a:effectRef>
+          <a:fontRef idx="minor">
+            <a:schemeClr val="lt1"/>
+          </a:fontRef>
+        </p:style>
+        <p:txBody>
+          <a:bodyPr rtlCol="0" anchor="ctr">
+            <a:noAutofit/>
+          </a:bodyPr>
+          <a:lstStyle/>
+          <a:p>
+            <a:pPr algn="ctr"/>
+            <a:r>
+              <a:rPr lang="en-US" dirty="0">
+                <a:solidFill>
+                  <a:schemeClr val="tx1"/>
+                </a:solidFill>
+                <a:latin typeface="Arial" pitchFamily="34" charset="0"/>
+                <a:cs typeface="Arial" pitchFamily="34" charset="0"/>
+              </a:rPr>
+              <a:t>Sure. Here’s something that might solve this issue.</a:t>
+            </a:r>
+            <a:br>
+              <a:rPr lang="en-US" dirty="0">
+                <a:solidFill>
+                  <a:schemeClr val="tx1"/>
+                </a:solidFill>
+                <a:latin typeface="Arial" pitchFamily="34" charset="0"/>
+                <a:cs typeface="Arial" pitchFamily="34" charset="0"/>
+              </a:rPr>
+            </a:br>
+            <a:br>
+              <a:rPr lang="en-US" dirty="0">
+                <a:solidFill>
+                  <a:schemeClr val="tx1"/>
+                </a:solidFill>
+                <a:latin typeface="Arial" pitchFamily="34" charset="0"/>
+                <a:cs typeface="Arial" pitchFamily="34" charset="0"/>
+              </a:rPr>
+            </a:br>
+            <a:br>
+              <a:rPr lang="en-US" dirty="0">
+                <a:solidFill>
+                  <a:schemeClr val="tx1"/>
+                </a:solidFill>
+                <a:latin typeface="Arial" pitchFamily="34" charset="0"/>
+                <a:cs typeface="Arial" pitchFamily="34" charset="0"/>
+              </a:rPr>
+            </a:br>
+            <a:r>
+              <a:rPr lang="en-US" dirty="0">
+                <a:solidFill>
+                  <a:schemeClr val="tx1"/>
+                </a:solidFill>
+                <a:latin typeface="Arial" pitchFamily="34" charset="0"/>
+                <a:cs typeface="Arial" pitchFamily="34" charset="0"/>
+              </a:rPr>
+              <a:t> </a:t>
+            </a:r>
+            <a:br>
+              <a:rPr lang="en-US" dirty="0">
+                <a:solidFill>
+                  <a:schemeClr val="tx1"/>
+                </a:solidFill>
+                <a:latin typeface="Arial" pitchFamily="34" charset="0"/>
+                <a:cs typeface="Arial" pitchFamily="34" charset="0"/>
+              </a:rPr>
+            </a:br>
+            <a:br>
+              <a:rPr lang="en-US" dirty="0">
+                <a:solidFill>
+                  <a:schemeClr val="tx1"/>
+                </a:solidFill>
+                <a:latin typeface="Arial" pitchFamily="34" charset="0"/>
+                <a:cs typeface="Arial" pitchFamily="34" charset="0"/>
+              </a:rPr>
+            </a:br>
+            <a:endParaRPr lang="en-US" dirty="0">
+              <a:solidFill>
+                <a:schemeClr val="tx1"/>
+              </a:solidFill>
+              <a:latin typeface="Arial" pitchFamily="34" charset="0"/>
+              <a:cs typeface="Arial" pitchFamily="34" charset="0"/>
+            </a:endParaRPr>
+          </a:p>
+        </p:txBody>
+      </p:sp>
+      <p:pic>
+        <p:nvPicPr>
+          <p:cNvPr id="14" name="Grafik 13">
+            <a:extLst>
+              <a:ext uri="{FF2B5EF4-FFF2-40B4-BE49-F238E27FC236}">
+                <a16:creationId xmlns:a16="http://schemas.microsoft.com/office/drawing/2014/main" id="{122FDB33-CFCF-43AC-BC23-E1A55E1243BA}"/>
+              </a:ext>
+            </a:extLst>
+          </p:cNvPr>
+          <p:cNvPicPr>
+            <a:picLocks noChangeAspect="1"/>
+          </p:cNvPicPr>
+          <p:nvPr/>
+        </p:nvPicPr>
+        <p:blipFill>
+          <a:blip r:embed="rId4"/>
+          <a:stretch>
+            <a:fillRect/>
+          </a:stretch>
+        </p:blipFill>
+        <p:spPr>
+          <a:xfrm>
+            <a:off x="2769347" y="4086706"/>
+            <a:ext cx="4608512" cy="1253465"/>
+          </a:xfrm>
+          <a:prstGeom prst="rect">
+            <a:avLst/>
+          </a:prstGeom>
+        </p:spPr>
+      </p:pic>
+      <p:pic>
+        <p:nvPicPr>
+          <p:cNvPr id="17" name="Grafik 16">
+            <a:extLst>
+              <a:ext uri="{FF2B5EF4-FFF2-40B4-BE49-F238E27FC236}">
+                <a16:creationId xmlns:a16="http://schemas.microsoft.com/office/drawing/2014/main" id="{9B9A937A-5FF5-4C79-AB94-ADCDECEC19D3}"/>
+              </a:ext>
+            </a:extLst>
+          </p:cNvPr>
+          <p:cNvPicPr>
+            <a:picLocks noChangeAspect="1"/>
+          </p:cNvPicPr>
+          <p:nvPr/>
+        </p:nvPicPr>
+        <p:blipFill>
+          <a:blip r:embed="rId5">
+            <a:extLst>
+              <a:ext uri="{28A0092B-C50C-407E-A947-70E740481C1C}">
+                <a14:useLocalDpi xmlns:a14="http://schemas.microsoft.com/office/drawing/2010/main" val="0"/>
+              </a:ext>
+            </a:extLst>
+          </a:blip>
+          <a:stretch>
+            <a:fillRect/>
+          </a:stretch>
+        </p:blipFill>
+        <p:spPr>
+          <a:xfrm>
+            <a:off x="3942369" y="2374363"/>
+            <a:ext cx="6906970" cy="1055431"/>
+          </a:xfrm>
+          <a:prstGeom prst="rect">
+            <a:avLst/>
+          </a:prstGeom>
+        </p:spPr>
+      </p:pic>
+    </p:spTree>
+    <p:extLst>
+      <p:ext uri="{BB962C8B-B14F-4D97-AF65-F5344CB8AC3E}">
+        <p14:creationId xmlns:p14="http://schemas.microsoft.com/office/powerpoint/2010/main" val="27666553"/>
+      </p:ext>
+    </p:extLst>
+  </p:cSld>
+  <p:clrMapOvr>
+    <a:masterClrMapping/>
+  </p:clrMapOvr>
+  <p:timing>
+    <p:tnLst>
+      <p:par>
+        <p:cTn id="1" dur="indefinite" restart="never" nodeType="tmRoot">
+          <p:childTnLst>
+            <p:seq concurrent="1" nextAc="seek">
+              <p:cTn id="2" dur="indefinite" nodeType="mainSeq">
+                <p:childTnLst>
+                  <p:par>
+                    <p:cTn id="3" fill="hold">
+                      <p:stCondLst>
+                        <p:cond delay="indefinite"/>
+                      </p:stCondLst>
+                      <p:childTnLst>
+                        <p:par>
+                          <p:cTn id="4" fill="hold">
+                            <p:stCondLst>
+                              <p:cond delay="0"/>
+                            </p:stCondLst>
+                            <p:childTnLst>
+                              <p:par>
+                                <p:cTn id="5" presetID="10" presetClass="entr" presetSubtype="0" fill="hold" nodeType="clickEffect">
+                                  <p:stCondLst>
+                                    <p:cond delay="0"/>
+                                  </p:stCondLst>
+                                  <p:childTnLst>
+                                    <p:set>
+                                      <p:cBhvr>
+                                        <p:cTn id="6" dur="1" fill="hold">
+                                          <p:stCondLst>
+                                            <p:cond delay="0"/>
+                                          </p:stCondLst>
+                                        </p:cTn>
+                                        <p:tgtEl>
+                                          <p:spTgt spid="16"/>
+                                        </p:tgtEl>
+                                        <p:attrNameLst>
+                                          <p:attrName>style.visibility</p:attrName>
+                                        </p:attrNameLst>
+                                      </p:cBhvr>
+                                      <p:to>
+                                        <p:strVal val="visible"/>
+                                      </p:to>
+                                    </p:set>
+                                    <p:animEffect transition="in" filter="fade">
+                                      <p:cBhvr>
+                                        <p:cTn id="7" dur="500"/>
+                                        <p:tgtEl>
+                                          <p:spTgt spid="16"/>
+                                        </p:tgtEl>
+                                      </p:cBhvr>
+                                    </p:animEffect>
+                                  </p:childTnLst>
+                                </p:cTn>
+                              </p:par>
+                              <p:par>
+                                <p:cTn id="8" presetID="10" presetClass="entr" presetSubtype="0" fill="hold" grpId="0" nodeType="withEffect">
+                                  <p:stCondLst>
+                                    <p:cond delay="0"/>
+                                  </p:stCondLst>
+                                  <p:childTnLst>
+                                    <p:set>
+                                      <p:cBhvr>
+                                        <p:cTn id="9" dur="1" fill="hold">
+                                          <p:stCondLst>
+                                            <p:cond delay="0"/>
+                                          </p:stCondLst>
+                                        </p:cTn>
+                                        <p:tgtEl>
+                                          <p:spTgt spid="4"/>
+                                        </p:tgtEl>
+                                        <p:attrNameLst>
+                                          <p:attrName>style.visibility</p:attrName>
+                                        </p:attrNameLst>
+                                      </p:cBhvr>
+                                      <p:to>
+                                        <p:strVal val="visible"/>
+                                      </p:to>
+                                    </p:set>
+                                    <p:animEffect transition="in" filter="fade">
+                                      <p:cBhvr>
+                                        <p:cTn id="10" dur="500"/>
+                                        <p:tgtEl>
+                                          <p:spTgt spid="4"/>
+                                        </p:tgtEl>
+                                      </p:cBhvr>
+                                    </p:animEffect>
+                                  </p:childTnLst>
+                                </p:cTn>
+                              </p:par>
+                            </p:childTnLst>
+                          </p:cTn>
+                        </p:par>
+                      </p:childTnLst>
+                    </p:cTn>
+                  </p:par>
+                  <p:par>
+                    <p:cTn id="11" fill="hold">
+                      <p:stCondLst>
+                        <p:cond delay="indefinite"/>
+                      </p:stCondLst>
+                      <p:childTnLst>
+                        <p:par>
+                          <p:cTn id="12" fill="hold">
+                            <p:stCondLst>
+                              <p:cond delay="0"/>
+                            </p:stCondLst>
+                            <p:childTnLst>
+                              <p:par>
+                                <p:cTn id="13" presetID="10" presetClass="entr" presetSubtype="0" fill="hold" grpId="0" nodeType="clickEffect">
+                                  <p:stCondLst>
+                                    <p:cond delay="0"/>
+                                  </p:stCondLst>
+                                  <p:childTnLst>
+                                    <p:set>
+                                      <p:cBhvr>
+                                        <p:cTn id="14" dur="1" fill="hold">
+                                          <p:stCondLst>
+                                            <p:cond delay="0"/>
+                                          </p:stCondLst>
+                                        </p:cTn>
+                                        <p:tgtEl>
+                                          <p:spTgt spid="8"/>
+                                        </p:tgtEl>
+                                        <p:attrNameLst>
+                                          <p:attrName>style.visibility</p:attrName>
+                                        </p:attrNameLst>
+                                      </p:cBhvr>
+                                      <p:to>
+                                        <p:strVal val="visible"/>
+                                      </p:to>
+                                    </p:set>
+                                    <p:animEffect transition="in" filter="fade">
+                                      <p:cBhvr>
+                                        <p:cTn id="15" dur="500"/>
+                                        <p:tgtEl>
+                                          <p:spTgt spid="8"/>
+                                        </p:tgtEl>
+                                      </p:cBhvr>
+                                    </p:animEffect>
+                                  </p:childTnLst>
+                                </p:cTn>
+                              </p:par>
+                              <p:par>
+                                <p:cTn id="16" presetID="10" presetClass="entr" presetSubtype="0" fill="hold" nodeType="withEffect">
+                                  <p:stCondLst>
+                                    <p:cond delay="0"/>
+                                  </p:stCondLst>
+                                  <p:childTnLst>
+                                    <p:set>
+                                      <p:cBhvr>
+                                        <p:cTn id="17" dur="1" fill="hold">
+                                          <p:stCondLst>
+                                            <p:cond delay="0"/>
+                                          </p:stCondLst>
+                                        </p:cTn>
+                                        <p:tgtEl>
+                                          <p:spTgt spid="17"/>
+                                        </p:tgtEl>
+                                        <p:attrNameLst>
+                                          <p:attrName>style.visibility</p:attrName>
+                                        </p:attrNameLst>
+                                      </p:cBhvr>
+                                      <p:to>
+                                        <p:strVal val="visible"/>
+                                      </p:to>
+                                    </p:set>
+                                    <p:animEffect transition="in" filter="fade">
+                                      <p:cBhvr>
+                                        <p:cTn id="18" dur="500"/>
+                                        <p:tgtEl>
+                                          <p:spTgt spid="17"/>
+                                        </p:tgtEl>
+                                      </p:cBhvr>
+                                    </p:animEffect>
+                                  </p:childTnLst>
+                                </p:cTn>
+                              </p:par>
+                              <p:par>
+                                <p:cTn id="19" presetID="10" presetClass="entr" presetSubtype="0" fill="hold" nodeType="withEffect">
+                                  <p:stCondLst>
+                                    <p:cond delay="0"/>
+                                  </p:stCondLst>
+                                  <p:childTnLst>
+                                    <p:set>
+                                      <p:cBhvr>
+                                        <p:cTn id="20" dur="1" fill="hold">
+                                          <p:stCondLst>
+                                            <p:cond delay="0"/>
+                                          </p:stCondLst>
+                                        </p:cTn>
+                                        <p:tgtEl>
+                                          <p:spTgt spid="9"/>
+                                        </p:tgtEl>
+                                        <p:attrNameLst>
+                                          <p:attrName>style.visibility</p:attrName>
+                                        </p:attrNameLst>
+                                      </p:cBhvr>
+                                      <p:to>
+                                        <p:strVal val="visible"/>
+                                      </p:to>
+                                    </p:set>
+                                    <p:animEffect transition="in" filter="fade">
+                                      <p:cBhvr>
+                                        <p:cTn id="21" dur="500"/>
+                                        <p:tgtEl>
+                                          <p:spTgt spid="9"/>
+                                        </p:tgtEl>
+                                      </p:cBhvr>
+                                    </p:animEffect>
+                                  </p:childTnLst>
+                                </p:cTn>
+                              </p:par>
+                            </p:childTnLst>
+                          </p:cTn>
+                        </p:par>
+                      </p:childTnLst>
+                    </p:cTn>
+                  </p:par>
+                  <p:par>
+                    <p:cTn id="22" fill="hold">
+                      <p:stCondLst>
+                        <p:cond delay="indefinite"/>
+                      </p:stCondLst>
+                      <p:childTnLst>
+                        <p:par>
+                          <p:cTn id="23" fill="hold">
+                            <p:stCondLst>
+                              <p:cond delay="0"/>
+                            </p:stCondLst>
+                            <p:childTnLst>
+                              <p:par>
+                                <p:cTn id="24" presetID="10" presetClass="entr" presetSubtype="0" fill="hold" grpId="0" nodeType="clickEffect">
+                                  <p:stCondLst>
+                                    <p:cond delay="0"/>
+                                  </p:stCondLst>
+                                  <p:childTnLst>
+                                    <p:set>
+                                      <p:cBhvr>
+                                        <p:cTn id="25" dur="1" fill="hold">
+                                          <p:stCondLst>
+                                            <p:cond delay="0"/>
+                                          </p:stCondLst>
+                                        </p:cTn>
+                                        <p:tgtEl>
+                                          <p:spTgt spid="10"/>
+                                        </p:tgtEl>
+                                        <p:attrNameLst>
+                                          <p:attrName>style.visibility</p:attrName>
+                                        </p:attrNameLst>
+                                      </p:cBhvr>
+                                      <p:to>
+                                        <p:strVal val="visible"/>
+                                      </p:to>
+                                    </p:set>
+                                    <p:animEffect transition="in" filter="fade">
+                                      <p:cBhvr>
+                                        <p:cTn id="26" dur="500"/>
+                                        <p:tgtEl>
+                                          <p:spTgt spid="10"/>
+                                        </p:tgtEl>
+                                      </p:cBhvr>
+                                    </p:animEffect>
+                                  </p:childTnLst>
+                                </p:cTn>
+                              </p:par>
+                              <p:par>
+                                <p:cTn id="27" presetID="10" presetClass="entr" presetSubtype="0" fill="hold" nodeType="withEffect">
+                                  <p:stCondLst>
+                                    <p:cond delay="0"/>
+                                  </p:stCondLst>
+                                  <p:childTnLst>
+                                    <p:set>
+                                      <p:cBhvr>
+                                        <p:cTn id="28" dur="1" fill="hold">
+                                          <p:stCondLst>
+                                            <p:cond delay="0"/>
+                                          </p:stCondLst>
+                                        </p:cTn>
+                                        <p:tgtEl>
+                                          <p:spTgt spid="14"/>
+                                        </p:tgtEl>
+                                        <p:attrNameLst>
+                                          <p:attrName>style.visibility</p:attrName>
+                                        </p:attrNameLst>
+                                      </p:cBhvr>
+                                      <p:to>
+                                        <p:strVal val="visible"/>
+                                      </p:to>
+                                    </p:set>
+                                    <p:animEffect transition="in" filter="fade">
+                                      <p:cBhvr>
+                                        <p:cTn id="29" dur="500"/>
+                                        <p:tgtEl>
+                                          <p:spTgt spid="14"/>
+                                        </p:tgtEl>
+                                      </p:cBhvr>
+                                    </p:animEffect>
+                                  </p:childTnLst>
+                                </p:cTn>
+                              </p:par>
+                              <p:par>
+                                <p:cTn id="30" presetID="10" presetClass="entr" presetSubtype="0" fill="hold" nodeType="withEffect">
+                                  <p:stCondLst>
+                                    <p:cond delay="0"/>
+                                  </p:stCondLst>
+                                  <p:childTnLst>
+                                    <p:set>
+                                      <p:cBhvr>
+                                        <p:cTn id="31" dur="1" fill="hold">
+                                          <p:stCondLst>
+                                            <p:cond delay="0"/>
+                                          </p:stCondLst>
+                                        </p:cTn>
+                                        <p:tgtEl>
+                                          <p:spTgt spid="12"/>
+                                        </p:tgtEl>
+                                        <p:attrNameLst>
+                                          <p:attrName>style.visibility</p:attrName>
+                                        </p:attrNameLst>
+                                      </p:cBhvr>
+                                      <p:to>
+                                        <p:strVal val="visible"/>
+                                      </p:to>
+                                    </p:set>
+                                    <p:animEffect transition="in" filter="fade">
+                                      <p:cBhvr>
+                                        <p:cTn id="32" dur="500"/>
+                                        <p:tgtEl>
+                                          <p:spTgt spid="12"/>
+                                        </p:tgtEl>
+                                      </p:cBhvr>
+                                    </p:animEffect>
+                                  </p:childTnLst>
+                                </p:cTn>
+                              </p:par>
+                            </p:childTnLst>
+                          </p:cTn>
+                        </p:par>
+                      </p:childTnLst>
+                    </p:cTn>
+                  </p:par>
+                </p:childTnLst>
+              </p:cTn>
+              <p:prevCondLst>
+                <p:cond evt="onPrev" delay="0">
+                  <p:tgtEl>
+                    <p:sldTgt/>
+                  </p:tgtEl>
+                </p:cond>
+              </p:prevCondLst>
+              <p:nextCondLst>
+                <p:cond evt="onNext" delay="0">
+                  <p:tgtEl>
+                    <p:sldTgt/>
+                  </p:tgtEl>
+                </p:cond>
+              </p:nextCondLst>
+            </p:seq>
+          </p:childTnLst>
+        </p:cTn>
+      </p:par>
+    </p:tnLst>
+    <p:bldLst>
+      <p:bldP spid="4" grpId="0" animBg="1"/>
+      <p:bldP spid="8" grpId="0" animBg="1"/>
+      <p:bldP spid="10" grpId="0" animBg="1"/>
+    </p:bldLst>
+  </p:timing>
+</p:sld>
+</file>
+
+<file path=ppt/slides/slide9.xml><?xml version="1.0" encoding="utf-8"?>
 <p:sld xmlns:a="http://schemas.openxmlformats.org/drawingml/2006/main" xmlns:r="http://schemas.openxmlformats.org/officeDocument/2006/relationships" xmlns:p="http://schemas.openxmlformats.org/presentationml/2006/main">
   <p:cSld>
     <p:spTree>
